--- a/README.pptx
+++ b/README.pptx
@@ -6,6 +6,26 @@
   </p:sldMasterIdLst>
   <p:sldIdLst>
     <p:sldId id="256" r:id="rId2"/>
+    <p:sldId id="259" r:id="rId3"/>
+    <p:sldId id="273" r:id="rId4"/>
+    <p:sldId id="274" r:id="rId5"/>
+    <p:sldId id="275" r:id="rId6"/>
+    <p:sldId id="271" r:id="rId7"/>
+    <p:sldId id="260" r:id="rId8"/>
+    <p:sldId id="262" r:id="rId9"/>
+    <p:sldId id="263" r:id="rId10"/>
+    <p:sldId id="264" r:id="rId11"/>
+    <p:sldId id="265" r:id="rId12"/>
+    <p:sldId id="266" r:id="rId13"/>
+    <p:sldId id="267" r:id="rId14"/>
+    <p:sldId id="268" r:id="rId15"/>
+    <p:sldId id="269" r:id="rId16"/>
+    <p:sldId id="272" r:id="rId17"/>
+    <p:sldId id="278" r:id="rId18"/>
+    <p:sldId id="279" r:id="rId19"/>
+    <p:sldId id="277" r:id="rId20"/>
+    <p:sldId id="270" r:id="rId21"/>
+    <p:sldId id="276" r:id="rId22"/>
   </p:sldIdLst>
   <p:sldSz cx="12192000" cy="6858000"/>
   <p:notesSz cx="6858000" cy="9144000"/>
@@ -104,6 +124,11 @@
       </a:defRPr>
     </a:lvl9pPr>
   </p:defaultTextStyle>
+  <p:extLst>
+    <p:ext uri="{EFAFB233-063F-42B5-8137-9DF3F51BA10A}">
+      <p15:sldGuideLst xmlns:p15="http://schemas.microsoft.com/office/powerpoint/2012/main"/>
+    </p:ext>
+  </p:extLst>
 </p:presentation>
 </file>
 
@@ -3631,8 +3656,12 @@
           <a:lstStyle/>
           <a:p>
             <a:r>
-              <a:rPr kumimoji="1" lang="ja-JP" altLang="en-US"/>
-              <a:t>作成中</a:t>
+              <a:rPr kumimoji="1" lang="en-US" altLang="ja-JP" dirty="0"/>
+              <a:t>LINE</a:t>
+            </a:r>
+            <a:r>
+              <a:rPr kumimoji="1" lang="ja-JP" altLang="en-US" dirty="0"/>
+              <a:t>対話</a:t>
             </a:r>
           </a:p>
         </p:txBody>
@@ -3658,7 +3687,19 @@
           <a:bodyPr/>
           <a:lstStyle/>
           <a:p>
-            <a:endParaRPr kumimoji="1" lang="ja-JP" altLang="en-US"/>
+            <a:r>
+              <a:rPr kumimoji="1" lang="ja-JP" altLang="en-US" dirty="0"/>
+              <a:t>はじめての</a:t>
+            </a:r>
+            <a:r>
+              <a:rPr kumimoji="1" lang="en-US" altLang="ja-JP" dirty="0"/>
+              <a:t>LINEBOT</a:t>
+            </a:r>
+            <a:r>
+              <a:rPr lang="ja-JP" altLang="en-US" dirty="0"/>
+              <a:t>作成</a:t>
+            </a:r>
+            <a:endParaRPr kumimoji="1" lang="ja-JP" altLang="en-US" dirty="0"/>
           </a:p>
         </p:txBody>
       </p:sp>
@@ -3666,6 +3707,2869 @@
     <p:extLst>
       <p:ext uri="{BB962C8B-B14F-4D97-AF65-F5344CB8AC3E}">
         <p14:creationId xmlns:p14="http://schemas.microsoft.com/office/powerpoint/2010/main" val="1727571318"/>
+      </p:ext>
+    </p:extLst>
+  </p:cSld>
+  <p:clrMapOvr>
+    <a:masterClrMapping/>
+  </p:clrMapOvr>
+</p:sld>
+</file>
+
+<file path=ppt/slides/slide10.xml><?xml version="1.0" encoding="utf-8"?>
+<p:sld xmlns:a="http://schemas.openxmlformats.org/drawingml/2006/main" xmlns:r="http://schemas.openxmlformats.org/officeDocument/2006/relationships" xmlns:p="http://schemas.openxmlformats.org/presentationml/2006/main">
+  <p:cSld>
+    <p:spTree>
+      <p:nvGrpSpPr>
+        <p:cNvPr id="1" name=""/>
+        <p:cNvGrpSpPr/>
+        <p:nvPr/>
+      </p:nvGrpSpPr>
+      <p:grpSpPr>
+        <a:xfrm>
+          <a:off x="0" y="0"/>
+          <a:ext cx="0" cy="0"/>
+          <a:chOff x="0" y="0"/>
+          <a:chExt cx="0" cy="0"/>
+        </a:xfrm>
+      </p:grpSpPr>
+      <p:sp>
+        <p:nvSpPr>
+          <p:cNvPr id="2" name="タイトル 1">
+            <a:extLst>
+              <a:ext uri="{FF2B5EF4-FFF2-40B4-BE49-F238E27FC236}">
+                <a16:creationId xmlns:a16="http://schemas.microsoft.com/office/drawing/2014/main" id="{2631599D-BB4F-F745-4F36-CF3F2A482E41}"/>
+              </a:ext>
+            </a:extLst>
+          </p:cNvPr>
+          <p:cNvSpPr>
+            <a:spLocks noGrp="1"/>
+          </p:cNvSpPr>
+          <p:nvPr>
+            <p:ph type="title"/>
+          </p:nvPr>
+        </p:nvSpPr>
+        <p:spPr/>
+        <p:txBody>
+          <a:bodyPr>
+            <a:normAutofit/>
+          </a:bodyPr>
+          <a:lstStyle/>
+          <a:p>
+            <a:r>
+              <a:rPr lang="en-US" altLang="ja-JP" dirty="0"/>
+              <a:t>LINE</a:t>
+            </a:r>
+            <a:r>
+              <a:rPr lang="ja-JP" altLang="en-US" dirty="0"/>
+              <a:t> </a:t>
+            </a:r>
+            <a:r>
+              <a:rPr lang="en-US" altLang="ja-JP" dirty="0"/>
+              <a:t>Developers</a:t>
+            </a:r>
+            <a:br>
+              <a:rPr lang="en-US" altLang="ja-JP" dirty="0"/>
+            </a:br>
+            <a:r>
+              <a:rPr lang="ja-JP" altLang="en-US" b="0" i="0" dirty="0">
+                <a:effectLst/>
+                <a:latin typeface="Roboto" panose="020F0502020204030204" pitchFamily="2" charset="0"/>
+              </a:rPr>
+              <a:t>新規プロバイダー作成</a:t>
+            </a:r>
+            <a:endParaRPr kumimoji="1" lang="ja-JP" altLang="en-US" dirty="0"/>
+          </a:p>
+        </p:txBody>
+      </p:sp>
+      <p:sp>
+        <p:nvSpPr>
+          <p:cNvPr id="4" name="テキスト プレースホルダー 3">
+            <a:extLst>
+              <a:ext uri="{FF2B5EF4-FFF2-40B4-BE49-F238E27FC236}">
+                <a16:creationId xmlns:a16="http://schemas.microsoft.com/office/drawing/2014/main" id="{51DF1AA3-0B77-B5F7-4F26-7C295F9EBC30}"/>
+              </a:ext>
+            </a:extLst>
+          </p:cNvPr>
+          <p:cNvSpPr>
+            <a:spLocks noGrp="1"/>
+          </p:cNvSpPr>
+          <p:nvPr>
+            <p:ph type="body" sz="half" idx="2"/>
+          </p:nvPr>
+        </p:nvSpPr>
+        <p:spPr/>
+        <p:txBody>
+          <a:bodyPr/>
+          <a:lstStyle/>
+          <a:p>
+            <a:endParaRPr kumimoji="1" lang="ja-JP" altLang="en-US" dirty="0"/>
+          </a:p>
+        </p:txBody>
+      </p:sp>
+      <p:pic>
+        <p:nvPicPr>
+          <p:cNvPr id="7" name="コンテンツ プレースホルダー 6">
+            <a:extLst>
+              <a:ext uri="{FF2B5EF4-FFF2-40B4-BE49-F238E27FC236}">
+                <a16:creationId xmlns:a16="http://schemas.microsoft.com/office/drawing/2014/main" id="{E746B099-B9E7-AE95-95A6-F56FBE09EDC2}"/>
+              </a:ext>
+            </a:extLst>
+          </p:cNvPr>
+          <p:cNvPicPr>
+            <a:picLocks noGrp="1" noChangeAspect="1"/>
+          </p:cNvPicPr>
+          <p:nvPr>
+            <p:ph idx="1"/>
+          </p:nvPr>
+        </p:nvPicPr>
+        <p:blipFill>
+          <a:blip r:embed="rId2"/>
+          <a:stretch>
+            <a:fillRect/>
+          </a:stretch>
+        </p:blipFill>
+        <p:spPr>
+          <a:xfrm>
+            <a:off x="5457581" y="987425"/>
+            <a:ext cx="5623413" cy="4873625"/>
+          </a:xfrm>
+        </p:spPr>
+      </p:pic>
+    </p:spTree>
+    <p:extLst>
+      <p:ext uri="{BB962C8B-B14F-4D97-AF65-F5344CB8AC3E}">
+        <p14:creationId xmlns:p14="http://schemas.microsoft.com/office/powerpoint/2010/main" val="3156597588"/>
+      </p:ext>
+    </p:extLst>
+  </p:cSld>
+  <p:clrMapOvr>
+    <a:masterClrMapping/>
+  </p:clrMapOvr>
+</p:sld>
+</file>
+
+<file path=ppt/slides/slide11.xml><?xml version="1.0" encoding="utf-8"?>
+<p:sld xmlns:a="http://schemas.openxmlformats.org/drawingml/2006/main" xmlns:r="http://schemas.openxmlformats.org/officeDocument/2006/relationships" xmlns:p="http://schemas.openxmlformats.org/presentationml/2006/main">
+  <p:cSld>
+    <p:spTree>
+      <p:nvGrpSpPr>
+        <p:cNvPr id="1" name=""/>
+        <p:cNvGrpSpPr/>
+        <p:nvPr/>
+      </p:nvGrpSpPr>
+      <p:grpSpPr>
+        <a:xfrm>
+          <a:off x="0" y="0"/>
+          <a:ext cx="0" cy="0"/>
+          <a:chOff x="0" y="0"/>
+          <a:chExt cx="0" cy="0"/>
+        </a:xfrm>
+      </p:grpSpPr>
+      <p:sp>
+        <p:nvSpPr>
+          <p:cNvPr id="2" name="タイトル 1">
+            <a:extLst>
+              <a:ext uri="{FF2B5EF4-FFF2-40B4-BE49-F238E27FC236}">
+                <a16:creationId xmlns:a16="http://schemas.microsoft.com/office/drawing/2014/main" id="{2631599D-BB4F-F745-4F36-CF3F2A482E41}"/>
+              </a:ext>
+            </a:extLst>
+          </p:cNvPr>
+          <p:cNvSpPr>
+            <a:spLocks noGrp="1"/>
+          </p:cNvSpPr>
+          <p:nvPr>
+            <p:ph type="title"/>
+          </p:nvPr>
+        </p:nvSpPr>
+        <p:spPr/>
+        <p:txBody>
+          <a:bodyPr>
+            <a:normAutofit/>
+          </a:bodyPr>
+          <a:lstStyle/>
+          <a:p>
+            <a:r>
+              <a:rPr lang="en-US" altLang="ja-JP" dirty="0"/>
+              <a:t>LINE</a:t>
+            </a:r>
+            <a:r>
+              <a:rPr lang="ja-JP" altLang="en-US" dirty="0"/>
+              <a:t> </a:t>
+            </a:r>
+            <a:r>
+              <a:rPr lang="en-US" altLang="ja-JP" dirty="0"/>
+              <a:t>Developers</a:t>
+            </a:r>
+            <a:br>
+              <a:rPr lang="en-US" altLang="ja-JP" dirty="0"/>
+            </a:br>
+            <a:r>
+              <a:rPr lang="ja-JP" altLang="en-US" b="0" i="0" dirty="0">
+                <a:effectLst/>
+                <a:latin typeface="Roboto" panose="020F0502020204030204" pitchFamily="2" charset="0"/>
+              </a:rPr>
+              <a:t>新規チャネル作成</a:t>
+            </a:r>
+            <a:endParaRPr kumimoji="1" lang="ja-JP" altLang="en-US" dirty="0"/>
+          </a:p>
+        </p:txBody>
+      </p:sp>
+      <p:sp>
+        <p:nvSpPr>
+          <p:cNvPr id="4" name="テキスト プレースホルダー 3">
+            <a:extLst>
+              <a:ext uri="{FF2B5EF4-FFF2-40B4-BE49-F238E27FC236}">
+                <a16:creationId xmlns:a16="http://schemas.microsoft.com/office/drawing/2014/main" id="{51DF1AA3-0B77-B5F7-4F26-7C295F9EBC30}"/>
+              </a:ext>
+            </a:extLst>
+          </p:cNvPr>
+          <p:cNvSpPr>
+            <a:spLocks noGrp="1"/>
+          </p:cNvSpPr>
+          <p:nvPr>
+            <p:ph type="body" sz="half" idx="2"/>
+          </p:nvPr>
+        </p:nvSpPr>
+        <p:spPr/>
+        <p:txBody>
+          <a:bodyPr/>
+          <a:lstStyle/>
+          <a:p>
+            <a:r>
+              <a:rPr kumimoji="1" lang="ja-JP" altLang="en-US" dirty="0"/>
+              <a:t>チャネルを作成するには、チャネルの種類を選択します。</a:t>
+            </a:r>
+            <a:endParaRPr kumimoji="1" lang="en-US" altLang="ja-JP" dirty="0"/>
+          </a:p>
+          <a:p>
+            <a:r>
+              <a:rPr lang="ja-JP" altLang="en-US" dirty="0"/>
+              <a:t>今回は</a:t>
+            </a:r>
+            <a:r>
+              <a:rPr lang="en-US" altLang="ja-JP">
+                <a:highlight>
+                  <a:srgbClr val="FFFF00"/>
+                </a:highlight>
+              </a:rPr>
+              <a:t>Messaging API</a:t>
+            </a:r>
+            <a:endParaRPr kumimoji="1" lang="ja-JP" altLang="en-US" dirty="0">
+              <a:highlight>
+                <a:srgbClr val="FFFF00"/>
+              </a:highlight>
+            </a:endParaRPr>
+          </a:p>
+        </p:txBody>
+      </p:sp>
+      <p:pic>
+        <p:nvPicPr>
+          <p:cNvPr id="8" name="コンテンツ プレースホルダー 7">
+            <a:extLst>
+              <a:ext uri="{FF2B5EF4-FFF2-40B4-BE49-F238E27FC236}">
+                <a16:creationId xmlns:a16="http://schemas.microsoft.com/office/drawing/2014/main" id="{403DE414-0B8B-9AAF-B5AF-1A79E24310EE}"/>
+              </a:ext>
+            </a:extLst>
+          </p:cNvPr>
+          <p:cNvPicPr>
+            <a:picLocks noGrp="1" noChangeAspect="1"/>
+          </p:cNvPicPr>
+          <p:nvPr>
+            <p:ph idx="1"/>
+          </p:nvPr>
+        </p:nvPicPr>
+        <p:blipFill>
+          <a:blip r:embed="rId2"/>
+          <a:stretch>
+            <a:fillRect/>
+          </a:stretch>
+        </p:blipFill>
+        <p:spPr>
+          <a:xfrm>
+            <a:off x="5457581" y="987425"/>
+            <a:ext cx="5623413" cy="4873625"/>
+          </a:xfrm>
+        </p:spPr>
+      </p:pic>
+    </p:spTree>
+    <p:extLst>
+      <p:ext uri="{BB962C8B-B14F-4D97-AF65-F5344CB8AC3E}">
+        <p14:creationId xmlns:p14="http://schemas.microsoft.com/office/powerpoint/2010/main" val="588896578"/>
+      </p:ext>
+    </p:extLst>
+  </p:cSld>
+  <p:clrMapOvr>
+    <a:masterClrMapping/>
+  </p:clrMapOvr>
+</p:sld>
+</file>
+
+<file path=ppt/slides/slide12.xml><?xml version="1.0" encoding="utf-8"?>
+<p:sld xmlns:a="http://schemas.openxmlformats.org/drawingml/2006/main" xmlns:r="http://schemas.openxmlformats.org/officeDocument/2006/relationships" xmlns:p="http://schemas.openxmlformats.org/presentationml/2006/main">
+  <p:cSld>
+    <p:spTree>
+      <p:nvGrpSpPr>
+        <p:cNvPr id="1" name=""/>
+        <p:cNvGrpSpPr/>
+        <p:nvPr/>
+      </p:nvGrpSpPr>
+      <p:grpSpPr>
+        <a:xfrm>
+          <a:off x="0" y="0"/>
+          <a:ext cx="0" cy="0"/>
+          <a:chOff x="0" y="0"/>
+          <a:chExt cx="0" cy="0"/>
+        </a:xfrm>
+      </p:grpSpPr>
+      <p:sp>
+        <p:nvSpPr>
+          <p:cNvPr id="2" name="タイトル 1">
+            <a:extLst>
+              <a:ext uri="{FF2B5EF4-FFF2-40B4-BE49-F238E27FC236}">
+                <a16:creationId xmlns:a16="http://schemas.microsoft.com/office/drawing/2014/main" id="{2631599D-BB4F-F745-4F36-CF3F2A482E41}"/>
+              </a:ext>
+            </a:extLst>
+          </p:cNvPr>
+          <p:cNvSpPr>
+            <a:spLocks noGrp="1"/>
+          </p:cNvSpPr>
+          <p:nvPr>
+            <p:ph type="title"/>
+          </p:nvPr>
+        </p:nvSpPr>
+        <p:spPr/>
+        <p:txBody>
+          <a:bodyPr>
+            <a:normAutofit/>
+          </a:bodyPr>
+          <a:lstStyle/>
+          <a:p>
+            <a:r>
+              <a:rPr lang="en-US" altLang="ja-JP" dirty="0"/>
+              <a:t>LINE</a:t>
+            </a:r>
+            <a:r>
+              <a:rPr lang="ja-JP" altLang="en-US" dirty="0"/>
+              <a:t> </a:t>
+            </a:r>
+            <a:r>
+              <a:rPr lang="en-US" altLang="ja-JP" dirty="0"/>
+              <a:t>Developers</a:t>
+            </a:r>
+            <a:br>
+              <a:rPr lang="en-US" altLang="ja-JP" dirty="0"/>
+            </a:br>
+            <a:r>
+              <a:rPr lang="ja-JP" altLang="en-US" b="0" i="0" dirty="0">
+                <a:effectLst/>
+                <a:latin typeface="Roboto" panose="020F0502020204030204" pitchFamily="2" charset="0"/>
+              </a:rPr>
+              <a:t>新規チャネル作成</a:t>
+            </a:r>
+            <a:endParaRPr kumimoji="1" lang="ja-JP" altLang="en-US" dirty="0"/>
+          </a:p>
+        </p:txBody>
+      </p:sp>
+      <p:sp>
+        <p:nvSpPr>
+          <p:cNvPr id="4" name="テキスト プレースホルダー 3">
+            <a:extLst>
+              <a:ext uri="{FF2B5EF4-FFF2-40B4-BE49-F238E27FC236}">
+                <a16:creationId xmlns:a16="http://schemas.microsoft.com/office/drawing/2014/main" id="{51DF1AA3-0B77-B5F7-4F26-7C295F9EBC30}"/>
+              </a:ext>
+            </a:extLst>
+          </p:cNvPr>
+          <p:cNvSpPr>
+            <a:spLocks noGrp="1"/>
+          </p:cNvSpPr>
+          <p:nvPr>
+            <p:ph type="body" sz="half" idx="2"/>
+          </p:nvPr>
+        </p:nvSpPr>
+        <p:spPr/>
+        <p:txBody>
+          <a:bodyPr/>
+          <a:lstStyle/>
+          <a:p>
+            <a:r>
+              <a:rPr kumimoji="1" lang="ja-JP" altLang="en-US" dirty="0"/>
+              <a:t>チャネルを作成するには、チャネルの種類を選択します。</a:t>
+            </a:r>
+            <a:endParaRPr kumimoji="1" lang="en-US" altLang="ja-JP" dirty="0"/>
+          </a:p>
+          <a:p>
+            <a:r>
+              <a:rPr lang="ja-JP" altLang="en-US" dirty="0"/>
+              <a:t>今回は</a:t>
+            </a:r>
+            <a:r>
+              <a:rPr lang="en-US" altLang="ja-JP" dirty="0">
+                <a:highlight>
+                  <a:srgbClr val="FFFF00"/>
+                </a:highlight>
+              </a:rPr>
+              <a:t>Messaging API</a:t>
+            </a:r>
+            <a:endParaRPr kumimoji="1" lang="ja-JP" altLang="en-US" dirty="0">
+              <a:highlight>
+                <a:srgbClr val="FFFF00"/>
+              </a:highlight>
+            </a:endParaRPr>
+          </a:p>
+        </p:txBody>
+      </p:sp>
+      <p:pic>
+        <p:nvPicPr>
+          <p:cNvPr id="7" name="コンテンツ プレースホルダー 6">
+            <a:extLst>
+              <a:ext uri="{FF2B5EF4-FFF2-40B4-BE49-F238E27FC236}">
+                <a16:creationId xmlns:a16="http://schemas.microsoft.com/office/drawing/2014/main" id="{700B4D62-A0D9-AF0A-C1AC-B16B2F473E02}"/>
+              </a:ext>
+            </a:extLst>
+          </p:cNvPr>
+          <p:cNvPicPr>
+            <a:picLocks noGrp="1" noChangeAspect="1"/>
+          </p:cNvPicPr>
+          <p:nvPr>
+            <p:ph idx="1"/>
+          </p:nvPr>
+        </p:nvPicPr>
+        <p:blipFill>
+          <a:blip r:embed="rId2"/>
+          <a:stretch>
+            <a:fillRect/>
+          </a:stretch>
+        </p:blipFill>
+        <p:spPr>
+          <a:xfrm>
+            <a:off x="5457581" y="987425"/>
+            <a:ext cx="5623413" cy="4873625"/>
+          </a:xfrm>
+        </p:spPr>
+      </p:pic>
+    </p:spTree>
+    <p:extLst>
+      <p:ext uri="{BB962C8B-B14F-4D97-AF65-F5344CB8AC3E}">
+        <p14:creationId xmlns:p14="http://schemas.microsoft.com/office/powerpoint/2010/main" val="2893613372"/>
+      </p:ext>
+    </p:extLst>
+  </p:cSld>
+  <p:clrMapOvr>
+    <a:masterClrMapping/>
+  </p:clrMapOvr>
+</p:sld>
+</file>
+
+<file path=ppt/slides/slide13.xml><?xml version="1.0" encoding="utf-8"?>
+<p:sld xmlns:a="http://schemas.openxmlformats.org/drawingml/2006/main" xmlns:r="http://schemas.openxmlformats.org/officeDocument/2006/relationships" xmlns:p="http://schemas.openxmlformats.org/presentationml/2006/main">
+  <p:cSld>
+    <p:spTree>
+      <p:nvGrpSpPr>
+        <p:cNvPr id="1" name=""/>
+        <p:cNvGrpSpPr/>
+        <p:nvPr/>
+      </p:nvGrpSpPr>
+      <p:grpSpPr>
+        <a:xfrm>
+          <a:off x="0" y="0"/>
+          <a:ext cx="0" cy="0"/>
+          <a:chOff x="0" y="0"/>
+          <a:chExt cx="0" cy="0"/>
+        </a:xfrm>
+      </p:grpSpPr>
+      <p:sp>
+        <p:nvSpPr>
+          <p:cNvPr id="2" name="タイトル 1">
+            <a:extLst>
+              <a:ext uri="{FF2B5EF4-FFF2-40B4-BE49-F238E27FC236}">
+                <a16:creationId xmlns:a16="http://schemas.microsoft.com/office/drawing/2014/main" id="{2631599D-BB4F-F745-4F36-CF3F2A482E41}"/>
+              </a:ext>
+            </a:extLst>
+          </p:cNvPr>
+          <p:cNvSpPr>
+            <a:spLocks noGrp="1"/>
+          </p:cNvSpPr>
+          <p:nvPr>
+            <p:ph type="title"/>
+          </p:nvPr>
+        </p:nvSpPr>
+        <p:spPr/>
+        <p:txBody>
+          <a:bodyPr>
+            <a:normAutofit/>
+          </a:bodyPr>
+          <a:lstStyle/>
+          <a:p>
+            <a:r>
+              <a:rPr lang="en-US" altLang="ja-JP" dirty="0"/>
+              <a:t>LINE</a:t>
+            </a:r>
+            <a:r>
+              <a:rPr lang="ja-JP" altLang="en-US" dirty="0"/>
+              <a:t> </a:t>
+            </a:r>
+            <a:r>
+              <a:rPr lang="en-US" altLang="ja-JP" dirty="0"/>
+              <a:t>Developers</a:t>
+            </a:r>
+            <a:br>
+              <a:rPr lang="en-US" altLang="ja-JP" dirty="0"/>
+            </a:br>
+            <a:r>
+              <a:rPr lang="ja-JP" altLang="en-US" b="0" i="0" dirty="0">
+                <a:effectLst/>
+                <a:latin typeface="Roboto" panose="020F0502020204030204" pitchFamily="2" charset="0"/>
+              </a:rPr>
+              <a:t>新規チャネル作成</a:t>
+            </a:r>
+            <a:endParaRPr kumimoji="1" lang="ja-JP" altLang="en-US" dirty="0"/>
+          </a:p>
+        </p:txBody>
+      </p:sp>
+      <p:sp>
+        <p:nvSpPr>
+          <p:cNvPr id="4" name="テキスト プレースホルダー 3">
+            <a:extLst>
+              <a:ext uri="{FF2B5EF4-FFF2-40B4-BE49-F238E27FC236}">
+                <a16:creationId xmlns:a16="http://schemas.microsoft.com/office/drawing/2014/main" id="{51DF1AA3-0B77-B5F7-4F26-7C295F9EBC30}"/>
+              </a:ext>
+            </a:extLst>
+          </p:cNvPr>
+          <p:cNvSpPr>
+            <a:spLocks noGrp="1"/>
+          </p:cNvSpPr>
+          <p:nvPr>
+            <p:ph type="body" sz="half" idx="2"/>
+          </p:nvPr>
+        </p:nvSpPr>
+        <p:spPr/>
+        <p:txBody>
+          <a:bodyPr/>
+          <a:lstStyle/>
+          <a:p>
+            <a:r>
+              <a:rPr kumimoji="1" lang="ja-JP" altLang="en-US" dirty="0"/>
+              <a:t>チャネルを作成するには、チャネルの種類を選択します。</a:t>
+            </a:r>
+            <a:endParaRPr kumimoji="1" lang="en-US" altLang="ja-JP" dirty="0"/>
+          </a:p>
+          <a:p>
+            <a:r>
+              <a:rPr lang="ja-JP" altLang="en-US" dirty="0"/>
+              <a:t>今回は</a:t>
+            </a:r>
+            <a:r>
+              <a:rPr lang="en-US" altLang="ja-JP" dirty="0">
+                <a:highlight>
+                  <a:srgbClr val="FFFF00"/>
+                </a:highlight>
+              </a:rPr>
+              <a:t>Messaging API</a:t>
+            </a:r>
+            <a:endParaRPr kumimoji="1" lang="ja-JP" altLang="en-US" dirty="0"/>
+          </a:p>
+        </p:txBody>
+      </p:sp>
+      <p:pic>
+        <p:nvPicPr>
+          <p:cNvPr id="8" name="コンテンツ プレースホルダー 7">
+            <a:extLst>
+              <a:ext uri="{FF2B5EF4-FFF2-40B4-BE49-F238E27FC236}">
+                <a16:creationId xmlns:a16="http://schemas.microsoft.com/office/drawing/2014/main" id="{C5AA9E9A-2864-9326-BFC5-8FF4BC704D3C}"/>
+              </a:ext>
+            </a:extLst>
+          </p:cNvPr>
+          <p:cNvPicPr>
+            <a:picLocks noGrp="1" noChangeAspect="1"/>
+          </p:cNvPicPr>
+          <p:nvPr>
+            <p:ph idx="1"/>
+          </p:nvPr>
+        </p:nvPicPr>
+        <p:blipFill>
+          <a:blip r:embed="rId2"/>
+          <a:stretch>
+            <a:fillRect/>
+          </a:stretch>
+        </p:blipFill>
+        <p:spPr>
+          <a:xfrm>
+            <a:off x="5457581" y="987425"/>
+            <a:ext cx="5623413" cy="4873625"/>
+          </a:xfrm>
+        </p:spPr>
+      </p:pic>
+    </p:spTree>
+    <p:extLst>
+      <p:ext uri="{BB962C8B-B14F-4D97-AF65-F5344CB8AC3E}">
+        <p14:creationId xmlns:p14="http://schemas.microsoft.com/office/powerpoint/2010/main" val="2521337906"/>
+      </p:ext>
+    </p:extLst>
+  </p:cSld>
+  <p:clrMapOvr>
+    <a:masterClrMapping/>
+  </p:clrMapOvr>
+</p:sld>
+</file>
+
+<file path=ppt/slides/slide14.xml><?xml version="1.0" encoding="utf-8"?>
+<p:sld xmlns:a="http://schemas.openxmlformats.org/drawingml/2006/main" xmlns:r="http://schemas.openxmlformats.org/officeDocument/2006/relationships" xmlns:p="http://schemas.openxmlformats.org/presentationml/2006/main">
+  <p:cSld>
+    <p:spTree>
+      <p:nvGrpSpPr>
+        <p:cNvPr id="1" name=""/>
+        <p:cNvGrpSpPr/>
+        <p:nvPr/>
+      </p:nvGrpSpPr>
+      <p:grpSpPr>
+        <a:xfrm>
+          <a:off x="0" y="0"/>
+          <a:ext cx="0" cy="0"/>
+          <a:chOff x="0" y="0"/>
+          <a:chExt cx="0" cy="0"/>
+        </a:xfrm>
+      </p:grpSpPr>
+      <p:sp>
+        <p:nvSpPr>
+          <p:cNvPr id="2" name="タイトル 1">
+            <a:extLst>
+              <a:ext uri="{FF2B5EF4-FFF2-40B4-BE49-F238E27FC236}">
+                <a16:creationId xmlns:a16="http://schemas.microsoft.com/office/drawing/2014/main" id="{2631599D-BB4F-F745-4F36-CF3F2A482E41}"/>
+              </a:ext>
+            </a:extLst>
+          </p:cNvPr>
+          <p:cNvSpPr>
+            <a:spLocks noGrp="1"/>
+          </p:cNvSpPr>
+          <p:nvPr>
+            <p:ph type="title"/>
+          </p:nvPr>
+        </p:nvSpPr>
+        <p:spPr/>
+        <p:txBody>
+          <a:bodyPr>
+            <a:normAutofit/>
+          </a:bodyPr>
+          <a:lstStyle/>
+          <a:p>
+            <a:r>
+              <a:rPr lang="en-US" altLang="ja-JP" dirty="0"/>
+              <a:t>LINE</a:t>
+            </a:r>
+            <a:r>
+              <a:rPr lang="ja-JP" altLang="en-US" dirty="0"/>
+              <a:t> </a:t>
+            </a:r>
+            <a:r>
+              <a:rPr lang="en-US" altLang="ja-JP" dirty="0"/>
+              <a:t>Developers</a:t>
+            </a:r>
+            <a:br>
+              <a:rPr lang="en-US" altLang="ja-JP" dirty="0"/>
+            </a:br>
+            <a:r>
+              <a:rPr lang="ja-JP" altLang="en-US" b="0" i="0" dirty="0">
+                <a:effectLst/>
+                <a:latin typeface="Roboto" panose="020F0502020204030204" pitchFamily="2" charset="0"/>
+              </a:rPr>
+              <a:t>チャネルを確認しよう</a:t>
+            </a:r>
+            <a:endParaRPr kumimoji="1" lang="ja-JP" altLang="en-US" dirty="0"/>
+          </a:p>
+        </p:txBody>
+      </p:sp>
+      <p:sp>
+        <p:nvSpPr>
+          <p:cNvPr id="4" name="テキスト プレースホルダー 3">
+            <a:extLst>
+              <a:ext uri="{FF2B5EF4-FFF2-40B4-BE49-F238E27FC236}">
+                <a16:creationId xmlns:a16="http://schemas.microsoft.com/office/drawing/2014/main" id="{51DF1AA3-0B77-B5F7-4F26-7C295F9EBC30}"/>
+              </a:ext>
+            </a:extLst>
+          </p:cNvPr>
+          <p:cNvSpPr>
+            <a:spLocks noGrp="1"/>
+          </p:cNvSpPr>
+          <p:nvPr>
+            <p:ph type="body" sz="half" idx="2"/>
+          </p:nvPr>
+        </p:nvSpPr>
+        <p:spPr/>
+        <p:txBody>
+          <a:bodyPr/>
+          <a:lstStyle/>
+          <a:p>
+            <a:r>
+              <a:rPr kumimoji="1" lang="ja-JP" altLang="en-US" dirty="0"/>
+              <a:t>チャネルの詳細画面から、</a:t>
+            </a:r>
+            <a:r>
+              <a:rPr kumimoji="1" lang="en-US" altLang="ja-JP" dirty="0">
+                <a:highlight>
+                  <a:srgbClr val="FFFF00"/>
+                </a:highlight>
+              </a:rPr>
+              <a:t>Messaging API</a:t>
+            </a:r>
+            <a:r>
+              <a:rPr kumimoji="1" lang="ja-JP" altLang="en-US" dirty="0">
+                <a:highlight>
+                  <a:srgbClr val="FFFF00"/>
+                </a:highlight>
+              </a:rPr>
+              <a:t>設定</a:t>
+            </a:r>
+            <a:r>
+              <a:rPr kumimoji="1" lang="ja-JP" altLang="en-US" dirty="0"/>
+              <a:t>をクリック</a:t>
+            </a:r>
+            <a:endParaRPr kumimoji="1" lang="en-US" altLang="ja-JP" dirty="0"/>
+          </a:p>
+        </p:txBody>
+      </p:sp>
+      <p:pic>
+        <p:nvPicPr>
+          <p:cNvPr id="8" name="コンテンツ プレースホルダー 7">
+            <a:extLst>
+              <a:ext uri="{FF2B5EF4-FFF2-40B4-BE49-F238E27FC236}">
+                <a16:creationId xmlns:a16="http://schemas.microsoft.com/office/drawing/2014/main" id="{C5AA9E9A-2864-9326-BFC5-8FF4BC704D3C}"/>
+              </a:ext>
+            </a:extLst>
+          </p:cNvPr>
+          <p:cNvPicPr>
+            <a:picLocks noGrp="1" noChangeAspect="1"/>
+          </p:cNvPicPr>
+          <p:nvPr>
+            <p:ph idx="1"/>
+          </p:nvPr>
+        </p:nvPicPr>
+        <p:blipFill>
+          <a:blip r:embed="rId2"/>
+          <a:stretch>
+            <a:fillRect/>
+          </a:stretch>
+        </p:blipFill>
+        <p:spPr>
+          <a:xfrm>
+            <a:off x="5457581" y="987425"/>
+            <a:ext cx="5623413" cy="4873625"/>
+          </a:xfrm>
+        </p:spPr>
+      </p:pic>
+    </p:spTree>
+    <p:extLst>
+      <p:ext uri="{BB962C8B-B14F-4D97-AF65-F5344CB8AC3E}">
+        <p14:creationId xmlns:p14="http://schemas.microsoft.com/office/powerpoint/2010/main" val="2952231728"/>
+      </p:ext>
+    </p:extLst>
+  </p:cSld>
+  <p:clrMapOvr>
+    <a:masterClrMapping/>
+  </p:clrMapOvr>
+</p:sld>
+</file>
+
+<file path=ppt/slides/slide15.xml><?xml version="1.0" encoding="utf-8"?>
+<p:sld xmlns:a="http://schemas.openxmlformats.org/drawingml/2006/main" xmlns:r="http://schemas.openxmlformats.org/officeDocument/2006/relationships" xmlns:p="http://schemas.openxmlformats.org/presentationml/2006/main">
+  <p:cSld>
+    <p:spTree>
+      <p:nvGrpSpPr>
+        <p:cNvPr id="1" name=""/>
+        <p:cNvGrpSpPr/>
+        <p:nvPr/>
+      </p:nvGrpSpPr>
+      <p:grpSpPr>
+        <a:xfrm>
+          <a:off x="0" y="0"/>
+          <a:ext cx="0" cy="0"/>
+          <a:chOff x="0" y="0"/>
+          <a:chExt cx="0" cy="0"/>
+        </a:xfrm>
+      </p:grpSpPr>
+      <p:sp>
+        <p:nvSpPr>
+          <p:cNvPr id="2" name="タイトル 1">
+            <a:extLst>
+              <a:ext uri="{FF2B5EF4-FFF2-40B4-BE49-F238E27FC236}">
+                <a16:creationId xmlns:a16="http://schemas.microsoft.com/office/drawing/2014/main" id="{2631599D-BB4F-F745-4F36-CF3F2A482E41}"/>
+              </a:ext>
+            </a:extLst>
+          </p:cNvPr>
+          <p:cNvSpPr>
+            <a:spLocks noGrp="1"/>
+          </p:cNvSpPr>
+          <p:nvPr>
+            <p:ph type="title"/>
+          </p:nvPr>
+        </p:nvSpPr>
+        <p:spPr/>
+        <p:txBody>
+          <a:bodyPr>
+            <a:normAutofit/>
+          </a:bodyPr>
+          <a:lstStyle/>
+          <a:p>
+            <a:r>
+              <a:rPr lang="en-US" altLang="ja-JP" dirty="0"/>
+              <a:t>LINE</a:t>
+            </a:r>
+            <a:r>
+              <a:rPr lang="ja-JP" altLang="en-US" dirty="0"/>
+              <a:t> </a:t>
+            </a:r>
+            <a:r>
+              <a:rPr lang="en-US" altLang="ja-JP" dirty="0"/>
+              <a:t>Developers</a:t>
+            </a:r>
+            <a:br>
+              <a:rPr lang="en-US" altLang="ja-JP" dirty="0"/>
+            </a:br>
+            <a:r>
+              <a:rPr lang="ja-JP" altLang="en-US" b="0" i="0" dirty="0">
+                <a:effectLst/>
+                <a:latin typeface="Roboto" panose="020F0502020204030204" pitchFamily="2" charset="0"/>
+              </a:rPr>
+              <a:t>チャネルを確認しよう</a:t>
+            </a:r>
+            <a:endParaRPr kumimoji="1" lang="ja-JP" altLang="en-US" dirty="0"/>
+          </a:p>
+        </p:txBody>
+      </p:sp>
+      <p:sp>
+        <p:nvSpPr>
+          <p:cNvPr id="4" name="テキスト プレースホルダー 3">
+            <a:extLst>
+              <a:ext uri="{FF2B5EF4-FFF2-40B4-BE49-F238E27FC236}">
+                <a16:creationId xmlns:a16="http://schemas.microsoft.com/office/drawing/2014/main" id="{51DF1AA3-0B77-B5F7-4F26-7C295F9EBC30}"/>
+              </a:ext>
+            </a:extLst>
+          </p:cNvPr>
+          <p:cNvSpPr>
+            <a:spLocks noGrp="1"/>
+          </p:cNvSpPr>
+          <p:nvPr>
+            <p:ph type="body" sz="half" idx="2"/>
+          </p:nvPr>
+        </p:nvSpPr>
+        <p:spPr/>
+        <p:txBody>
+          <a:bodyPr/>
+          <a:lstStyle/>
+          <a:p>
+            <a:r>
+              <a:rPr kumimoji="1" lang="en-US" altLang="ja-JP" dirty="0"/>
+              <a:t>QR</a:t>
+            </a:r>
+            <a:r>
+              <a:rPr kumimoji="1" lang="ja-JP" altLang="en-US" dirty="0"/>
+              <a:t>コードから作成したチャネルを友達登録</a:t>
+            </a:r>
+            <a:endParaRPr kumimoji="1" lang="en-US" altLang="ja-JP" dirty="0"/>
+          </a:p>
+          <a:p>
+            <a:endParaRPr lang="en-US" altLang="ja-JP" dirty="0"/>
+          </a:p>
+          <a:p>
+            <a:r>
+              <a:rPr kumimoji="1" lang="ja-JP" altLang="en-US" dirty="0"/>
+              <a:t>初期設定では、</a:t>
+            </a:r>
+            <a:r>
+              <a:rPr lang="en-US" altLang="ja-JP" dirty="0"/>
+              <a:t>LINE</a:t>
+            </a:r>
+            <a:r>
+              <a:rPr lang="ja-JP" altLang="en-US" dirty="0"/>
+              <a:t>が用意している</a:t>
+            </a:r>
+            <a:r>
+              <a:rPr lang="ja-JP" altLang="en-US" dirty="0">
+                <a:highlight>
+                  <a:srgbClr val="FFFF00"/>
+                </a:highlight>
+              </a:rPr>
+              <a:t>あいさつメッセージ</a:t>
+            </a:r>
+            <a:r>
+              <a:rPr lang="ja-JP" altLang="en-US" dirty="0"/>
+              <a:t>が表示される</a:t>
+            </a:r>
+            <a:endParaRPr kumimoji="1" lang="en-US" altLang="ja-JP" dirty="0"/>
+          </a:p>
+        </p:txBody>
+      </p:sp>
+      <p:pic>
+        <p:nvPicPr>
+          <p:cNvPr id="7" name="コンテンツ プレースホルダー 6">
+            <a:extLst>
+              <a:ext uri="{FF2B5EF4-FFF2-40B4-BE49-F238E27FC236}">
+                <a16:creationId xmlns:a16="http://schemas.microsoft.com/office/drawing/2014/main" id="{8FFDFEE4-1918-7803-13BA-FC19617AA4F8}"/>
+              </a:ext>
+            </a:extLst>
+          </p:cNvPr>
+          <p:cNvPicPr>
+            <a:picLocks noGrp="1" noChangeAspect="1"/>
+          </p:cNvPicPr>
+          <p:nvPr>
+            <p:ph idx="1"/>
+          </p:nvPr>
+        </p:nvPicPr>
+        <p:blipFill>
+          <a:blip r:embed="rId2"/>
+          <a:stretch>
+            <a:fillRect/>
+          </a:stretch>
+        </p:blipFill>
+        <p:spPr>
+          <a:xfrm>
+            <a:off x="5457581" y="987425"/>
+            <a:ext cx="5623413" cy="4873625"/>
+          </a:xfrm>
+        </p:spPr>
+      </p:pic>
+    </p:spTree>
+    <p:extLst>
+      <p:ext uri="{BB962C8B-B14F-4D97-AF65-F5344CB8AC3E}">
+        <p14:creationId xmlns:p14="http://schemas.microsoft.com/office/powerpoint/2010/main" val="138186628"/>
+      </p:ext>
+    </p:extLst>
+  </p:cSld>
+  <p:clrMapOvr>
+    <a:masterClrMapping/>
+  </p:clrMapOvr>
+</p:sld>
+</file>
+
+<file path=ppt/slides/slide16.xml><?xml version="1.0" encoding="utf-8"?>
+<p:sld xmlns:a="http://schemas.openxmlformats.org/drawingml/2006/main" xmlns:r="http://schemas.openxmlformats.org/officeDocument/2006/relationships" xmlns:p="http://schemas.openxmlformats.org/presentationml/2006/main">
+  <p:cSld>
+    <p:spTree>
+      <p:nvGrpSpPr>
+        <p:cNvPr id="1" name=""/>
+        <p:cNvGrpSpPr/>
+        <p:nvPr/>
+      </p:nvGrpSpPr>
+      <p:grpSpPr>
+        <a:xfrm>
+          <a:off x="0" y="0"/>
+          <a:ext cx="0" cy="0"/>
+          <a:chOff x="0" y="0"/>
+          <a:chExt cx="0" cy="0"/>
+        </a:xfrm>
+      </p:grpSpPr>
+      <p:sp>
+        <p:nvSpPr>
+          <p:cNvPr id="2" name="タイトル 1">
+            <a:extLst>
+              <a:ext uri="{FF2B5EF4-FFF2-40B4-BE49-F238E27FC236}">
+                <a16:creationId xmlns:a16="http://schemas.microsoft.com/office/drawing/2014/main" id="{6E3713EE-88A4-814E-18F7-8580E24A1BBC}"/>
+              </a:ext>
+            </a:extLst>
+          </p:cNvPr>
+          <p:cNvSpPr>
+            <a:spLocks noGrp="1"/>
+          </p:cNvSpPr>
+          <p:nvPr>
+            <p:ph type="title"/>
+          </p:nvPr>
+        </p:nvSpPr>
+        <p:spPr/>
+        <p:txBody>
+          <a:bodyPr/>
+          <a:lstStyle/>
+          <a:p>
+            <a:r>
+              <a:rPr kumimoji="1" lang="ja-JP" altLang="en-US" dirty="0"/>
+              <a:t>トークン発行</a:t>
+            </a:r>
+          </a:p>
+        </p:txBody>
+      </p:sp>
+      <p:sp>
+        <p:nvSpPr>
+          <p:cNvPr id="3" name="テキスト プレースホルダー 2">
+            <a:extLst>
+              <a:ext uri="{FF2B5EF4-FFF2-40B4-BE49-F238E27FC236}">
+                <a16:creationId xmlns:a16="http://schemas.microsoft.com/office/drawing/2014/main" id="{2436D758-7FD9-DD61-37F3-C9539A617728}"/>
+              </a:ext>
+            </a:extLst>
+          </p:cNvPr>
+          <p:cNvSpPr>
+            <a:spLocks noGrp="1"/>
+          </p:cNvSpPr>
+          <p:nvPr>
+            <p:ph type="body" idx="1"/>
+          </p:nvPr>
+        </p:nvSpPr>
+        <p:spPr/>
+        <p:txBody>
+          <a:bodyPr/>
+          <a:lstStyle/>
+          <a:p>
+            <a:r>
+              <a:rPr kumimoji="1" lang="ja-JP" altLang="en-US" dirty="0"/>
+              <a:t>チャネルアクセストークンを発行するまで</a:t>
+            </a:r>
+          </a:p>
+        </p:txBody>
+      </p:sp>
+    </p:spTree>
+    <p:extLst>
+      <p:ext uri="{BB962C8B-B14F-4D97-AF65-F5344CB8AC3E}">
+        <p14:creationId xmlns:p14="http://schemas.microsoft.com/office/powerpoint/2010/main" val="1200789685"/>
+      </p:ext>
+    </p:extLst>
+  </p:cSld>
+  <p:clrMapOvr>
+    <a:masterClrMapping/>
+  </p:clrMapOvr>
+</p:sld>
+</file>
+
+<file path=ppt/slides/slide17.xml><?xml version="1.0" encoding="utf-8"?>
+<p:sld xmlns:a="http://schemas.openxmlformats.org/drawingml/2006/main" xmlns:r="http://schemas.openxmlformats.org/officeDocument/2006/relationships" xmlns:p="http://schemas.openxmlformats.org/presentationml/2006/main">
+  <p:cSld>
+    <p:spTree>
+      <p:nvGrpSpPr>
+        <p:cNvPr id="1" name=""/>
+        <p:cNvGrpSpPr/>
+        <p:nvPr/>
+      </p:nvGrpSpPr>
+      <p:grpSpPr>
+        <a:xfrm>
+          <a:off x="0" y="0"/>
+          <a:ext cx="0" cy="0"/>
+          <a:chOff x="0" y="0"/>
+          <a:chExt cx="0" cy="0"/>
+        </a:xfrm>
+      </p:grpSpPr>
+      <p:sp>
+        <p:nvSpPr>
+          <p:cNvPr id="2" name="タイトル 1">
+            <a:extLst>
+              <a:ext uri="{FF2B5EF4-FFF2-40B4-BE49-F238E27FC236}">
+                <a16:creationId xmlns:a16="http://schemas.microsoft.com/office/drawing/2014/main" id="{2631599D-BB4F-F745-4F36-CF3F2A482E41}"/>
+              </a:ext>
+            </a:extLst>
+          </p:cNvPr>
+          <p:cNvSpPr>
+            <a:spLocks noGrp="1"/>
+          </p:cNvSpPr>
+          <p:nvPr>
+            <p:ph type="title"/>
+          </p:nvPr>
+        </p:nvSpPr>
+        <p:spPr/>
+        <p:txBody>
+          <a:bodyPr>
+            <a:normAutofit/>
+          </a:bodyPr>
+          <a:lstStyle/>
+          <a:p>
+            <a:r>
+              <a:rPr lang="ja-JP" altLang="en-US" dirty="0"/>
+              <a:t>トークン発行</a:t>
+            </a:r>
+            <a:endParaRPr kumimoji="1" lang="ja-JP" altLang="en-US" dirty="0"/>
+          </a:p>
+        </p:txBody>
+      </p:sp>
+      <p:sp>
+        <p:nvSpPr>
+          <p:cNvPr id="4" name="テキスト プレースホルダー 3">
+            <a:extLst>
+              <a:ext uri="{FF2B5EF4-FFF2-40B4-BE49-F238E27FC236}">
+                <a16:creationId xmlns:a16="http://schemas.microsoft.com/office/drawing/2014/main" id="{51DF1AA3-0B77-B5F7-4F26-7C295F9EBC30}"/>
+              </a:ext>
+            </a:extLst>
+          </p:cNvPr>
+          <p:cNvSpPr>
+            <a:spLocks noGrp="1"/>
+          </p:cNvSpPr>
+          <p:nvPr>
+            <p:ph type="body" sz="half" idx="2"/>
+          </p:nvPr>
+        </p:nvSpPr>
+        <p:spPr/>
+        <p:txBody>
+          <a:bodyPr/>
+          <a:lstStyle/>
+          <a:p>
+            <a:r>
+              <a:rPr kumimoji="1" lang="ja-JP" altLang="en-US" dirty="0"/>
+              <a:t>チャネルの詳細画面から、</a:t>
+            </a:r>
+            <a:r>
+              <a:rPr kumimoji="1" lang="en-US" altLang="ja-JP" dirty="0">
+                <a:highlight>
+                  <a:srgbClr val="FFFF00"/>
+                </a:highlight>
+              </a:rPr>
+              <a:t>Messaging API</a:t>
+            </a:r>
+            <a:r>
+              <a:rPr kumimoji="1" lang="ja-JP" altLang="en-US" dirty="0">
+                <a:highlight>
+                  <a:srgbClr val="FFFF00"/>
+                </a:highlight>
+              </a:rPr>
+              <a:t>設定</a:t>
+            </a:r>
+            <a:r>
+              <a:rPr kumimoji="1" lang="ja-JP" altLang="en-US" dirty="0"/>
+              <a:t>をクリック</a:t>
+            </a:r>
+            <a:endParaRPr kumimoji="1" lang="en-US" altLang="ja-JP" dirty="0"/>
+          </a:p>
+        </p:txBody>
+      </p:sp>
+      <p:pic>
+        <p:nvPicPr>
+          <p:cNvPr id="7" name="コンテンツ プレースホルダー 6">
+            <a:extLst>
+              <a:ext uri="{FF2B5EF4-FFF2-40B4-BE49-F238E27FC236}">
+                <a16:creationId xmlns:a16="http://schemas.microsoft.com/office/drawing/2014/main" id="{8FFDFEE4-1918-7803-13BA-FC19617AA4F8}"/>
+              </a:ext>
+            </a:extLst>
+          </p:cNvPr>
+          <p:cNvPicPr>
+            <a:picLocks noGrp="1" noChangeAspect="1"/>
+          </p:cNvPicPr>
+          <p:nvPr>
+            <p:ph idx="1"/>
+          </p:nvPr>
+        </p:nvPicPr>
+        <p:blipFill>
+          <a:blip r:embed="rId2"/>
+          <a:stretch>
+            <a:fillRect/>
+          </a:stretch>
+        </p:blipFill>
+        <p:spPr>
+          <a:xfrm>
+            <a:off x="5457581" y="987425"/>
+            <a:ext cx="5623413" cy="4873625"/>
+          </a:xfrm>
+        </p:spPr>
+      </p:pic>
+    </p:spTree>
+    <p:extLst>
+      <p:ext uri="{BB962C8B-B14F-4D97-AF65-F5344CB8AC3E}">
+        <p14:creationId xmlns:p14="http://schemas.microsoft.com/office/powerpoint/2010/main" val="3524067158"/>
+      </p:ext>
+    </p:extLst>
+  </p:cSld>
+  <p:clrMapOvr>
+    <a:masterClrMapping/>
+  </p:clrMapOvr>
+</p:sld>
+</file>
+
+<file path=ppt/slides/slide18.xml><?xml version="1.0" encoding="utf-8"?>
+<p:sld xmlns:a="http://schemas.openxmlformats.org/drawingml/2006/main" xmlns:r="http://schemas.openxmlformats.org/officeDocument/2006/relationships" xmlns:p="http://schemas.openxmlformats.org/presentationml/2006/main">
+  <p:cSld>
+    <p:spTree>
+      <p:nvGrpSpPr>
+        <p:cNvPr id="1" name=""/>
+        <p:cNvGrpSpPr/>
+        <p:nvPr/>
+      </p:nvGrpSpPr>
+      <p:grpSpPr>
+        <a:xfrm>
+          <a:off x="0" y="0"/>
+          <a:ext cx="0" cy="0"/>
+          <a:chOff x="0" y="0"/>
+          <a:chExt cx="0" cy="0"/>
+        </a:xfrm>
+      </p:grpSpPr>
+      <p:sp>
+        <p:nvSpPr>
+          <p:cNvPr id="2" name="タイトル 1">
+            <a:extLst>
+              <a:ext uri="{FF2B5EF4-FFF2-40B4-BE49-F238E27FC236}">
+                <a16:creationId xmlns:a16="http://schemas.microsoft.com/office/drawing/2014/main" id="{2631599D-BB4F-F745-4F36-CF3F2A482E41}"/>
+              </a:ext>
+            </a:extLst>
+          </p:cNvPr>
+          <p:cNvSpPr>
+            <a:spLocks noGrp="1"/>
+          </p:cNvSpPr>
+          <p:nvPr>
+            <p:ph type="title"/>
+          </p:nvPr>
+        </p:nvSpPr>
+        <p:spPr/>
+        <p:txBody>
+          <a:bodyPr>
+            <a:normAutofit/>
+          </a:bodyPr>
+          <a:lstStyle/>
+          <a:p>
+            <a:r>
+              <a:rPr lang="ja-JP" altLang="en-US" dirty="0"/>
+              <a:t>トークン発行</a:t>
+            </a:r>
+            <a:endParaRPr kumimoji="1" lang="ja-JP" altLang="en-US" dirty="0"/>
+          </a:p>
+        </p:txBody>
+      </p:sp>
+      <p:sp>
+        <p:nvSpPr>
+          <p:cNvPr id="4" name="テキスト プレースホルダー 3">
+            <a:extLst>
+              <a:ext uri="{FF2B5EF4-FFF2-40B4-BE49-F238E27FC236}">
+                <a16:creationId xmlns:a16="http://schemas.microsoft.com/office/drawing/2014/main" id="{51DF1AA3-0B77-B5F7-4F26-7C295F9EBC30}"/>
+              </a:ext>
+            </a:extLst>
+          </p:cNvPr>
+          <p:cNvSpPr>
+            <a:spLocks noGrp="1"/>
+          </p:cNvSpPr>
+          <p:nvPr>
+            <p:ph type="body" sz="half" idx="2"/>
+          </p:nvPr>
+        </p:nvSpPr>
+        <p:spPr/>
+        <p:txBody>
+          <a:bodyPr/>
+          <a:lstStyle/>
+          <a:p>
+            <a:r>
+              <a:rPr kumimoji="1" lang="ja-JP" altLang="en-US" dirty="0"/>
+              <a:t>ページ最下部からアクセストークンを発行できる。</a:t>
+            </a:r>
+            <a:endParaRPr kumimoji="1" lang="en-US" altLang="ja-JP" dirty="0"/>
+          </a:p>
+          <a:p>
+            <a:r>
+              <a:rPr lang="ja-JP" altLang="en-US" dirty="0">
+                <a:highlight>
+                  <a:srgbClr val="FFFF00"/>
+                </a:highlight>
+              </a:rPr>
+              <a:t>発行</a:t>
+            </a:r>
+            <a:r>
+              <a:rPr lang="ja-JP" altLang="en-US" dirty="0"/>
+              <a:t>をクリック</a:t>
+            </a:r>
+            <a:endParaRPr lang="en-US" altLang="ja-JP" dirty="0"/>
+          </a:p>
+        </p:txBody>
+      </p:sp>
+      <p:pic>
+        <p:nvPicPr>
+          <p:cNvPr id="14" name="コンテンツ プレースホルダー 13">
+            <a:extLst>
+              <a:ext uri="{FF2B5EF4-FFF2-40B4-BE49-F238E27FC236}">
+                <a16:creationId xmlns:a16="http://schemas.microsoft.com/office/drawing/2014/main" id="{211D8105-B01C-C03A-4F61-83D09A9817F0}"/>
+              </a:ext>
+            </a:extLst>
+          </p:cNvPr>
+          <p:cNvPicPr>
+            <a:picLocks noGrp="1" noChangeAspect="1"/>
+          </p:cNvPicPr>
+          <p:nvPr>
+            <p:ph idx="1"/>
+          </p:nvPr>
+        </p:nvPicPr>
+        <p:blipFill>
+          <a:blip r:embed="rId2"/>
+          <a:stretch>
+            <a:fillRect/>
+          </a:stretch>
+        </p:blipFill>
+        <p:spPr>
+          <a:xfrm>
+            <a:off x="5457581" y="987425"/>
+            <a:ext cx="5623413" cy="4873625"/>
+          </a:xfrm>
+        </p:spPr>
+      </p:pic>
+    </p:spTree>
+    <p:extLst>
+      <p:ext uri="{BB962C8B-B14F-4D97-AF65-F5344CB8AC3E}">
+        <p14:creationId xmlns:p14="http://schemas.microsoft.com/office/powerpoint/2010/main" val="2747279697"/>
+      </p:ext>
+    </p:extLst>
+  </p:cSld>
+  <p:clrMapOvr>
+    <a:masterClrMapping/>
+  </p:clrMapOvr>
+</p:sld>
+</file>
+
+<file path=ppt/slides/slide19.xml><?xml version="1.0" encoding="utf-8"?>
+<p:sld xmlns:a="http://schemas.openxmlformats.org/drawingml/2006/main" xmlns:r="http://schemas.openxmlformats.org/officeDocument/2006/relationships" xmlns:p="http://schemas.openxmlformats.org/presentationml/2006/main">
+  <p:cSld>
+    <p:spTree>
+      <p:nvGrpSpPr>
+        <p:cNvPr id="1" name=""/>
+        <p:cNvGrpSpPr/>
+        <p:nvPr/>
+      </p:nvGrpSpPr>
+      <p:grpSpPr>
+        <a:xfrm>
+          <a:off x="0" y="0"/>
+          <a:ext cx="0" cy="0"/>
+          <a:chOff x="0" y="0"/>
+          <a:chExt cx="0" cy="0"/>
+        </a:xfrm>
+      </p:grpSpPr>
+      <p:sp>
+        <p:nvSpPr>
+          <p:cNvPr id="2" name="タイトル 1">
+            <a:extLst>
+              <a:ext uri="{FF2B5EF4-FFF2-40B4-BE49-F238E27FC236}">
+                <a16:creationId xmlns:a16="http://schemas.microsoft.com/office/drawing/2014/main" id="{6E3713EE-88A4-814E-18F7-8580E24A1BBC}"/>
+              </a:ext>
+            </a:extLst>
+          </p:cNvPr>
+          <p:cNvSpPr>
+            <a:spLocks noGrp="1"/>
+          </p:cNvSpPr>
+          <p:nvPr>
+            <p:ph type="title"/>
+          </p:nvPr>
+        </p:nvSpPr>
+        <p:spPr/>
+        <p:txBody>
+          <a:bodyPr/>
+          <a:lstStyle/>
+          <a:p>
+            <a:r>
+              <a:rPr kumimoji="1" lang="en-US" altLang="ja-JP" dirty="0"/>
+              <a:t>Messaging</a:t>
+            </a:r>
+            <a:r>
+              <a:rPr lang="ja-JP" altLang="en-US" dirty="0"/>
+              <a:t> </a:t>
+            </a:r>
+            <a:r>
+              <a:rPr lang="en-US" altLang="ja-JP" dirty="0"/>
+              <a:t>API</a:t>
+            </a:r>
+            <a:r>
+              <a:rPr lang="ja-JP" altLang="en-US" dirty="0"/>
+              <a:t>設定</a:t>
+            </a:r>
+            <a:endParaRPr kumimoji="1" lang="ja-JP" altLang="en-US" dirty="0"/>
+          </a:p>
+        </p:txBody>
+      </p:sp>
+      <p:sp>
+        <p:nvSpPr>
+          <p:cNvPr id="3" name="テキスト プレースホルダー 2">
+            <a:extLst>
+              <a:ext uri="{FF2B5EF4-FFF2-40B4-BE49-F238E27FC236}">
+                <a16:creationId xmlns:a16="http://schemas.microsoft.com/office/drawing/2014/main" id="{2436D758-7FD9-DD61-37F3-C9539A617728}"/>
+              </a:ext>
+            </a:extLst>
+          </p:cNvPr>
+          <p:cNvSpPr>
+            <a:spLocks noGrp="1"/>
+          </p:cNvSpPr>
+          <p:nvPr>
+            <p:ph type="body" idx="1"/>
+          </p:nvPr>
+        </p:nvSpPr>
+        <p:spPr/>
+        <p:txBody>
+          <a:bodyPr/>
+          <a:lstStyle/>
+          <a:p>
+            <a:r>
+              <a:rPr kumimoji="1" lang="en-US" altLang="ja-JP" dirty="0"/>
+              <a:t>Webhook</a:t>
+            </a:r>
+            <a:r>
+              <a:rPr kumimoji="1" lang="ja-JP" altLang="en-US" dirty="0"/>
+              <a:t>用の</a:t>
+            </a:r>
+            <a:r>
+              <a:rPr kumimoji="1" lang="en-US" altLang="ja-JP" dirty="0"/>
+              <a:t>URL</a:t>
+            </a:r>
+            <a:r>
+              <a:rPr kumimoji="1" lang="ja-JP" altLang="en-US" dirty="0"/>
+              <a:t>を設定するまで</a:t>
+            </a:r>
+          </a:p>
+        </p:txBody>
+      </p:sp>
+    </p:spTree>
+    <p:extLst>
+      <p:ext uri="{BB962C8B-B14F-4D97-AF65-F5344CB8AC3E}">
+        <p14:creationId xmlns:p14="http://schemas.microsoft.com/office/powerpoint/2010/main" val="3071547097"/>
+      </p:ext>
+    </p:extLst>
+  </p:cSld>
+  <p:clrMapOvr>
+    <a:masterClrMapping/>
+  </p:clrMapOvr>
+</p:sld>
+</file>
+
+<file path=ppt/slides/slide2.xml><?xml version="1.0" encoding="utf-8"?>
+<p:sld xmlns:a="http://schemas.openxmlformats.org/drawingml/2006/main" xmlns:r="http://schemas.openxmlformats.org/officeDocument/2006/relationships" xmlns:p="http://schemas.openxmlformats.org/presentationml/2006/main">
+  <p:cSld>
+    <p:spTree>
+      <p:nvGrpSpPr>
+        <p:cNvPr id="1" name=""/>
+        <p:cNvGrpSpPr/>
+        <p:nvPr/>
+      </p:nvGrpSpPr>
+      <p:grpSpPr>
+        <a:xfrm>
+          <a:off x="0" y="0"/>
+          <a:ext cx="0" cy="0"/>
+          <a:chOff x="0" y="0"/>
+          <a:chExt cx="0" cy="0"/>
+        </a:xfrm>
+      </p:grpSpPr>
+      <p:sp>
+        <p:nvSpPr>
+          <p:cNvPr id="2" name="タイトル 1">
+            <a:extLst>
+              <a:ext uri="{FF2B5EF4-FFF2-40B4-BE49-F238E27FC236}">
+                <a16:creationId xmlns:a16="http://schemas.microsoft.com/office/drawing/2014/main" id="{CEE3E341-AA7C-67EF-28B9-1B6DED3BF6D3}"/>
+              </a:ext>
+            </a:extLst>
+          </p:cNvPr>
+          <p:cNvSpPr>
+            <a:spLocks noGrp="1"/>
+          </p:cNvSpPr>
+          <p:nvPr>
+            <p:ph type="title"/>
+          </p:nvPr>
+        </p:nvSpPr>
+        <p:spPr/>
+        <p:txBody>
+          <a:bodyPr/>
+          <a:lstStyle/>
+          <a:p>
+            <a:r>
+              <a:rPr lang="ja-JP" altLang="en-US" dirty="0"/>
+              <a:t>前提</a:t>
+            </a:r>
+            <a:endParaRPr kumimoji="1" lang="ja-JP" altLang="en-US" dirty="0"/>
+          </a:p>
+        </p:txBody>
+      </p:sp>
+      <p:sp>
+        <p:nvSpPr>
+          <p:cNvPr id="3" name="コンテンツ プレースホルダー 2">
+            <a:extLst>
+              <a:ext uri="{FF2B5EF4-FFF2-40B4-BE49-F238E27FC236}">
+                <a16:creationId xmlns:a16="http://schemas.microsoft.com/office/drawing/2014/main" id="{79E3BB85-E00D-69E5-B012-891B9E78E04B}"/>
+              </a:ext>
+            </a:extLst>
+          </p:cNvPr>
+          <p:cNvSpPr>
+            <a:spLocks noGrp="1"/>
+          </p:cNvSpPr>
+          <p:nvPr>
+            <p:ph idx="1"/>
+          </p:nvPr>
+        </p:nvSpPr>
+        <p:spPr/>
+        <p:txBody>
+          <a:bodyPr>
+            <a:normAutofit/>
+          </a:bodyPr>
+          <a:lstStyle/>
+          <a:p>
+            <a:r>
+              <a:rPr kumimoji="1" lang="en-US" altLang="ja-JP" dirty="0"/>
+              <a:t>LINE</a:t>
+            </a:r>
+            <a:r>
+              <a:rPr kumimoji="1" lang="ja-JP" altLang="en-US" dirty="0"/>
+              <a:t>アカウントがある</a:t>
+            </a:r>
+            <a:endParaRPr kumimoji="1" lang="en-US" altLang="ja-JP" dirty="0"/>
+          </a:p>
+          <a:p>
+            <a:r>
+              <a:rPr kumimoji="1" lang="en-US" altLang="ja-JP" dirty="0"/>
+              <a:t>48v.me </a:t>
+            </a:r>
+            <a:r>
+              <a:rPr kumimoji="1" lang="ja-JP" altLang="en-US" dirty="0"/>
+              <a:t>にアカウントがある</a:t>
+            </a:r>
+            <a:endParaRPr kumimoji="1" lang="en-US" altLang="ja-JP" dirty="0"/>
+          </a:p>
+          <a:p>
+            <a:pPr lvl="1"/>
+            <a:r>
+              <a:rPr kumimoji="1" lang="en-US" altLang="ja-JP" dirty="0"/>
+              <a:t>FTP</a:t>
+            </a:r>
+            <a:r>
+              <a:rPr kumimoji="1" lang="ja-JP" altLang="en-US" dirty="0"/>
+              <a:t>でプログラムを置ける</a:t>
+            </a:r>
+            <a:endParaRPr kumimoji="1" lang="en-US" altLang="ja-JP" dirty="0"/>
+          </a:p>
+        </p:txBody>
+      </p:sp>
+    </p:spTree>
+    <p:extLst>
+      <p:ext uri="{BB962C8B-B14F-4D97-AF65-F5344CB8AC3E}">
+        <p14:creationId xmlns:p14="http://schemas.microsoft.com/office/powerpoint/2010/main" val="1453942684"/>
+      </p:ext>
+    </p:extLst>
+  </p:cSld>
+  <p:clrMapOvr>
+    <a:masterClrMapping/>
+  </p:clrMapOvr>
+</p:sld>
+</file>
+
+<file path=ppt/slides/slide20.xml><?xml version="1.0" encoding="utf-8"?>
+<p:sld xmlns:a="http://schemas.openxmlformats.org/drawingml/2006/main" xmlns:r="http://schemas.openxmlformats.org/officeDocument/2006/relationships" xmlns:p="http://schemas.openxmlformats.org/presentationml/2006/main">
+  <p:cSld>
+    <p:spTree>
+      <p:nvGrpSpPr>
+        <p:cNvPr id="1" name=""/>
+        <p:cNvGrpSpPr/>
+        <p:nvPr/>
+      </p:nvGrpSpPr>
+      <p:grpSpPr>
+        <a:xfrm>
+          <a:off x="0" y="0"/>
+          <a:ext cx="0" cy="0"/>
+          <a:chOff x="0" y="0"/>
+          <a:chExt cx="0" cy="0"/>
+        </a:xfrm>
+      </p:grpSpPr>
+      <p:sp>
+        <p:nvSpPr>
+          <p:cNvPr id="2" name="タイトル 1">
+            <a:extLst>
+              <a:ext uri="{FF2B5EF4-FFF2-40B4-BE49-F238E27FC236}">
+                <a16:creationId xmlns:a16="http://schemas.microsoft.com/office/drawing/2014/main" id="{2631599D-BB4F-F745-4F36-CF3F2A482E41}"/>
+              </a:ext>
+            </a:extLst>
+          </p:cNvPr>
+          <p:cNvSpPr>
+            <a:spLocks noGrp="1"/>
+          </p:cNvSpPr>
+          <p:nvPr>
+            <p:ph type="title"/>
+          </p:nvPr>
+        </p:nvSpPr>
+        <p:spPr/>
+        <p:txBody>
+          <a:bodyPr>
+            <a:normAutofit/>
+          </a:bodyPr>
+          <a:lstStyle/>
+          <a:p>
+            <a:r>
+              <a:rPr lang="en-US" altLang="ja-JP" dirty="0"/>
+              <a:t>Messaging</a:t>
+            </a:r>
+            <a:r>
+              <a:rPr lang="ja-JP" altLang="en-US" dirty="0"/>
+              <a:t> </a:t>
+            </a:r>
+            <a:r>
+              <a:rPr lang="en-US" altLang="ja-JP" dirty="0"/>
+              <a:t>API</a:t>
+            </a:r>
+            <a:r>
+              <a:rPr lang="ja-JP" altLang="en-US" dirty="0"/>
+              <a:t>設定</a:t>
+            </a:r>
+            <a:br>
+              <a:rPr lang="en-US" altLang="ja-JP" dirty="0"/>
+            </a:br>
+            <a:r>
+              <a:rPr lang="en-US" altLang="ja-JP" dirty="0"/>
+              <a:t>Webhook</a:t>
+            </a:r>
+            <a:r>
+              <a:rPr lang="ja-JP" altLang="en-US" dirty="0"/>
+              <a:t>を有効にする</a:t>
+            </a:r>
+            <a:endParaRPr kumimoji="1" lang="ja-JP" altLang="en-US" dirty="0"/>
+          </a:p>
+        </p:txBody>
+      </p:sp>
+      <p:sp>
+        <p:nvSpPr>
+          <p:cNvPr id="4" name="テキスト プレースホルダー 3">
+            <a:extLst>
+              <a:ext uri="{FF2B5EF4-FFF2-40B4-BE49-F238E27FC236}">
+                <a16:creationId xmlns:a16="http://schemas.microsoft.com/office/drawing/2014/main" id="{51DF1AA3-0B77-B5F7-4F26-7C295F9EBC30}"/>
+              </a:ext>
+            </a:extLst>
+          </p:cNvPr>
+          <p:cNvSpPr>
+            <a:spLocks noGrp="1"/>
+          </p:cNvSpPr>
+          <p:nvPr>
+            <p:ph type="body" sz="half" idx="2"/>
+          </p:nvPr>
+        </p:nvSpPr>
+        <p:spPr/>
+        <p:txBody>
+          <a:bodyPr/>
+          <a:lstStyle/>
+          <a:p>
+            <a:r>
+              <a:rPr kumimoji="1" lang="ja-JP" altLang="en-US" dirty="0"/>
+              <a:t>チャネルの詳細画面から、</a:t>
+            </a:r>
+            <a:r>
+              <a:rPr kumimoji="1" lang="en-US" altLang="ja-JP" dirty="0">
+                <a:highlight>
+                  <a:srgbClr val="FFFF00"/>
+                </a:highlight>
+              </a:rPr>
+              <a:t>Messaging API</a:t>
+            </a:r>
+            <a:r>
+              <a:rPr kumimoji="1" lang="ja-JP" altLang="en-US" dirty="0">
+                <a:highlight>
+                  <a:srgbClr val="FFFF00"/>
+                </a:highlight>
+              </a:rPr>
+              <a:t>設定</a:t>
+            </a:r>
+            <a:r>
+              <a:rPr kumimoji="1" lang="ja-JP" altLang="en-US" dirty="0"/>
+              <a:t>をクリック</a:t>
+            </a:r>
+            <a:endParaRPr kumimoji="1" lang="en-US" altLang="ja-JP" dirty="0"/>
+          </a:p>
+        </p:txBody>
+      </p:sp>
+      <p:pic>
+        <p:nvPicPr>
+          <p:cNvPr id="7" name="コンテンツ プレースホルダー 6">
+            <a:extLst>
+              <a:ext uri="{FF2B5EF4-FFF2-40B4-BE49-F238E27FC236}">
+                <a16:creationId xmlns:a16="http://schemas.microsoft.com/office/drawing/2014/main" id="{8FFDFEE4-1918-7803-13BA-FC19617AA4F8}"/>
+              </a:ext>
+            </a:extLst>
+          </p:cNvPr>
+          <p:cNvPicPr>
+            <a:picLocks noGrp="1" noChangeAspect="1"/>
+          </p:cNvPicPr>
+          <p:nvPr>
+            <p:ph idx="1"/>
+          </p:nvPr>
+        </p:nvPicPr>
+        <p:blipFill>
+          <a:blip r:embed="rId2"/>
+          <a:stretch>
+            <a:fillRect/>
+          </a:stretch>
+        </p:blipFill>
+        <p:spPr>
+          <a:xfrm>
+            <a:off x="5457581" y="987425"/>
+            <a:ext cx="5623413" cy="4873625"/>
+          </a:xfrm>
+        </p:spPr>
+      </p:pic>
+    </p:spTree>
+    <p:extLst>
+      <p:ext uri="{BB962C8B-B14F-4D97-AF65-F5344CB8AC3E}">
+        <p14:creationId xmlns:p14="http://schemas.microsoft.com/office/powerpoint/2010/main" val="3347421334"/>
+      </p:ext>
+    </p:extLst>
+  </p:cSld>
+  <p:clrMapOvr>
+    <a:masterClrMapping/>
+  </p:clrMapOvr>
+</p:sld>
+</file>
+
+<file path=ppt/slides/slide21.xml><?xml version="1.0" encoding="utf-8"?>
+<p:sld xmlns:a="http://schemas.openxmlformats.org/drawingml/2006/main" xmlns:r="http://schemas.openxmlformats.org/officeDocument/2006/relationships" xmlns:p="http://schemas.openxmlformats.org/presentationml/2006/main">
+  <p:cSld>
+    <p:spTree>
+      <p:nvGrpSpPr>
+        <p:cNvPr id="1" name=""/>
+        <p:cNvGrpSpPr/>
+        <p:nvPr/>
+      </p:nvGrpSpPr>
+      <p:grpSpPr>
+        <a:xfrm>
+          <a:off x="0" y="0"/>
+          <a:ext cx="0" cy="0"/>
+          <a:chOff x="0" y="0"/>
+          <a:chExt cx="0" cy="0"/>
+        </a:xfrm>
+      </p:grpSpPr>
+      <p:sp>
+        <p:nvSpPr>
+          <p:cNvPr id="2" name="タイトル 1">
+            <a:extLst>
+              <a:ext uri="{FF2B5EF4-FFF2-40B4-BE49-F238E27FC236}">
+                <a16:creationId xmlns:a16="http://schemas.microsoft.com/office/drawing/2014/main" id="{2631599D-BB4F-F745-4F36-CF3F2A482E41}"/>
+              </a:ext>
+            </a:extLst>
+          </p:cNvPr>
+          <p:cNvSpPr>
+            <a:spLocks noGrp="1"/>
+          </p:cNvSpPr>
+          <p:nvPr>
+            <p:ph type="title"/>
+          </p:nvPr>
+        </p:nvSpPr>
+        <p:spPr/>
+        <p:txBody>
+          <a:bodyPr>
+            <a:normAutofit/>
+          </a:bodyPr>
+          <a:lstStyle/>
+          <a:p>
+            <a:r>
+              <a:rPr lang="en-US" altLang="ja-JP" dirty="0"/>
+              <a:t>Messaging</a:t>
+            </a:r>
+            <a:r>
+              <a:rPr lang="ja-JP" altLang="en-US" dirty="0"/>
+              <a:t> </a:t>
+            </a:r>
+            <a:r>
+              <a:rPr lang="en-US" altLang="ja-JP" dirty="0"/>
+              <a:t>API</a:t>
+            </a:r>
+            <a:r>
+              <a:rPr lang="ja-JP" altLang="en-US" dirty="0"/>
+              <a:t>設定</a:t>
+            </a:r>
+            <a:br>
+              <a:rPr lang="en-US" altLang="ja-JP" dirty="0"/>
+            </a:br>
+            <a:r>
+              <a:rPr lang="en-US" altLang="ja-JP" dirty="0"/>
+              <a:t>Webhook</a:t>
+            </a:r>
+            <a:r>
+              <a:rPr lang="ja-JP" altLang="en-US" dirty="0"/>
+              <a:t>を有効にする</a:t>
+            </a:r>
+            <a:endParaRPr kumimoji="1" lang="ja-JP" altLang="en-US" dirty="0"/>
+          </a:p>
+        </p:txBody>
+      </p:sp>
+      <p:sp>
+        <p:nvSpPr>
+          <p:cNvPr id="4" name="テキスト プレースホルダー 3">
+            <a:extLst>
+              <a:ext uri="{FF2B5EF4-FFF2-40B4-BE49-F238E27FC236}">
+                <a16:creationId xmlns:a16="http://schemas.microsoft.com/office/drawing/2014/main" id="{51DF1AA3-0B77-B5F7-4F26-7C295F9EBC30}"/>
+              </a:ext>
+            </a:extLst>
+          </p:cNvPr>
+          <p:cNvSpPr>
+            <a:spLocks noGrp="1"/>
+          </p:cNvSpPr>
+          <p:nvPr>
+            <p:ph type="body" sz="half" idx="2"/>
+          </p:nvPr>
+        </p:nvSpPr>
+        <p:spPr/>
+        <p:txBody>
+          <a:bodyPr/>
+          <a:lstStyle/>
+          <a:p>
+            <a:r>
+              <a:rPr kumimoji="1" lang="en-US" altLang="ja-JP" dirty="0"/>
+              <a:t>QR</a:t>
+            </a:r>
+            <a:r>
+              <a:rPr kumimoji="1" lang="ja-JP" altLang="en-US" dirty="0"/>
+              <a:t>コードの下に</a:t>
+            </a:r>
+            <a:r>
+              <a:rPr kumimoji="1" lang="en-US" altLang="ja-JP" dirty="0">
+                <a:highlight>
+                  <a:srgbClr val="FFFF00"/>
+                </a:highlight>
+              </a:rPr>
+              <a:t>Webhook</a:t>
+            </a:r>
+            <a:r>
+              <a:rPr kumimoji="1" lang="ja-JP" altLang="en-US" dirty="0">
+                <a:highlight>
+                  <a:srgbClr val="FFFF00"/>
+                </a:highlight>
+              </a:rPr>
+              <a:t>設定</a:t>
+            </a:r>
+            <a:r>
+              <a:rPr kumimoji="1" lang="ja-JP" altLang="en-US" dirty="0"/>
+              <a:t>がある。</a:t>
+            </a:r>
+            <a:endParaRPr kumimoji="1" lang="en-US" altLang="ja-JP" dirty="0"/>
+          </a:p>
+          <a:p>
+            <a:endParaRPr lang="en-US" altLang="ja-JP" dirty="0"/>
+          </a:p>
+          <a:p>
+            <a:r>
+              <a:rPr lang="ja-JP" altLang="en-US" dirty="0">
+                <a:highlight>
+                  <a:srgbClr val="FFFF00"/>
+                </a:highlight>
+              </a:rPr>
+              <a:t>編集</a:t>
+            </a:r>
+            <a:r>
+              <a:rPr lang="ja-JP" altLang="en-US" dirty="0"/>
+              <a:t>をクリックし、</a:t>
+            </a:r>
+            <a:r>
+              <a:rPr lang="en-US" altLang="ja-JP" dirty="0"/>
+              <a:t>URL</a:t>
+            </a:r>
+            <a:r>
+              <a:rPr lang="ja-JP" altLang="en-US" dirty="0"/>
+              <a:t>を設定する。</a:t>
+            </a:r>
+            <a:endParaRPr lang="en-US" altLang="ja-JP" dirty="0"/>
+          </a:p>
+        </p:txBody>
+      </p:sp>
+      <p:pic>
+        <p:nvPicPr>
+          <p:cNvPr id="10" name="コンテンツ プレースホルダー 9">
+            <a:extLst>
+              <a:ext uri="{FF2B5EF4-FFF2-40B4-BE49-F238E27FC236}">
+                <a16:creationId xmlns:a16="http://schemas.microsoft.com/office/drawing/2014/main" id="{9FDE8133-FFFB-3E42-2DFE-66947015D9DE}"/>
+              </a:ext>
+            </a:extLst>
+          </p:cNvPr>
+          <p:cNvPicPr>
+            <a:picLocks noGrp="1" noChangeAspect="1"/>
+          </p:cNvPicPr>
+          <p:nvPr>
+            <p:ph idx="1"/>
+          </p:nvPr>
+        </p:nvPicPr>
+        <p:blipFill>
+          <a:blip r:embed="rId2"/>
+          <a:stretch>
+            <a:fillRect/>
+          </a:stretch>
+        </p:blipFill>
+        <p:spPr>
+          <a:xfrm>
+            <a:off x="5457581" y="987425"/>
+            <a:ext cx="5623413" cy="4873625"/>
+          </a:xfrm>
+        </p:spPr>
+      </p:pic>
+    </p:spTree>
+    <p:extLst>
+      <p:ext uri="{BB962C8B-B14F-4D97-AF65-F5344CB8AC3E}">
+        <p14:creationId xmlns:p14="http://schemas.microsoft.com/office/powerpoint/2010/main" val="663288369"/>
+      </p:ext>
+    </p:extLst>
+  </p:cSld>
+  <p:clrMapOvr>
+    <a:masterClrMapping/>
+  </p:clrMapOvr>
+</p:sld>
+</file>
+
+<file path=ppt/slides/slide3.xml><?xml version="1.0" encoding="utf-8"?>
+<p:sld xmlns:a="http://schemas.openxmlformats.org/drawingml/2006/main" xmlns:r="http://schemas.openxmlformats.org/officeDocument/2006/relationships" xmlns:p="http://schemas.openxmlformats.org/presentationml/2006/main">
+  <p:cSld>
+    <p:spTree>
+      <p:nvGrpSpPr>
+        <p:cNvPr id="1" name=""/>
+        <p:cNvGrpSpPr/>
+        <p:nvPr/>
+      </p:nvGrpSpPr>
+      <p:grpSpPr>
+        <a:xfrm>
+          <a:off x="0" y="0"/>
+          <a:ext cx="0" cy="0"/>
+          <a:chOff x="0" y="0"/>
+          <a:chExt cx="0" cy="0"/>
+        </a:xfrm>
+      </p:grpSpPr>
+      <p:sp>
+        <p:nvSpPr>
+          <p:cNvPr id="2" name="タイトル 1">
+            <a:extLst>
+              <a:ext uri="{FF2B5EF4-FFF2-40B4-BE49-F238E27FC236}">
+                <a16:creationId xmlns:a16="http://schemas.microsoft.com/office/drawing/2014/main" id="{6E3713EE-88A4-814E-18F7-8580E24A1BBC}"/>
+              </a:ext>
+            </a:extLst>
+          </p:cNvPr>
+          <p:cNvSpPr>
+            <a:spLocks noGrp="1"/>
+          </p:cNvSpPr>
+          <p:nvPr>
+            <p:ph type="title"/>
+          </p:nvPr>
+        </p:nvSpPr>
+        <p:spPr/>
+        <p:txBody>
+          <a:bodyPr/>
+          <a:lstStyle/>
+          <a:p>
+            <a:r>
+              <a:rPr kumimoji="1" lang="en-US" altLang="ja-JP" dirty="0"/>
+              <a:t>GitHub</a:t>
+            </a:r>
+            <a:endParaRPr kumimoji="1" lang="ja-JP" altLang="en-US" dirty="0"/>
+          </a:p>
+        </p:txBody>
+      </p:sp>
+      <p:sp>
+        <p:nvSpPr>
+          <p:cNvPr id="3" name="テキスト プレースホルダー 2">
+            <a:extLst>
+              <a:ext uri="{FF2B5EF4-FFF2-40B4-BE49-F238E27FC236}">
+                <a16:creationId xmlns:a16="http://schemas.microsoft.com/office/drawing/2014/main" id="{2436D758-7FD9-DD61-37F3-C9539A617728}"/>
+              </a:ext>
+            </a:extLst>
+          </p:cNvPr>
+          <p:cNvSpPr>
+            <a:spLocks noGrp="1"/>
+          </p:cNvSpPr>
+          <p:nvPr>
+            <p:ph type="body" idx="1"/>
+          </p:nvPr>
+        </p:nvSpPr>
+        <p:spPr/>
+        <p:txBody>
+          <a:bodyPr/>
+          <a:lstStyle/>
+          <a:p>
+            <a:r>
+              <a:rPr kumimoji="1" lang="ja-JP" altLang="en-US" dirty="0"/>
+              <a:t>使用するプログラムをダウンロードするまで</a:t>
+            </a:r>
+          </a:p>
+        </p:txBody>
+      </p:sp>
+    </p:spTree>
+    <p:extLst>
+      <p:ext uri="{BB962C8B-B14F-4D97-AF65-F5344CB8AC3E}">
+        <p14:creationId xmlns:p14="http://schemas.microsoft.com/office/powerpoint/2010/main" val="158317619"/>
+      </p:ext>
+    </p:extLst>
+  </p:cSld>
+  <p:clrMapOvr>
+    <a:masterClrMapping/>
+  </p:clrMapOvr>
+</p:sld>
+</file>
+
+<file path=ppt/slides/slide4.xml><?xml version="1.0" encoding="utf-8"?>
+<p:sld xmlns:a="http://schemas.openxmlformats.org/drawingml/2006/main" xmlns:r="http://schemas.openxmlformats.org/officeDocument/2006/relationships" xmlns:p="http://schemas.openxmlformats.org/presentationml/2006/main">
+  <p:cSld>
+    <p:spTree>
+      <p:nvGrpSpPr>
+        <p:cNvPr id="1" name=""/>
+        <p:cNvGrpSpPr/>
+        <p:nvPr/>
+      </p:nvGrpSpPr>
+      <p:grpSpPr>
+        <a:xfrm>
+          <a:off x="0" y="0"/>
+          <a:ext cx="0" cy="0"/>
+          <a:chOff x="0" y="0"/>
+          <a:chExt cx="0" cy="0"/>
+        </a:xfrm>
+      </p:grpSpPr>
+      <p:sp>
+        <p:nvSpPr>
+          <p:cNvPr id="2" name="タイトル 1">
+            <a:extLst>
+              <a:ext uri="{FF2B5EF4-FFF2-40B4-BE49-F238E27FC236}">
+                <a16:creationId xmlns:a16="http://schemas.microsoft.com/office/drawing/2014/main" id="{6831CA1D-85FA-A08C-6792-47D945ABB90B}"/>
+              </a:ext>
+            </a:extLst>
+          </p:cNvPr>
+          <p:cNvSpPr>
+            <a:spLocks noGrp="1"/>
+          </p:cNvSpPr>
+          <p:nvPr>
+            <p:ph type="title"/>
+          </p:nvPr>
+        </p:nvSpPr>
+        <p:spPr/>
+        <p:txBody>
+          <a:bodyPr/>
+          <a:lstStyle/>
+          <a:p>
+            <a:r>
+              <a:rPr kumimoji="1" lang="en-US" altLang="ja-JP" dirty="0"/>
+              <a:t>GitHub</a:t>
+            </a:r>
+            <a:br>
+              <a:rPr kumimoji="1" lang="en-US" altLang="ja-JP" dirty="0"/>
+            </a:br>
+            <a:r>
+              <a:rPr kumimoji="1" lang="ja-JP" altLang="en-US" dirty="0"/>
+              <a:t>ソースコードをダウンロードしよう</a:t>
+            </a:r>
+          </a:p>
+        </p:txBody>
+      </p:sp>
+      <p:pic>
+        <p:nvPicPr>
+          <p:cNvPr id="6" name="コンテンツ プレースホルダー 5">
+            <a:extLst>
+              <a:ext uri="{FF2B5EF4-FFF2-40B4-BE49-F238E27FC236}">
+                <a16:creationId xmlns:a16="http://schemas.microsoft.com/office/drawing/2014/main" id="{6C0CF713-425E-95A9-B6FC-8A58FD53229E}"/>
+              </a:ext>
+            </a:extLst>
+          </p:cNvPr>
+          <p:cNvPicPr>
+            <a:picLocks noGrp="1" noChangeAspect="1"/>
+          </p:cNvPicPr>
+          <p:nvPr>
+            <p:ph idx="1"/>
+          </p:nvPr>
+        </p:nvPicPr>
+        <p:blipFill>
+          <a:blip r:embed="rId2"/>
+          <a:stretch>
+            <a:fillRect/>
+          </a:stretch>
+        </p:blipFill>
+        <p:spPr>
+          <a:xfrm>
+            <a:off x="5575575" y="987425"/>
+            <a:ext cx="5387425" cy="4873625"/>
+          </a:xfrm>
+        </p:spPr>
+      </p:pic>
+      <p:sp>
+        <p:nvSpPr>
+          <p:cNvPr id="4" name="テキスト プレースホルダー 3">
+            <a:extLst>
+              <a:ext uri="{FF2B5EF4-FFF2-40B4-BE49-F238E27FC236}">
+                <a16:creationId xmlns:a16="http://schemas.microsoft.com/office/drawing/2014/main" id="{92F03510-9FFC-9E8F-A8DF-7C13188DF7D1}"/>
+              </a:ext>
+            </a:extLst>
+          </p:cNvPr>
+          <p:cNvSpPr>
+            <a:spLocks noGrp="1"/>
+          </p:cNvSpPr>
+          <p:nvPr>
+            <p:ph type="body" sz="half" idx="2"/>
+          </p:nvPr>
+        </p:nvSpPr>
+        <p:spPr/>
+        <p:txBody>
+          <a:bodyPr/>
+          <a:lstStyle/>
+          <a:p>
+            <a:r>
+              <a:rPr kumimoji="1" lang="fr-FR" altLang="ja-JP" dirty="0">
+                <a:hlinkClick r:id="rId3"/>
+              </a:rPr>
+              <a:t>https://github.com/mizunoshota2001/bot-tut-service-engineering-s</a:t>
+            </a:r>
+            <a:br>
+              <a:rPr kumimoji="1" lang="fr-FR" altLang="ja-JP" dirty="0"/>
+            </a:br>
+            <a:r>
+              <a:rPr kumimoji="1" lang="ja-JP" altLang="en-US" dirty="0"/>
+              <a:t>この</a:t>
+            </a:r>
+            <a:r>
+              <a:rPr kumimoji="1" lang="en-US" altLang="ja-JP" dirty="0"/>
+              <a:t>URL</a:t>
+            </a:r>
+            <a:r>
+              <a:rPr kumimoji="1" lang="ja-JP" altLang="en-US" dirty="0"/>
+              <a:t>にアクセスしてください。</a:t>
+            </a:r>
+            <a:endParaRPr kumimoji="1" lang="en-US" altLang="ja-JP" dirty="0"/>
+          </a:p>
+          <a:p>
+            <a:endParaRPr lang="en-US" altLang="ja-JP" dirty="0"/>
+          </a:p>
+          <a:p>
+            <a:r>
+              <a:rPr kumimoji="1" lang="ja-JP" altLang="en-US" dirty="0"/>
+              <a:t>ベースとなるプログラムとその説明を公開しています。</a:t>
+            </a:r>
+            <a:r>
+              <a:rPr kumimoji="1" lang="en-US" altLang="ja-JP" dirty="0"/>
+              <a:t>ZIP</a:t>
+            </a:r>
+            <a:r>
+              <a:rPr kumimoji="1" lang="ja-JP" altLang="en-US" dirty="0"/>
+              <a:t>でダウンロード</a:t>
+            </a:r>
+            <a:endParaRPr kumimoji="1" lang="en-US" altLang="ja-JP" dirty="0"/>
+          </a:p>
+          <a:p>
+            <a:endParaRPr lang="en-US" altLang="ja-JP" dirty="0"/>
+          </a:p>
+        </p:txBody>
+      </p:sp>
+      <p:pic>
+        <p:nvPicPr>
+          <p:cNvPr id="8" name="図 7">
+            <a:extLst>
+              <a:ext uri="{FF2B5EF4-FFF2-40B4-BE49-F238E27FC236}">
+                <a16:creationId xmlns:a16="http://schemas.microsoft.com/office/drawing/2014/main" id="{048DE635-D316-6235-F052-25C9BDFE4E20}"/>
+              </a:ext>
+            </a:extLst>
+          </p:cNvPr>
+          <p:cNvPicPr>
+            <a:picLocks noChangeAspect="1"/>
+          </p:cNvPicPr>
+          <p:nvPr/>
+        </p:nvPicPr>
+        <p:blipFill>
+          <a:blip r:embed="rId4"/>
+          <a:stretch>
+            <a:fillRect/>
+          </a:stretch>
+        </p:blipFill>
+        <p:spPr>
+          <a:xfrm>
+            <a:off x="839788" y="3915068"/>
+            <a:ext cx="1114581" cy="476316"/>
+          </a:xfrm>
+          <a:prstGeom prst="rect">
+            <a:avLst/>
+          </a:prstGeom>
+        </p:spPr>
+      </p:pic>
+      <p:pic>
+        <p:nvPicPr>
+          <p:cNvPr id="10" name="図 9">
+            <a:extLst>
+              <a:ext uri="{FF2B5EF4-FFF2-40B4-BE49-F238E27FC236}">
+                <a16:creationId xmlns:a16="http://schemas.microsoft.com/office/drawing/2014/main" id="{5EF219AD-AABC-A8E0-A284-D911AB24D47D}"/>
+              </a:ext>
+            </a:extLst>
+          </p:cNvPr>
+          <p:cNvPicPr>
+            <a:picLocks noChangeAspect="1"/>
+          </p:cNvPicPr>
+          <p:nvPr/>
+        </p:nvPicPr>
+        <p:blipFill>
+          <a:blip r:embed="rId5"/>
+          <a:stretch>
+            <a:fillRect/>
+          </a:stretch>
+        </p:blipFill>
+        <p:spPr>
+          <a:xfrm>
+            <a:off x="2343285" y="3915068"/>
+            <a:ext cx="2428740" cy="2021305"/>
+          </a:xfrm>
+          <a:prstGeom prst="rect">
+            <a:avLst/>
+          </a:prstGeom>
+        </p:spPr>
+      </p:pic>
+      <p:cxnSp>
+        <p:nvCxnSpPr>
+          <p:cNvPr id="12" name="直線矢印コネクタ 11">
+            <a:extLst>
+              <a:ext uri="{FF2B5EF4-FFF2-40B4-BE49-F238E27FC236}">
+                <a16:creationId xmlns:a16="http://schemas.microsoft.com/office/drawing/2014/main" id="{4BE8C4CF-6877-96C7-9593-41C9B0F03535}"/>
+              </a:ext>
+            </a:extLst>
+          </p:cNvPr>
+          <p:cNvCxnSpPr>
+            <a:cxnSpLocks/>
+            <a:stCxn id="8" idx="3"/>
+          </p:cNvCxnSpPr>
+          <p:nvPr/>
+        </p:nvCxnSpPr>
+        <p:spPr>
+          <a:xfrm>
+            <a:off x="1954369" y="4153226"/>
+            <a:ext cx="1895736" cy="0"/>
+          </a:xfrm>
+          <a:prstGeom prst="straightConnector1">
+            <a:avLst/>
+          </a:prstGeom>
+          <a:ln w="76200">
+            <a:tailEnd type="triangle"/>
+          </a:ln>
+        </p:spPr>
+        <p:style>
+          <a:lnRef idx="1">
+            <a:schemeClr val="accent1"/>
+          </a:lnRef>
+          <a:fillRef idx="0">
+            <a:schemeClr val="accent1"/>
+          </a:fillRef>
+          <a:effectRef idx="0">
+            <a:schemeClr val="accent1"/>
+          </a:effectRef>
+          <a:fontRef idx="minor">
+            <a:schemeClr val="tx1"/>
+          </a:fontRef>
+        </p:style>
+      </p:cxnSp>
+      <p:sp>
+        <p:nvSpPr>
+          <p:cNvPr id="14" name="円: 塗りつぶしなし 13">
+            <a:extLst>
+              <a:ext uri="{FF2B5EF4-FFF2-40B4-BE49-F238E27FC236}">
+                <a16:creationId xmlns:a16="http://schemas.microsoft.com/office/drawing/2014/main" id="{382C0115-06D7-F3D9-498D-E3D1DD8C10F1}"/>
+              </a:ext>
+            </a:extLst>
+          </p:cNvPr>
+          <p:cNvSpPr/>
+          <p:nvPr/>
+        </p:nvSpPr>
+        <p:spPr>
+          <a:xfrm>
+            <a:off x="2040211" y="5426363"/>
+            <a:ext cx="1724052" cy="476317"/>
+          </a:xfrm>
+          <a:prstGeom prst="donut">
+            <a:avLst>
+              <a:gd name="adj" fmla="val 21995"/>
+            </a:avLst>
+          </a:prstGeom>
+        </p:spPr>
+        <p:style>
+          <a:lnRef idx="2">
+            <a:schemeClr val="accent1">
+              <a:shade val="15000"/>
+            </a:schemeClr>
+          </a:lnRef>
+          <a:fillRef idx="1">
+            <a:schemeClr val="accent1"/>
+          </a:fillRef>
+          <a:effectRef idx="0">
+            <a:schemeClr val="accent1"/>
+          </a:effectRef>
+          <a:fontRef idx="minor">
+            <a:schemeClr val="lt1"/>
+          </a:fontRef>
+        </p:style>
+        <p:txBody>
+          <a:bodyPr rtlCol="0" anchor="ctr"/>
+          <a:lstStyle/>
+          <a:p>
+            <a:pPr algn="ctr"/>
+            <a:endParaRPr kumimoji="1" lang="ja-JP" altLang="en-US">
+              <a:solidFill>
+                <a:schemeClr val="tx1"/>
+              </a:solidFill>
+            </a:endParaRPr>
+          </a:p>
+        </p:txBody>
+      </p:sp>
+    </p:spTree>
+    <p:extLst>
+      <p:ext uri="{BB962C8B-B14F-4D97-AF65-F5344CB8AC3E}">
+        <p14:creationId xmlns:p14="http://schemas.microsoft.com/office/powerpoint/2010/main" val="45474502"/>
+      </p:ext>
+    </p:extLst>
+  </p:cSld>
+  <p:clrMapOvr>
+    <a:masterClrMapping/>
+  </p:clrMapOvr>
+</p:sld>
+</file>
+
+<file path=ppt/slides/slide5.xml><?xml version="1.0" encoding="utf-8"?>
+<p:sld xmlns:a="http://schemas.openxmlformats.org/drawingml/2006/main" xmlns:r="http://schemas.openxmlformats.org/officeDocument/2006/relationships" xmlns:p="http://schemas.openxmlformats.org/presentationml/2006/main">
+  <p:cSld>
+    <p:spTree>
+      <p:nvGrpSpPr>
+        <p:cNvPr id="1" name=""/>
+        <p:cNvGrpSpPr/>
+        <p:nvPr/>
+      </p:nvGrpSpPr>
+      <p:grpSpPr>
+        <a:xfrm>
+          <a:off x="0" y="0"/>
+          <a:ext cx="0" cy="0"/>
+          <a:chOff x="0" y="0"/>
+          <a:chExt cx="0" cy="0"/>
+        </a:xfrm>
+      </p:grpSpPr>
+      <p:sp>
+        <p:nvSpPr>
+          <p:cNvPr id="2" name="タイトル 1">
+            <a:extLst>
+              <a:ext uri="{FF2B5EF4-FFF2-40B4-BE49-F238E27FC236}">
+                <a16:creationId xmlns:a16="http://schemas.microsoft.com/office/drawing/2014/main" id="{6E3713EE-88A4-814E-18F7-8580E24A1BBC}"/>
+              </a:ext>
+            </a:extLst>
+          </p:cNvPr>
+          <p:cNvSpPr>
+            <a:spLocks noGrp="1"/>
+          </p:cNvSpPr>
+          <p:nvPr>
+            <p:ph type="title"/>
+          </p:nvPr>
+        </p:nvSpPr>
+        <p:spPr/>
+        <p:txBody>
+          <a:bodyPr/>
+          <a:lstStyle/>
+          <a:p>
+            <a:r>
+              <a:rPr lang="en-US" altLang="ja-JP" strike="sngStrike" dirty="0"/>
+              <a:t>48v.me</a:t>
+            </a:r>
+            <a:r>
+              <a:rPr lang="ja-JP" altLang="en-US" strike="sngStrike" dirty="0"/>
+              <a:t>にアップロード</a:t>
+            </a:r>
+            <a:endParaRPr kumimoji="1" lang="ja-JP" altLang="en-US" strike="sngStrike" dirty="0"/>
+          </a:p>
+        </p:txBody>
+      </p:sp>
+      <p:sp>
+        <p:nvSpPr>
+          <p:cNvPr id="3" name="テキスト プレースホルダー 2">
+            <a:extLst>
+              <a:ext uri="{FF2B5EF4-FFF2-40B4-BE49-F238E27FC236}">
+                <a16:creationId xmlns:a16="http://schemas.microsoft.com/office/drawing/2014/main" id="{2436D758-7FD9-DD61-37F3-C9539A617728}"/>
+              </a:ext>
+            </a:extLst>
+          </p:cNvPr>
+          <p:cNvSpPr>
+            <a:spLocks noGrp="1"/>
+          </p:cNvSpPr>
+          <p:nvPr>
+            <p:ph type="body" idx="1"/>
+          </p:nvPr>
+        </p:nvSpPr>
+        <p:spPr/>
+        <p:txBody>
+          <a:bodyPr/>
+          <a:lstStyle/>
+          <a:p>
+            <a:r>
+              <a:rPr kumimoji="1" lang="ja-JP" altLang="en-US" dirty="0"/>
+              <a:t>追記</a:t>
+            </a:r>
+          </a:p>
+        </p:txBody>
+      </p:sp>
+    </p:spTree>
+    <p:extLst>
+      <p:ext uri="{BB962C8B-B14F-4D97-AF65-F5344CB8AC3E}">
+        <p14:creationId xmlns:p14="http://schemas.microsoft.com/office/powerpoint/2010/main" val="1681263845"/>
+      </p:ext>
+    </p:extLst>
+  </p:cSld>
+  <p:clrMapOvr>
+    <a:masterClrMapping/>
+  </p:clrMapOvr>
+</p:sld>
+</file>
+
+<file path=ppt/slides/slide6.xml><?xml version="1.0" encoding="utf-8"?>
+<p:sld xmlns:a="http://schemas.openxmlformats.org/drawingml/2006/main" xmlns:r="http://schemas.openxmlformats.org/officeDocument/2006/relationships" xmlns:p="http://schemas.openxmlformats.org/presentationml/2006/main">
+  <p:cSld>
+    <p:spTree>
+      <p:nvGrpSpPr>
+        <p:cNvPr id="1" name=""/>
+        <p:cNvGrpSpPr/>
+        <p:nvPr/>
+      </p:nvGrpSpPr>
+      <p:grpSpPr>
+        <a:xfrm>
+          <a:off x="0" y="0"/>
+          <a:ext cx="0" cy="0"/>
+          <a:chOff x="0" y="0"/>
+          <a:chExt cx="0" cy="0"/>
+        </a:xfrm>
+      </p:grpSpPr>
+      <p:sp>
+        <p:nvSpPr>
+          <p:cNvPr id="2" name="タイトル 1">
+            <a:extLst>
+              <a:ext uri="{FF2B5EF4-FFF2-40B4-BE49-F238E27FC236}">
+                <a16:creationId xmlns:a16="http://schemas.microsoft.com/office/drawing/2014/main" id="{6DF7D7FF-7ABE-BBB9-5446-77125BA30D0E}"/>
+              </a:ext>
+            </a:extLst>
+          </p:cNvPr>
+          <p:cNvSpPr>
+            <a:spLocks noGrp="1"/>
+          </p:cNvSpPr>
+          <p:nvPr>
+            <p:ph type="title"/>
+          </p:nvPr>
+        </p:nvSpPr>
+        <p:spPr/>
+        <p:txBody>
+          <a:bodyPr/>
+          <a:lstStyle/>
+          <a:p>
+            <a:r>
+              <a:rPr lang="en-US" altLang="ja-JP" dirty="0"/>
+              <a:t>LINE</a:t>
+            </a:r>
+            <a:r>
+              <a:rPr lang="ja-JP" altLang="en-US" dirty="0"/>
+              <a:t> </a:t>
+            </a:r>
+            <a:r>
+              <a:rPr lang="en-US" altLang="ja-JP" dirty="0"/>
+              <a:t>Developers</a:t>
+            </a:r>
+            <a:endParaRPr kumimoji="1" lang="ja-JP" altLang="en-US" dirty="0"/>
+          </a:p>
+        </p:txBody>
+      </p:sp>
+      <p:sp>
+        <p:nvSpPr>
+          <p:cNvPr id="3" name="テキスト プレースホルダー 2">
+            <a:extLst>
+              <a:ext uri="{FF2B5EF4-FFF2-40B4-BE49-F238E27FC236}">
+                <a16:creationId xmlns:a16="http://schemas.microsoft.com/office/drawing/2014/main" id="{656E21D7-1C13-0141-8104-8A5EDB0F0E28}"/>
+              </a:ext>
+            </a:extLst>
+          </p:cNvPr>
+          <p:cNvSpPr>
+            <a:spLocks noGrp="1"/>
+          </p:cNvSpPr>
+          <p:nvPr>
+            <p:ph type="body" idx="1"/>
+          </p:nvPr>
+        </p:nvSpPr>
+        <p:spPr/>
+        <p:txBody>
+          <a:bodyPr/>
+          <a:lstStyle/>
+          <a:p>
+            <a:r>
+              <a:rPr kumimoji="1" lang="ja-JP" altLang="en-US" dirty="0"/>
+              <a:t>公式</a:t>
+            </a:r>
+            <a:r>
+              <a:rPr kumimoji="1" lang="en-US" altLang="ja-JP" dirty="0"/>
+              <a:t>LINE-BOT</a:t>
+            </a:r>
+            <a:r>
+              <a:rPr kumimoji="1" lang="ja-JP" altLang="en-US" dirty="0"/>
+              <a:t>用のチャネルを作成するまで</a:t>
+            </a:r>
+          </a:p>
+        </p:txBody>
+      </p:sp>
+    </p:spTree>
+    <p:extLst>
+      <p:ext uri="{BB962C8B-B14F-4D97-AF65-F5344CB8AC3E}">
+        <p14:creationId xmlns:p14="http://schemas.microsoft.com/office/powerpoint/2010/main" val="2458012139"/>
+      </p:ext>
+    </p:extLst>
+  </p:cSld>
+  <p:clrMapOvr>
+    <a:masterClrMapping/>
+  </p:clrMapOvr>
+</p:sld>
+</file>
+
+<file path=ppt/slides/slide7.xml><?xml version="1.0" encoding="utf-8"?>
+<p:sld xmlns:a="http://schemas.openxmlformats.org/drawingml/2006/main" xmlns:r="http://schemas.openxmlformats.org/officeDocument/2006/relationships" xmlns:p="http://schemas.openxmlformats.org/presentationml/2006/main">
+  <p:cSld>
+    <p:spTree>
+      <p:nvGrpSpPr>
+        <p:cNvPr id="1" name=""/>
+        <p:cNvGrpSpPr/>
+        <p:nvPr/>
+      </p:nvGrpSpPr>
+      <p:grpSpPr>
+        <a:xfrm>
+          <a:off x="0" y="0"/>
+          <a:ext cx="0" cy="0"/>
+          <a:chOff x="0" y="0"/>
+          <a:chExt cx="0" cy="0"/>
+        </a:xfrm>
+      </p:grpSpPr>
+      <p:sp>
+        <p:nvSpPr>
+          <p:cNvPr id="2" name="タイトル 1">
+            <a:extLst>
+              <a:ext uri="{FF2B5EF4-FFF2-40B4-BE49-F238E27FC236}">
+                <a16:creationId xmlns:a16="http://schemas.microsoft.com/office/drawing/2014/main" id="{2631599D-BB4F-F745-4F36-CF3F2A482E41}"/>
+              </a:ext>
+            </a:extLst>
+          </p:cNvPr>
+          <p:cNvSpPr>
+            <a:spLocks noGrp="1"/>
+          </p:cNvSpPr>
+          <p:nvPr>
+            <p:ph type="title"/>
+          </p:nvPr>
+        </p:nvSpPr>
+        <p:spPr/>
+        <p:txBody>
+          <a:bodyPr/>
+          <a:lstStyle/>
+          <a:p>
+            <a:r>
+              <a:rPr lang="en-US" altLang="ja-JP" dirty="0"/>
+              <a:t>LINE</a:t>
+            </a:r>
+            <a:r>
+              <a:rPr lang="ja-JP" altLang="en-US" dirty="0"/>
+              <a:t> </a:t>
+            </a:r>
+            <a:r>
+              <a:rPr lang="en-US" altLang="ja-JP" dirty="0"/>
+              <a:t>Developers</a:t>
+            </a:r>
+            <a:br>
+              <a:rPr lang="en-US" altLang="ja-JP" dirty="0"/>
+            </a:br>
+            <a:r>
+              <a:rPr lang="ja-JP" altLang="en-US" dirty="0"/>
+              <a:t>ログインしよう</a:t>
+            </a:r>
+            <a:endParaRPr kumimoji="1" lang="ja-JP" altLang="en-US" dirty="0"/>
+          </a:p>
+        </p:txBody>
+      </p:sp>
+      <p:sp>
+        <p:nvSpPr>
+          <p:cNvPr id="4" name="テキスト プレースホルダー 3">
+            <a:extLst>
+              <a:ext uri="{FF2B5EF4-FFF2-40B4-BE49-F238E27FC236}">
+                <a16:creationId xmlns:a16="http://schemas.microsoft.com/office/drawing/2014/main" id="{51DF1AA3-0B77-B5F7-4F26-7C295F9EBC30}"/>
+              </a:ext>
+            </a:extLst>
+          </p:cNvPr>
+          <p:cNvSpPr>
+            <a:spLocks noGrp="1"/>
+          </p:cNvSpPr>
+          <p:nvPr>
+            <p:ph type="body" sz="half" idx="2"/>
+          </p:nvPr>
+        </p:nvSpPr>
+        <p:spPr/>
+        <p:txBody>
+          <a:bodyPr/>
+          <a:lstStyle/>
+          <a:p>
+            <a:r>
+              <a:rPr kumimoji="1" lang="fr-FR" altLang="ja-JP" dirty="0">
+                <a:hlinkClick r:id="rId2"/>
+              </a:rPr>
+              <a:t>https://developers.line.biz/ja/</a:t>
+            </a:r>
+            <a:endParaRPr kumimoji="1" lang="fr-FR" altLang="ja-JP" dirty="0"/>
+          </a:p>
+          <a:p>
+            <a:endParaRPr kumimoji="1" lang="ja-JP" altLang="en-US" dirty="0"/>
+          </a:p>
+        </p:txBody>
+      </p:sp>
+      <p:pic>
+        <p:nvPicPr>
+          <p:cNvPr id="10" name="コンテンツ プレースホルダー 9">
+            <a:extLst>
+              <a:ext uri="{FF2B5EF4-FFF2-40B4-BE49-F238E27FC236}">
+                <a16:creationId xmlns:a16="http://schemas.microsoft.com/office/drawing/2014/main" id="{1C1EF85E-36EB-F87B-34D5-6D83DAAA78B7}"/>
+              </a:ext>
+            </a:extLst>
+          </p:cNvPr>
+          <p:cNvPicPr>
+            <a:picLocks noGrp="1" noChangeAspect="1"/>
+          </p:cNvPicPr>
+          <p:nvPr>
+            <p:ph idx="1"/>
+          </p:nvPr>
+        </p:nvPicPr>
+        <p:blipFill>
+          <a:blip r:embed="rId3"/>
+          <a:stretch>
+            <a:fillRect/>
+          </a:stretch>
+        </p:blipFill>
+        <p:spPr>
+          <a:xfrm>
+            <a:off x="5457581" y="987425"/>
+            <a:ext cx="5623413" cy="4873625"/>
+          </a:xfrm>
+        </p:spPr>
+      </p:pic>
+    </p:spTree>
+    <p:extLst>
+      <p:ext uri="{BB962C8B-B14F-4D97-AF65-F5344CB8AC3E}">
+        <p14:creationId xmlns:p14="http://schemas.microsoft.com/office/powerpoint/2010/main" val="2893950768"/>
+      </p:ext>
+    </p:extLst>
+  </p:cSld>
+  <p:clrMapOvr>
+    <a:masterClrMapping/>
+  </p:clrMapOvr>
+</p:sld>
+</file>
+
+<file path=ppt/slides/slide8.xml><?xml version="1.0" encoding="utf-8"?>
+<p:sld xmlns:a="http://schemas.openxmlformats.org/drawingml/2006/main" xmlns:r="http://schemas.openxmlformats.org/officeDocument/2006/relationships" xmlns:p="http://schemas.openxmlformats.org/presentationml/2006/main">
+  <p:cSld>
+    <p:spTree>
+      <p:nvGrpSpPr>
+        <p:cNvPr id="1" name=""/>
+        <p:cNvGrpSpPr/>
+        <p:nvPr/>
+      </p:nvGrpSpPr>
+      <p:grpSpPr>
+        <a:xfrm>
+          <a:off x="0" y="0"/>
+          <a:ext cx="0" cy="0"/>
+          <a:chOff x="0" y="0"/>
+          <a:chExt cx="0" cy="0"/>
+        </a:xfrm>
+      </p:grpSpPr>
+      <p:sp>
+        <p:nvSpPr>
+          <p:cNvPr id="2" name="タイトル 1">
+            <a:extLst>
+              <a:ext uri="{FF2B5EF4-FFF2-40B4-BE49-F238E27FC236}">
+                <a16:creationId xmlns:a16="http://schemas.microsoft.com/office/drawing/2014/main" id="{2631599D-BB4F-F745-4F36-CF3F2A482E41}"/>
+              </a:ext>
+            </a:extLst>
+          </p:cNvPr>
+          <p:cNvSpPr>
+            <a:spLocks noGrp="1"/>
+          </p:cNvSpPr>
+          <p:nvPr>
+            <p:ph type="title"/>
+          </p:nvPr>
+        </p:nvSpPr>
+        <p:spPr/>
+        <p:txBody>
+          <a:bodyPr/>
+          <a:lstStyle/>
+          <a:p>
+            <a:r>
+              <a:rPr lang="en-US" altLang="ja-JP" dirty="0"/>
+              <a:t>LINE</a:t>
+            </a:r>
+            <a:r>
+              <a:rPr lang="ja-JP" altLang="en-US" dirty="0"/>
+              <a:t> </a:t>
+            </a:r>
+            <a:r>
+              <a:rPr lang="en-US" altLang="ja-JP" dirty="0"/>
+              <a:t>Developers</a:t>
+            </a:r>
+            <a:br>
+              <a:rPr lang="en-US" altLang="ja-JP" dirty="0"/>
+            </a:br>
+            <a:r>
+              <a:rPr lang="ja-JP" altLang="en-US" b="0" i="0" dirty="0">
+                <a:effectLst/>
+                <a:latin typeface="Roboto" panose="020F0502020204030204" pitchFamily="2" charset="0"/>
+              </a:rPr>
+              <a:t>アカウントを作成</a:t>
+            </a:r>
+            <a:endParaRPr kumimoji="1" lang="ja-JP" altLang="en-US" dirty="0"/>
+          </a:p>
+        </p:txBody>
+      </p:sp>
+      <p:sp>
+        <p:nvSpPr>
+          <p:cNvPr id="4" name="テキスト プレースホルダー 3">
+            <a:extLst>
+              <a:ext uri="{FF2B5EF4-FFF2-40B4-BE49-F238E27FC236}">
+                <a16:creationId xmlns:a16="http://schemas.microsoft.com/office/drawing/2014/main" id="{51DF1AA3-0B77-B5F7-4F26-7C295F9EBC30}"/>
+              </a:ext>
+            </a:extLst>
+          </p:cNvPr>
+          <p:cNvSpPr>
+            <a:spLocks noGrp="1"/>
+          </p:cNvSpPr>
+          <p:nvPr>
+            <p:ph type="body" sz="half" idx="2"/>
+          </p:nvPr>
+        </p:nvSpPr>
+        <p:spPr/>
+        <p:txBody>
+          <a:bodyPr/>
+          <a:lstStyle/>
+          <a:p>
+            <a:endParaRPr kumimoji="1" lang="ja-JP" altLang="en-US" dirty="0"/>
+          </a:p>
+        </p:txBody>
+      </p:sp>
+      <p:pic>
+        <p:nvPicPr>
+          <p:cNvPr id="14" name="コンテンツ プレースホルダー 13">
+            <a:extLst>
+              <a:ext uri="{FF2B5EF4-FFF2-40B4-BE49-F238E27FC236}">
+                <a16:creationId xmlns:a16="http://schemas.microsoft.com/office/drawing/2014/main" id="{F0BC3440-06F2-5612-17F2-4E9E20DDB7E9}"/>
+              </a:ext>
+            </a:extLst>
+          </p:cNvPr>
+          <p:cNvPicPr>
+            <a:picLocks noGrp="1" noChangeAspect="1"/>
+          </p:cNvPicPr>
+          <p:nvPr>
+            <p:ph idx="1"/>
+          </p:nvPr>
+        </p:nvPicPr>
+        <p:blipFill>
+          <a:blip r:embed="rId2"/>
+          <a:stretch>
+            <a:fillRect/>
+          </a:stretch>
+        </p:blipFill>
+        <p:spPr>
+          <a:xfrm>
+            <a:off x="5457581" y="987425"/>
+            <a:ext cx="5623413" cy="4873625"/>
+          </a:xfrm>
+        </p:spPr>
+      </p:pic>
+    </p:spTree>
+    <p:extLst>
+      <p:ext uri="{BB962C8B-B14F-4D97-AF65-F5344CB8AC3E}">
+        <p14:creationId xmlns:p14="http://schemas.microsoft.com/office/powerpoint/2010/main" val="2954045667"/>
+      </p:ext>
+    </p:extLst>
+  </p:cSld>
+  <p:clrMapOvr>
+    <a:masterClrMapping/>
+  </p:clrMapOvr>
+</p:sld>
+</file>
+
+<file path=ppt/slides/slide9.xml><?xml version="1.0" encoding="utf-8"?>
+<p:sld xmlns:a="http://schemas.openxmlformats.org/drawingml/2006/main" xmlns:r="http://schemas.openxmlformats.org/officeDocument/2006/relationships" xmlns:p="http://schemas.openxmlformats.org/presentationml/2006/main">
+  <p:cSld>
+    <p:spTree>
+      <p:nvGrpSpPr>
+        <p:cNvPr id="1" name=""/>
+        <p:cNvGrpSpPr/>
+        <p:nvPr/>
+      </p:nvGrpSpPr>
+      <p:grpSpPr>
+        <a:xfrm>
+          <a:off x="0" y="0"/>
+          <a:ext cx="0" cy="0"/>
+          <a:chOff x="0" y="0"/>
+          <a:chExt cx="0" cy="0"/>
+        </a:xfrm>
+      </p:grpSpPr>
+      <p:sp>
+        <p:nvSpPr>
+          <p:cNvPr id="2" name="タイトル 1">
+            <a:extLst>
+              <a:ext uri="{FF2B5EF4-FFF2-40B4-BE49-F238E27FC236}">
+                <a16:creationId xmlns:a16="http://schemas.microsoft.com/office/drawing/2014/main" id="{2631599D-BB4F-F745-4F36-CF3F2A482E41}"/>
+              </a:ext>
+            </a:extLst>
+          </p:cNvPr>
+          <p:cNvSpPr>
+            <a:spLocks noGrp="1"/>
+          </p:cNvSpPr>
+          <p:nvPr>
+            <p:ph type="title"/>
+          </p:nvPr>
+        </p:nvSpPr>
+        <p:spPr/>
+        <p:txBody>
+          <a:bodyPr>
+            <a:normAutofit/>
+          </a:bodyPr>
+          <a:lstStyle/>
+          <a:p>
+            <a:r>
+              <a:rPr lang="en-US" altLang="ja-JP" dirty="0"/>
+              <a:t>LINE</a:t>
+            </a:r>
+            <a:r>
+              <a:rPr lang="ja-JP" altLang="en-US" dirty="0"/>
+              <a:t> </a:t>
+            </a:r>
+            <a:r>
+              <a:rPr lang="en-US" altLang="ja-JP" dirty="0"/>
+              <a:t>Developers</a:t>
+            </a:r>
+            <a:br>
+              <a:rPr lang="en-US" altLang="ja-JP" dirty="0"/>
+            </a:br>
+            <a:r>
+              <a:rPr lang="ja-JP" altLang="en-US" b="0" i="0" dirty="0">
+                <a:effectLst/>
+                <a:latin typeface="Roboto" panose="020F0502020204030204" pitchFamily="2" charset="0"/>
+              </a:rPr>
+              <a:t>新規プロバイダー作成</a:t>
+            </a:r>
+            <a:endParaRPr kumimoji="1" lang="ja-JP" altLang="en-US" dirty="0"/>
+          </a:p>
+        </p:txBody>
+      </p:sp>
+      <p:sp>
+        <p:nvSpPr>
+          <p:cNvPr id="4" name="テキスト プレースホルダー 3">
+            <a:extLst>
+              <a:ext uri="{FF2B5EF4-FFF2-40B4-BE49-F238E27FC236}">
+                <a16:creationId xmlns:a16="http://schemas.microsoft.com/office/drawing/2014/main" id="{51DF1AA3-0B77-B5F7-4F26-7C295F9EBC30}"/>
+              </a:ext>
+            </a:extLst>
+          </p:cNvPr>
+          <p:cNvSpPr>
+            <a:spLocks noGrp="1"/>
+          </p:cNvSpPr>
+          <p:nvPr>
+            <p:ph type="body" sz="half" idx="2"/>
+          </p:nvPr>
+        </p:nvSpPr>
+        <p:spPr/>
+        <p:txBody>
+          <a:bodyPr/>
+          <a:lstStyle/>
+          <a:p>
+            <a:endParaRPr kumimoji="1" lang="ja-JP" altLang="en-US" dirty="0"/>
+          </a:p>
+        </p:txBody>
+      </p:sp>
+      <p:pic>
+        <p:nvPicPr>
+          <p:cNvPr id="13" name="コンテンツ プレースホルダー 12">
+            <a:extLst>
+              <a:ext uri="{FF2B5EF4-FFF2-40B4-BE49-F238E27FC236}">
+                <a16:creationId xmlns:a16="http://schemas.microsoft.com/office/drawing/2014/main" id="{38761CD2-5B51-E009-7B3A-4681187FECA4}"/>
+              </a:ext>
+            </a:extLst>
+          </p:cNvPr>
+          <p:cNvPicPr>
+            <a:picLocks noGrp="1" noChangeAspect="1"/>
+          </p:cNvPicPr>
+          <p:nvPr>
+            <p:ph idx="1"/>
+          </p:nvPr>
+        </p:nvPicPr>
+        <p:blipFill>
+          <a:blip r:embed="rId2"/>
+          <a:stretch>
+            <a:fillRect/>
+          </a:stretch>
+        </p:blipFill>
+        <p:spPr>
+          <a:xfrm>
+            <a:off x="5457581" y="987425"/>
+            <a:ext cx="5623413" cy="4873625"/>
+          </a:xfrm>
+        </p:spPr>
+      </p:pic>
+    </p:spTree>
+    <p:extLst>
+      <p:ext uri="{BB962C8B-B14F-4D97-AF65-F5344CB8AC3E}">
+        <p14:creationId xmlns:p14="http://schemas.microsoft.com/office/powerpoint/2010/main" val="2346214236"/>
       </p:ext>
     </p:extLst>
   </p:cSld>

--- a/README.pptx
+++ b/README.pptx
@@ -26,6 +26,9 @@
     <p:sldId id="277" r:id="rId20"/>
     <p:sldId id="270" r:id="rId21"/>
     <p:sldId id="276" r:id="rId22"/>
+    <p:sldId id="280" r:id="rId23"/>
+    <p:sldId id="282" r:id="rId24"/>
+    <p:sldId id="283" r:id="rId25"/>
   </p:sldIdLst>
   <p:sldSz cx="12192000" cy="6858000"/>
   <p:notesSz cx="6858000" cy="9144000"/>
@@ -279,7 +282,7 @@
           <a:p>
             <a:fld id="{010A019C-97EB-44CC-A4A8-F801B4293A73}" type="datetimeFigureOut">
               <a:rPr kumimoji="1" lang="ja-JP" altLang="en-US" smtClean="0"/>
-              <a:t>2024/3/17</a:t>
+              <a:t>2024/5/17</a:t>
             </a:fld>
             <a:endParaRPr kumimoji="1" lang="ja-JP" altLang="en-US"/>
           </a:p>
@@ -509,7 +512,7 @@
           <a:p>
             <a:fld id="{010A019C-97EB-44CC-A4A8-F801B4293A73}" type="datetimeFigureOut">
               <a:rPr kumimoji="1" lang="ja-JP" altLang="en-US" smtClean="0"/>
-              <a:t>2024/3/17</a:t>
+              <a:t>2024/5/17</a:t>
             </a:fld>
             <a:endParaRPr kumimoji="1" lang="ja-JP" altLang="en-US"/>
           </a:p>
@@ -749,7 +752,7 @@
           <a:p>
             <a:fld id="{010A019C-97EB-44CC-A4A8-F801B4293A73}" type="datetimeFigureOut">
               <a:rPr kumimoji="1" lang="ja-JP" altLang="en-US" smtClean="0"/>
-              <a:t>2024/3/17</a:t>
+              <a:t>2024/5/17</a:t>
             </a:fld>
             <a:endParaRPr kumimoji="1" lang="ja-JP" altLang="en-US"/>
           </a:p>
@@ -979,7 +982,7 @@
           <a:p>
             <a:fld id="{010A019C-97EB-44CC-A4A8-F801B4293A73}" type="datetimeFigureOut">
               <a:rPr kumimoji="1" lang="ja-JP" altLang="en-US" smtClean="0"/>
-              <a:t>2024/3/17</a:t>
+              <a:t>2024/5/17</a:t>
             </a:fld>
             <a:endParaRPr kumimoji="1" lang="ja-JP" altLang="en-US"/>
           </a:p>
@@ -1254,7 +1257,7 @@
           <a:p>
             <a:fld id="{010A019C-97EB-44CC-A4A8-F801B4293A73}" type="datetimeFigureOut">
               <a:rPr kumimoji="1" lang="ja-JP" altLang="en-US" smtClean="0"/>
-              <a:t>2024/3/17</a:t>
+              <a:t>2024/5/17</a:t>
             </a:fld>
             <a:endParaRPr kumimoji="1" lang="ja-JP" altLang="en-US"/>
           </a:p>
@@ -1583,7 +1586,7 @@
           <a:p>
             <a:fld id="{010A019C-97EB-44CC-A4A8-F801B4293A73}" type="datetimeFigureOut">
               <a:rPr kumimoji="1" lang="ja-JP" altLang="en-US" smtClean="0"/>
-              <a:t>2024/3/17</a:t>
+              <a:t>2024/5/17</a:t>
             </a:fld>
             <a:endParaRPr kumimoji="1" lang="ja-JP" altLang="en-US"/>
           </a:p>
@@ -2059,7 +2062,7 @@
           <a:p>
             <a:fld id="{010A019C-97EB-44CC-A4A8-F801B4293A73}" type="datetimeFigureOut">
               <a:rPr kumimoji="1" lang="ja-JP" altLang="en-US" smtClean="0"/>
-              <a:t>2024/3/17</a:t>
+              <a:t>2024/5/17</a:t>
             </a:fld>
             <a:endParaRPr kumimoji="1" lang="ja-JP" altLang="en-US"/>
           </a:p>
@@ -2200,7 +2203,7 @@
           <a:p>
             <a:fld id="{010A019C-97EB-44CC-A4A8-F801B4293A73}" type="datetimeFigureOut">
               <a:rPr kumimoji="1" lang="ja-JP" altLang="en-US" smtClean="0"/>
-              <a:t>2024/3/17</a:t>
+              <a:t>2024/5/17</a:t>
             </a:fld>
             <a:endParaRPr kumimoji="1" lang="ja-JP" altLang="en-US"/>
           </a:p>
@@ -2313,7 +2316,7 @@
           <a:p>
             <a:fld id="{010A019C-97EB-44CC-A4A8-F801B4293A73}" type="datetimeFigureOut">
               <a:rPr kumimoji="1" lang="ja-JP" altLang="en-US" smtClean="0"/>
-              <a:t>2024/3/17</a:t>
+              <a:t>2024/5/17</a:t>
             </a:fld>
             <a:endParaRPr kumimoji="1" lang="ja-JP" altLang="en-US"/>
           </a:p>
@@ -2656,7 +2659,7 @@
           <a:p>
             <a:fld id="{010A019C-97EB-44CC-A4A8-F801B4293A73}" type="datetimeFigureOut">
               <a:rPr kumimoji="1" lang="ja-JP" altLang="en-US" smtClean="0"/>
-              <a:t>2024/3/17</a:t>
+              <a:t>2024/5/17</a:t>
             </a:fld>
             <a:endParaRPr kumimoji="1" lang="ja-JP" altLang="en-US"/>
           </a:p>
@@ -2944,7 +2947,7 @@
           <a:p>
             <a:fld id="{010A019C-97EB-44CC-A4A8-F801B4293A73}" type="datetimeFigureOut">
               <a:rPr kumimoji="1" lang="ja-JP" altLang="en-US" smtClean="0"/>
-              <a:t>2024/3/17</a:t>
+              <a:t>2024/5/17</a:t>
             </a:fld>
             <a:endParaRPr kumimoji="1" lang="ja-JP" altLang="en-US"/>
           </a:p>
@@ -3217,7 +3220,7 @@
           <a:p>
             <a:fld id="{010A019C-97EB-44CC-A4A8-F801B4293A73}" type="datetimeFigureOut">
               <a:rPr kumimoji="1" lang="ja-JP" altLang="en-US" smtClean="0"/>
-              <a:t>2024/3/17</a:t>
+              <a:t>2024/5/17</a:t>
             </a:fld>
             <a:endParaRPr kumimoji="1" lang="ja-JP" altLang="en-US"/>
           </a:p>
@@ -3948,7 +3951,7 @@
               <a:t>今回は</a:t>
             </a:r>
             <a:r>
-              <a:rPr lang="en-US" altLang="ja-JP">
+              <a:rPr lang="en-US" altLang="ja-JP" dirty="0">
                 <a:highlight>
                   <a:srgbClr val="FFFF00"/>
                 </a:highlight>
@@ -4094,28 +4097,8 @@
           <a:p>
             <a:r>
               <a:rPr kumimoji="1" lang="ja-JP" altLang="en-US" dirty="0"/>
-              <a:t>チャネルを作成するには、チャネルの種類を選択します。</a:t>
-            </a:r>
-            <a:endParaRPr kumimoji="1" lang="en-US" altLang="ja-JP" dirty="0"/>
-          </a:p>
-          <a:p>
-            <a:r>
-              <a:rPr lang="ja-JP" altLang="en-US" dirty="0"/>
-              <a:t>今回は</a:t>
-            </a:r>
-            <a:r>
-              <a:rPr lang="en-US" altLang="ja-JP" dirty="0">
-                <a:highlight>
-                  <a:srgbClr val="FFFF00"/>
-                </a:highlight>
-              </a:rPr>
-              <a:t>Messaging API</a:t>
-            </a:r>
-            <a:endParaRPr kumimoji="1" lang="ja-JP" altLang="en-US" dirty="0">
-              <a:highlight>
-                <a:srgbClr val="FFFF00"/>
-              </a:highlight>
-            </a:endParaRPr>
+              <a:t>必要な項目を入力</a:t>
+            </a:r>
           </a:p>
         </p:txBody>
       </p:sp>
@@ -4250,24 +4233,8 @@
           <a:p>
             <a:r>
               <a:rPr kumimoji="1" lang="ja-JP" altLang="en-US" dirty="0"/>
-              <a:t>チャネルを作成するには、チャネルの種類を選択します。</a:t>
-            </a:r>
-            <a:endParaRPr kumimoji="1" lang="en-US" altLang="ja-JP" dirty="0"/>
-          </a:p>
-          <a:p>
-            <a:r>
-              <a:rPr lang="ja-JP" altLang="en-US" dirty="0"/>
-              <a:t>今回は</a:t>
-            </a:r>
-            <a:r>
-              <a:rPr lang="en-US" altLang="ja-JP" dirty="0">
-                <a:highlight>
-                  <a:srgbClr val="FFFF00"/>
-                </a:highlight>
-              </a:rPr>
-              <a:t>Messaging API</a:t>
-            </a:r>
-            <a:endParaRPr kumimoji="1" lang="ja-JP" altLang="en-US" dirty="0"/>
+              <a:t>作成完了後にはチャンネルの設定ページに遷移します。</a:t>
+            </a:r>
           </a:p>
         </p:txBody>
       </p:sp>
@@ -5538,6 +5505,57 @@
             </a:r>
             <a:endParaRPr lang="en-US" altLang="ja-JP" dirty="0"/>
           </a:p>
+          <a:p>
+            <a:endParaRPr lang="en-US" altLang="ja-JP" dirty="0"/>
+          </a:p>
+          <a:p>
+            <a:r>
+              <a:rPr lang="en-US" altLang="ja-JP" dirty="0"/>
+              <a:t>URL</a:t>
+            </a:r>
+            <a:r>
+              <a:rPr lang="ja-JP" altLang="en-US" dirty="0"/>
+              <a:t>は</a:t>
+            </a:r>
+            <a:r>
+              <a:rPr lang="en-US" altLang="ja-JP" dirty="0"/>
+              <a:t>48v.me</a:t>
+            </a:r>
+            <a:r>
+              <a:rPr lang="ja-JP" altLang="en-US" dirty="0"/>
+              <a:t>上に設置した、「</a:t>
+            </a:r>
+            <a:r>
+              <a:rPr lang="en-US" altLang="ja-JP" dirty="0"/>
+              <a:t>webhook.py</a:t>
+            </a:r>
+            <a:r>
+              <a:rPr lang="ja-JP" altLang="en-US" dirty="0"/>
+              <a:t>」を設定してください。</a:t>
+            </a:r>
+            <a:endParaRPr lang="en-US" altLang="ja-JP" dirty="0"/>
+          </a:p>
+          <a:p>
+            <a:endParaRPr lang="en-US" altLang="ja-JP" dirty="0"/>
+          </a:p>
+          <a:p>
+            <a:r>
+              <a:rPr lang="en-US" altLang="ja-JP" dirty="0"/>
+              <a:t>webhook.py</a:t>
+            </a:r>
+          </a:p>
+          <a:p>
+            <a:r>
+              <a:rPr lang="en-US" altLang="ja-JP" dirty="0">
+                <a:hlinkClick r:id="rId2"/>
+              </a:rPr>
+              <a:t>https://github.com/mizunoshota2001/bot-tut-service-engineering-s/blob/main/webhook.py</a:t>
+            </a:r>
+            <a:endParaRPr lang="en-US" altLang="ja-JP" dirty="0"/>
+          </a:p>
+          <a:p>
+            <a:endParaRPr lang="en-US" altLang="ja-JP" dirty="0"/>
+          </a:p>
         </p:txBody>
       </p:sp>
       <p:pic>
@@ -5557,7 +5575,7 @@
           </p:nvPr>
         </p:nvPicPr>
         <p:blipFill>
-          <a:blip r:embed="rId2"/>
+          <a:blip r:embed="rId3"/>
           <a:stretch>
             <a:fillRect/>
           </a:stretch>
@@ -5573,6 +5591,1542 @@
     <p:extLst>
       <p:ext uri="{BB962C8B-B14F-4D97-AF65-F5344CB8AC3E}">
         <p14:creationId xmlns:p14="http://schemas.microsoft.com/office/powerpoint/2010/main" val="663288369"/>
+      </p:ext>
+    </p:extLst>
+  </p:cSld>
+  <p:clrMapOvr>
+    <a:masterClrMapping/>
+  </p:clrMapOvr>
+</p:sld>
+</file>
+
+<file path=ppt/slides/slide22.xml><?xml version="1.0" encoding="utf-8"?>
+<p:sld xmlns:a="http://schemas.openxmlformats.org/drawingml/2006/main" xmlns:r="http://schemas.openxmlformats.org/officeDocument/2006/relationships" xmlns:p="http://schemas.openxmlformats.org/presentationml/2006/main">
+  <p:cSld>
+    <p:spTree>
+      <p:nvGrpSpPr>
+        <p:cNvPr id="1" name=""/>
+        <p:cNvGrpSpPr/>
+        <p:nvPr/>
+      </p:nvGrpSpPr>
+      <p:grpSpPr>
+        <a:xfrm>
+          <a:off x="0" y="0"/>
+          <a:ext cx="0" cy="0"/>
+          <a:chOff x="0" y="0"/>
+          <a:chExt cx="0" cy="0"/>
+        </a:xfrm>
+      </p:grpSpPr>
+      <p:sp>
+        <p:nvSpPr>
+          <p:cNvPr id="2" name="タイトル 1">
+            <a:extLst>
+              <a:ext uri="{FF2B5EF4-FFF2-40B4-BE49-F238E27FC236}">
+                <a16:creationId xmlns:a16="http://schemas.microsoft.com/office/drawing/2014/main" id="{6E3713EE-88A4-814E-18F7-8580E24A1BBC}"/>
+              </a:ext>
+            </a:extLst>
+          </p:cNvPr>
+          <p:cNvSpPr>
+            <a:spLocks noGrp="1"/>
+          </p:cNvSpPr>
+          <p:nvPr>
+            <p:ph type="title"/>
+          </p:nvPr>
+        </p:nvSpPr>
+        <p:spPr/>
+        <p:txBody>
+          <a:bodyPr/>
+          <a:lstStyle/>
+          <a:p>
+            <a:r>
+              <a:rPr kumimoji="1" lang="ja-JP" altLang="en-US" dirty="0"/>
+              <a:t>おうむ返しさせてみよう</a:t>
+            </a:r>
+          </a:p>
+        </p:txBody>
+      </p:sp>
+      <p:sp>
+        <p:nvSpPr>
+          <p:cNvPr id="3" name="テキスト プレースホルダー 2">
+            <a:extLst>
+              <a:ext uri="{FF2B5EF4-FFF2-40B4-BE49-F238E27FC236}">
+                <a16:creationId xmlns:a16="http://schemas.microsoft.com/office/drawing/2014/main" id="{2436D758-7FD9-DD61-37F3-C9539A617728}"/>
+              </a:ext>
+            </a:extLst>
+          </p:cNvPr>
+          <p:cNvSpPr>
+            <a:spLocks noGrp="1"/>
+          </p:cNvSpPr>
+          <p:nvPr>
+            <p:ph type="body" idx="1"/>
+          </p:nvPr>
+        </p:nvSpPr>
+        <p:spPr/>
+        <p:txBody>
+          <a:bodyPr/>
+          <a:lstStyle/>
+          <a:p>
+            <a:r>
+              <a:rPr kumimoji="1" lang="ja-JP" altLang="en-US" dirty="0"/>
+              <a:t>サンプルコードを見てみよう</a:t>
+            </a:r>
+          </a:p>
+        </p:txBody>
+      </p:sp>
+    </p:spTree>
+    <p:extLst>
+      <p:ext uri="{BB962C8B-B14F-4D97-AF65-F5344CB8AC3E}">
+        <p14:creationId xmlns:p14="http://schemas.microsoft.com/office/powerpoint/2010/main" val="2048464854"/>
+      </p:ext>
+    </p:extLst>
+  </p:cSld>
+  <p:clrMapOvr>
+    <a:masterClrMapping/>
+  </p:clrMapOvr>
+</p:sld>
+</file>
+
+<file path=ppt/slides/slide23.xml><?xml version="1.0" encoding="utf-8"?>
+<p:sld xmlns:a="http://schemas.openxmlformats.org/drawingml/2006/main" xmlns:r="http://schemas.openxmlformats.org/officeDocument/2006/relationships" xmlns:p="http://schemas.openxmlformats.org/presentationml/2006/main">
+  <p:cSld>
+    <p:spTree>
+      <p:nvGrpSpPr>
+        <p:cNvPr id="1" name=""/>
+        <p:cNvGrpSpPr/>
+        <p:nvPr/>
+      </p:nvGrpSpPr>
+      <p:grpSpPr>
+        <a:xfrm>
+          <a:off x="0" y="0"/>
+          <a:ext cx="0" cy="0"/>
+          <a:chOff x="0" y="0"/>
+          <a:chExt cx="0" cy="0"/>
+        </a:xfrm>
+      </p:grpSpPr>
+      <p:sp>
+        <p:nvSpPr>
+          <p:cNvPr id="2" name="タイトル 1">
+            <a:extLst>
+              <a:ext uri="{FF2B5EF4-FFF2-40B4-BE49-F238E27FC236}">
+                <a16:creationId xmlns:a16="http://schemas.microsoft.com/office/drawing/2014/main" id="{3F8C3531-1E6B-6471-4C80-CFB33D26503C}"/>
+              </a:ext>
+            </a:extLst>
+          </p:cNvPr>
+          <p:cNvSpPr>
+            <a:spLocks noGrp="1"/>
+          </p:cNvSpPr>
+          <p:nvPr>
+            <p:ph type="title"/>
+          </p:nvPr>
+        </p:nvSpPr>
+        <p:spPr/>
+        <p:txBody>
+          <a:bodyPr/>
+          <a:lstStyle/>
+          <a:p>
+            <a:r>
+              <a:rPr kumimoji="1" lang="ja-JP" altLang="en-US" dirty="0"/>
+              <a:t>おうむ返しさせてみよう</a:t>
+            </a:r>
+          </a:p>
+        </p:txBody>
+      </p:sp>
+      <p:sp>
+        <p:nvSpPr>
+          <p:cNvPr id="3" name="コンテンツ プレースホルダー 2">
+            <a:extLst>
+              <a:ext uri="{FF2B5EF4-FFF2-40B4-BE49-F238E27FC236}">
+                <a16:creationId xmlns:a16="http://schemas.microsoft.com/office/drawing/2014/main" id="{B6E035F3-C049-0B9E-16A9-359F7186BBDA}"/>
+              </a:ext>
+            </a:extLst>
+          </p:cNvPr>
+          <p:cNvSpPr>
+            <a:spLocks noGrp="1"/>
+          </p:cNvSpPr>
+          <p:nvPr>
+            <p:ph idx="1"/>
+          </p:nvPr>
+        </p:nvSpPr>
+        <p:spPr>
+          <a:solidFill>
+            <a:schemeClr val="tx1"/>
+          </a:solidFill>
+        </p:spPr>
+        <p:txBody>
+          <a:bodyPr>
+            <a:normAutofit/>
+          </a:bodyPr>
+          <a:lstStyle/>
+          <a:p>
+            <a:r>
+              <a:rPr lang="en-US" altLang="ja-JP" sz="1200" b="0" dirty="0">
+                <a:solidFill>
+                  <a:srgbClr val="DCDCAA"/>
+                </a:solidFill>
+                <a:effectLst/>
+                <a:highlight>
+                  <a:srgbClr val="1F1F1F"/>
+                </a:highlight>
+                <a:latin typeface="Consolas" panose="020B0609020204030204" pitchFamily="49" charset="0"/>
+              </a:rPr>
+              <a:t>29</a:t>
+            </a:r>
+            <a:r>
+              <a:rPr lang="ja-JP" altLang="en-US" sz="1200" b="0" dirty="0">
+                <a:solidFill>
+                  <a:srgbClr val="DCDCAA"/>
+                </a:solidFill>
+                <a:effectLst/>
+                <a:highlight>
+                  <a:srgbClr val="1F1F1F"/>
+                </a:highlight>
+                <a:latin typeface="Consolas" panose="020B0609020204030204" pitchFamily="49" charset="0"/>
+              </a:rPr>
+              <a:t>行目</a:t>
+            </a:r>
+            <a:r>
+              <a:rPr lang="en-US" altLang="ja-JP" sz="1200" b="0" dirty="0">
+                <a:solidFill>
+                  <a:srgbClr val="DCDCAA"/>
+                </a:solidFill>
+                <a:effectLst/>
+                <a:highlight>
+                  <a:srgbClr val="1F1F1F"/>
+                </a:highlight>
+                <a:latin typeface="Consolas" panose="020B0609020204030204" pitchFamily="49" charset="0"/>
+              </a:rPr>
+              <a:t>~</a:t>
+            </a:r>
+            <a:endParaRPr lang="fr-FR" altLang="ja-JP" sz="1200" b="0" dirty="0">
+              <a:solidFill>
+                <a:srgbClr val="DCDCAA"/>
+              </a:solidFill>
+              <a:effectLst/>
+              <a:highlight>
+                <a:srgbClr val="1F1F1F"/>
+              </a:highlight>
+              <a:latin typeface="Consolas" panose="020B0609020204030204" pitchFamily="49" charset="0"/>
+            </a:endParaRPr>
+          </a:p>
+          <a:p>
+            <a:r>
+              <a:rPr lang="fr-FR" altLang="ja-JP" sz="1200" b="0" dirty="0">
+                <a:solidFill>
+                  <a:srgbClr val="DCDCAA"/>
+                </a:solidFill>
+                <a:effectLst/>
+                <a:highlight>
+                  <a:srgbClr val="1F1F1F"/>
+                </a:highlight>
+                <a:latin typeface="Consolas" panose="020B0609020204030204" pitchFamily="49" charset="0"/>
+              </a:rPr>
+              <a:t>@</a:t>
+            </a:r>
+            <a:r>
+              <a:rPr lang="fr-FR" altLang="ja-JP" sz="1200" b="0" dirty="0">
+                <a:solidFill>
+                  <a:srgbClr val="9CDCFE"/>
+                </a:solidFill>
+                <a:effectLst/>
+                <a:highlight>
+                  <a:srgbClr val="1F1F1F"/>
+                </a:highlight>
+                <a:latin typeface="Consolas" panose="020B0609020204030204" pitchFamily="49" charset="0"/>
+              </a:rPr>
+              <a:t>handler</a:t>
+            </a:r>
+            <a:r>
+              <a:rPr lang="fr-FR" altLang="ja-JP" sz="1200" b="0" dirty="0">
+                <a:solidFill>
+                  <a:srgbClr val="DCDCAA"/>
+                </a:solidFill>
+                <a:effectLst/>
+                <a:highlight>
+                  <a:srgbClr val="1F1F1F"/>
+                </a:highlight>
+                <a:latin typeface="Consolas" panose="020B0609020204030204" pitchFamily="49" charset="0"/>
+              </a:rPr>
+              <a:t>.add</a:t>
+            </a:r>
+            <a:r>
+              <a:rPr lang="fr-FR" altLang="ja-JP" sz="1200" b="0" dirty="0">
+                <a:solidFill>
+                  <a:srgbClr val="CCCCCC"/>
+                </a:solidFill>
+                <a:effectLst/>
+                <a:highlight>
+                  <a:srgbClr val="1F1F1F"/>
+                </a:highlight>
+                <a:latin typeface="Consolas" panose="020B0609020204030204" pitchFamily="49" charset="0"/>
+              </a:rPr>
+              <a:t>(</a:t>
+            </a:r>
+            <a:r>
+              <a:rPr lang="fr-FR" altLang="ja-JP" sz="1200" b="0" dirty="0">
+                <a:solidFill>
+                  <a:srgbClr val="4EC9B0"/>
+                </a:solidFill>
+                <a:effectLst/>
+                <a:highlight>
+                  <a:srgbClr val="1F1F1F"/>
+                </a:highlight>
+                <a:latin typeface="Consolas" panose="020B0609020204030204" pitchFamily="49" charset="0"/>
+              </a:rPr>
+              <a:t>MessageEvent</a:t>
+            </a:r>
+            <a:r>
+              <a:rPr lang="fr-FR" altLang="ja-JP" sz="1200" b="0" dirty="0">
+                <a:solidFill>
+                  <a:srgbClr val="CCCCCC"/>
+                </a:solidFill>
+                <a:effectLst/>
+                <a:highlight>
+                  <a:srgbClr val="1F1F1F"/>
+                </a:highlight>
+                <a:latin typeface="Consolas" panose="020B0609020204030204" pitchFamily="49" charset="0"/>
+              </a:rPr>
+              <a:t>, </a:t>
+            </a:r>
+            <a:r>
+              <a:rPr lang="fr-FR" altLang="ja-JP" sz="1200" b="0" dirty="0">
+                <a:solidFill>
+                  <a:srgbClr val="9CDCFE"/>
+                </a:solidFill>
+                <a:effectLst/>
+                <a:highlight>
+                  <a:srgbClr val="1F1F1F"/>
+                </a:highlight>
+                <a:latin typeface="Consolas" panose="020B0609020204030204" pitchFamily="49" charset="0"/>
+              </a:rPr>
+              <a:t>message</a:t>
+            </a:r>
+            <a:r>
+              <a:rPr lang="fr-FR" altLang="ja-JP" sz="1200" b="0" dirty="0">
+                <a:solidFill>
+                  <a:srgbClr val="D4D4D4"/>
+                </a:solidFill>
+                <a:effectLst/>
+                <a:highlight>
+                  <a:srgbClr val="1F1F1F"/>
+                </a:highlight>
+                <a:latin typeface="Consolas" panose="020B0609020204030204" pitchFamily="49" charset="0"/>
+              </a:rPr>
+              <a:t>=</a:t>
+            </a:r>
+            <a:r>
+              <a:rPr lang="fr-FR" altLang="ja-JP" sz="1200" b="0" dirty="0">
+                <a:solidFill>
+                  <a:srgbClr val="4EC9B0"/>
+                </a:solidFill>
+                <a:effectLst/>
+                <a:highlight>
+                  <a:srgbClr val="1F1F1F"/>
+                </a:highlight>
+                <a:latin typeface="Consolas" panose="020B0609020204030204" pitchFamily="49" charset="0"/>
+              </a:rPr>
+              <a:t>TextMessageContent</a:t>
+            </a:r>
+            <a:r>
+              <a:rPr lang="fr-FR" altLang="ja-JP" sz="1200" b="0" dirty="0">
+                <a:solidFill>
+                  <a:srgbClr val="CCCCCC"/>
+                </a:solidFill>
+                <a:effectLst/>
+                <a:highlight>
+                  <a:srgbClr val="1F1F1F"/>
+                </a:highlight>
+                <a:latin typeface="Consolas" panose="020B0609020204030204" pitchFamily="49" charset="0"/>
+              </a:rPr>
+              <a:t>)</a:t>
+            </a:r>
+          </a:p>
+          <a:p>
+            <a:r>
+              <a:rPr lang="fr-FR" altLang="ja-JP" sz="1200" b="0" dirty="0">
+                <a:solidFill>
+                  <a:srgbClr val="569CD6"/>
+                </a:solidFill>
+                <a:effectLst/>
+                <a:highlight>
+                  <a:srgbClr val="1F1F1F"/>
+                </a:highlight>
+                <a:latin typeface="Consolas" panose="020B0609020204030204" pitchFamily="49" charset="0"/>
+              </a:rPr>
+              <a:t>def</a:t>
+            </a:r>
+            <a:r>
+              <a:rPr lang="fr-FR" altLang="ja-JP" sz="1200" b="0" dirty="0">
+                <a:solidFill>
+                  <a:srgbClr val="CCCCCC"/>
+                </a:solidFill>
+                <a:effectLst/>
+                <a:highlight>
+                  <a:srgbClr val="1F1F1F"/>
+                </a:highlight>
+                <a:latin typeface="Consolas" panose="020B0609020204030204" pitchFamily="49" charset="0"/>
+              </a:rPr>
+              <a:t> </a:t>
+            </a:r>
+            <a:r>
+              <a:rPr lang="fr-FR" altLang="ja-JP" sz="1200" b="0" dirty="0">
+                <a:solidFill>
+                  <a:srgbClr val="DCDCAA"/>
+                </a:solidFill>
+                <a:effectLst/>
+                <a:highlight>
+                  <a:srgbClr val="1F1F1F"/>
+                </a:highlight>
+                <a:latin typeface="Consolas" panose="020B0609020204030204" pitchFamily="49" charset="0"/>
+              </a:rPr>
+              <a:t>handle_message</a:t>
+            </a:r>
+            <a:r>
+              <a:rPr lang="fr-FR" altLang="ja-JP" sz="1200" b="0" dirty="0">
+                <a:solidFill>
+                  <a:srgbClr val="CCCCCC"/>
+                </a:solidFill>
+                <a:effectLst/>
+                <a:highlight>
+                  <a:srgbClr val="1F1F1F"/>
+                </a:highlight>
+                <a:latin typeface="Consolas" panose="020B0609020204030204" pitchFamily="49" charset="0"/>
+              </a:rPr>
+              <a:t>(</a:t>
+            </a:r>
+            <a:r>
+              <a:rPr lang="fr-FR" altLang="ja-JP" sz="1200" b="0" dirty="0">
+                <a:solidFill>
+                  <a:srgbClr val="9CDCFE"/>
+                </a:solidFill>
+                <a:effectLst/>
+                <a:highlight>
+                  <a:srgbClr val="1F1F1F"/>
+                </a:highlight>
+                <a:latin typeface="Consolas" panose="020B0609020204030204" pitchFamily="49" charset="0"/>
+              </a:rPr>
+              <a:t>event</a:t>
+            </a:r>
+            <a:r>
+              <a:rPr lang="fr-FR" altLang="ja-JP" sz="1200" b="0" dirty="0">
+                <a:solidFill>
+                  <a:srgbClr val="CCCCCC"/>
+                </a:solidFill>
+                <a:effectLst/>
+                <a:highlight>
+                  <a:srgbClr val="1F1F1F"/>
+                </a:highlight>
+                <a:latin typeface="Consolas" panose="020B0609020204030204" pitchFamily="49" charset="0"/>
+              </a:rPr>
+              <a:t>):</a:t>
+            </a:r>
+          </a:p>
+          <a:p>
+            <a:r>
+              <a:rPr lang="fr-FR" altLang="ja-JP" sz="1200" b="0" dirty="0">
+                <a:solidFill>
+                  <a:srgbClr val="CCCCCC"/>
+                </a:solidFill>
+                <a:effectLst/>
+                <a:highlight>
+                  <a:srgbClr val="1F1F1F"/>
+                </a:highlight>
+                <a:latin typeface="Consolas" panose="020B0609020204030204" pitchFamily="49" charset="0"/>
+              </a:rPr>
+              <a:t>    </a:t>
+            </a:r>
+            <a:r>
+              <a:rPr lang="fr-FR" altLang="ja-JP" sz="1200" b="0" dirty="0">
+                <a:solidFill>
+                  <a:srgbClr val="9CDCFE"/>
+                </a:solidFill>
+                <a:effectLst/>
+                <a:highlight>
+                  <a:srgbClr val="1F1F1F"/>
+                </a:highlight>
+                <a:latin typeface="Consolas" panose="020B0609020204030204" pitchFamily="49" charset="0"/>
+              </a:rPr>
+              <a:t>api_instance</a:t>
+            </a:r>
+            <a:r>
+              <a:rPr lang="fr-FR" altLang="ja-JP" sz="1200" b="0" dirty="0">
+                <a:solidFill>
+                  <a:srgbClr val="CCCCCC"/>
+                </a:solidFill>
+                <a:effectLst/>
+                <a:highlight>
+                  <a:srgbClr val="1F1F1F"/>
+                </a:highlight>
+                <a:latin typeface="Consolas" panose="020B0609020204030204" pitchFamily="49" charset="0"/>
+              </a:rPr>
+              <a:t>.</a:t>
+            </a:r>
+            <a:r>
+              <a:rPr lang="fr-FR" altLang="ja-JP" sz="1200" b="0" dirty="0">
+                <a:solidFill>
+                  <a:srgbClr val="DCDCAA"/>
+                </a:solidFill>
+                <a:effectLst/>
+                <a:highlight>
+                  <a:srgbClr val="1F1F1F"/>
+                </a:highlight>
+                <a:latin typeface="Consolas" panose="020B0609020204030204" pitchFamily="49" charset="0"/>
+              </a:rPr>
+              <a:t>reply_message_with_http_info</a:t>
+            </a:r>
+            <a:r>
+              <a:rPr lang="fr-FR" altLang="ja-JP" sz="1200" b="0" dirty="0">
+                <a:solidFill>
+                  <a:srgbClr val="CCCCCC"/>
+                </a:solidFill>
+                <a:effectLst/>
+                <a:highlight>
+                  <a:srgbClr val="1F1F1F"/>
+                </a:highlight>
+                <a:latin typeface="Consolas" panose="020B0609020204030204" pitchFamily="49" charset="0"/>
+              </a:rPr>
+              <a:t>(</a:t>
+            </a:r>
+          </a:p>
+          <a:p>
+            <a:r>
+              <a:rPr lang="fr-FR" altLang="ja-JP" sz="1200" b="0" dirty="0">
+                <a:solidFill>
+                  <a:srgbClr val="CCCCCC"/>
+                </a:solidFill>
+                <a:effectLst/>
+                <a:highlight>
+                  <a:srgbClr val="1F1F1F"/>
+                </a:highlight>
+                <a:latin typeface="Consolas" panose="020B0609020204030204" pitchFamily="49" charset="0"/>
+              </a:rPr>
+              <a:t>        </a:t>
+            </a:r>
+            <a:r>
+              <a:rPr lang="fr-FR" altLang="ja-JP" sz="1200" b="0" dirty="0">
+                <a:solidFill>
+                  <a:srgbClr val="4EC9B0"/>
+                </a:solidFill>
+                <a:effectLst/>
+                <a:highlight>
+                  <a:srgbClr val="1F1F1F"/>
+                </a:highlight>
+                <a:latin typeface="Consolas" panose="020B0609020204030204" pitchFamily="49" charset="0"/>
+              </a:rPr>
+              <a:t>ReplyMessageRequest</a:t>
+            </a:r>
+            <a:r>
+              <a:rPr lang="fr-FR" altLang="ja-JP" sz="1200" b="0" dirty="0">
+                <a:solidFill>
+                  <a:srgbClr val="CCCCCC"/>
+                </a:solidFill>
+                <a:effectLst/>
+                <a:highlight>
+                  <a:srgbClr val="1F1F1F"/>
+                </a:highlight>
+                <a:latin typeface="Consolas" panose="020B0609020204030204" pitchFamily="49" charset="0"/>
+              </a:rPr>
+              <a:t>(</a:t>
+            </a:r>
+          </a:p>
+          <a:p>
+            <a:r>
+              <a:rPr lang="fr-FR" altLang="ja-JP" sz="1200" b="0" dirty="0">
+                <a:solidFill>
+                  <a:srgbClr val="CCCCCC"/>
+                </a:solidFill>
+                <a:effectLst/>
+                <a:highlight>
+                  <a:srgbClr val="1F1F1F"/>
+                </a:highlight>
+                <a:latin typeface="Consolas" panose="020B0609020204030204" pitchFamily="49" charset="0"/>
+              </a:rPr>
+              <a:t>            </a:t>
+            </a:r>
+            <a:r>
+              <a:rPr lang="fr-FR" altLang="ja-JP" sz="1200" b="0" dirty="0">
+                <a:solidFill>
+                  <a:srgbClr val="9CDCFE"/>
+                </a:solidFill>
+                <a:effectLst/>
+                <a:highlight>
+                  <a:srgbClr val="1F1F1F"/>
+                </a:highlight>
+                <a:latin typeface="Consolas" panose="020B0609020204030204" pitchFamily="49" charset="0"/>
+              </a:rPr>
+              <a:t>reply_token</a:t>
+            </a:r>
+            <a:r>
+              <a:rPr lang="fr-FR" altLang="ja-JP" sz="1200" b="0" dirty="0">
+                <a:solidFill>
+                  <a:srgbClr val="D4D4D4"/>
+                </a:solidFill>
+                <a:effectLst/>
+                <a:highlight>
+                  <a:srgbClr val="1F1F1F"/>
+                </a:highlight>
+                <a:latin typeface="Consolas" panose="020B0609020204030204" pitchFamily="49" charset="0"/>
+              </a:rPr>
+              <a:t>=</a:t>
+            </a:r>
+            <a:r>
+              <a:rPr lang="fr-FR" altLang="ja-JP" sz="1200" b="0" dirty="0">
+                <a:solidFill>
+                  <a:srgbClr val="9CDCFE"/>
+                </a:solidFill>
+                <a:effectLst/>
+                <a:highlight>
+                  <a:srgbClr val="1F1F1F"/>
+                </a:highlight>
+                <a:latin typeface="Consolas" panose="020B0609020204030204" pitchFamily="49" charset="0"/>
+              </a:rPr>
+              <a:t>event</a:t>
+            </a:r>
+            <a:r>
+              <a:rPr lang="fr-FR" altLang="ja-JP" sz="1200" b="0" dirty="0">
+                <a:solidFill>
+                  <a:srgbClr val="CCCCCC"/>
+                </a:solidFill>
+                <a:effectLst/>
+                <a:highlight>
+                  <a:srgbClr val="1F1F1F"/>
+                </a:highlight>
+                <a:latin typeface="Consolas" panose="020B0609020204030204" pitchFamily="49" charset="0"/>
+              </a:rPr>
+              <a:t>.reply_token,</a:t>
+            </a:r>
+          </a:p>
+          <a:p>
+            <a:r>
+              <a:rPr lang="fr-FR" altLang="ja-JP" sz="1200" b="0" dirty="0">
+                <a:solidFill>
+                  <a:srgbClr val="CCCCCC"/>
+                </a:solidFill>
+                <a:effectLst/>
+                <a:highlight>
+                  <a:srgbClr val="1F1F1F"/>
+                </a:highlight>
+                <a:latin typeface="Consolas" panose="020B0609020204030204" pitchFamily="49" charset="0"/>
+              </a:rPr>
+              <a:t>            </a:t>
+            </a:r>
+            <a:r>
+              <a:rPr lang="fr-FR" altLang="ja-JP" sz="1200" b="0" dirty="0">
+                <a:solidFill>
+                  <a:srgbClr val="9CDCFE"/>
+                </a:solidFill>
+                <a:effectLst/>
+                <a:highlight>
+                  <a:srgbClr val="1F1F1F"/>
+                </a:highlight>
+                <a:latin typeface="Consolas" panose="020B0609020204030204" pitchFamily="49" charset="0"/>
+              </a:rPr>
+              <a:t>messages</a:t>
+            </a:r>
+            <a:r>
+              <a:rPr lang="fr-FR" altLang="ja-JP" sz="1200" b="0" dirty="0">
+                <a:solidFill>
+                  <a:srgbClr val="D4D4D4"/>
+                </a:solidFill>
+                <a:effectLst/>
+                <a:highlight>
+                  <a:srgbClr val="1F1F1F"/>
+                </a:highlight>
+                <a:latin typeface="Consolas" panose="020B0609020204030204" pitchFamily="49" charset="0"/>
+              </a:rPr>
+              <a:t>=</a:t>
+            </a:r>
+            <a:r>
+              <a:rPr lang="fr-FR" altLang="ja-JP" sz="1200" b="0" dirty="0">
+                <a:solidFill>
+                  <a:srgbClr val="CCCCCC"/>
+                </a:solidFill>
+                <a:effectLst/>
+                <a:highlight>
+                  <a:srgbClr val="1F1F1F"/>
+                </a:highlight>
+                <a:latin typeface="Consolas" panose="020B0609020204030204" pitchFamily="49" charset="0"/>
+              </a:rPr>
+              <a:t>[</a:t>
+            </a:r>
+            <a:r>
+              <a:rPr lang="fr-FR" altLang="ja-JP" sz="1200" b="0" dirty="0">
+                <a:solidFill>
+                  <a:srgbClr val="4EC9B0"/>
+                </a:solidFill>
+                <a:effectLst/>
+                <a:highlight>
+                  <a:srgbClr val="1F1F1F"/>
+                </a:highlight>
+                <a:latin typeface="Consolas" panose="020B0609020204030204" pitchFamily="49" charset="0"/>
+              </a:rPr>
+              <a:t>TextMessage</a:t>
+            </a:r>
+            <a:r>
+              <a:rPr lang="fr-FR" altLang="ja-JP" sz="1200" b="0" dirty="0">
+                <a:solidFill>
+                  <a:srgbClr val="CCCCCC"/>
+                </a:solidFill>
+                <a:effectLst/>
+                <a:highlight>
+                  <a:srgbClr val="1F1F1F"/>
+                </a:highlight>
+                <a:latin typeface="Consolas" panose="020B0609020204030204" pitchFamily="49" charset="0"/>
+              </a:rPr>
+              <a:t>(</a:t>
+            </a:r>
+            <a:r>
+              <a:rPr lang="fr-FR" altLang="ja-JP" sz="1200" b="0" dirty="0">
+                <a:solidFill>
+                  <a:srgbClr val="9CDCFE"/>
+                </a:solidFill>
+                <a:effectLst/>
+                <a:highlight>
+                  <a:srgbClr val="1F1F1F"/>
+                </a:highlight>
+                <a:latin typeface="Consolas" panose="020B0609020204030204" pitchFamily="49" charset="0"/>
+              </a:rPr>
+              <a:t>text</a:t>
+            </a:r>
+            <a:r>
+              <a:rPr lang="fr-FR" altLang="ja-JP" sz="1200" b="0" dirty="0">
+                <a:solidFill>
+                  <a:srgbClr val="D4D4D4"/>
+                </a:solidFill>
+                <a:effectLst/>
+                <a:highlight>
+                  <a:srgbClr val="1F1F1F"/>
+                </a:highlight>
+                <a:latin typeface="Consolas" panose="020B0609020204030204" pitchFamily="49" charset="0"/>
+              </a:rPr>
+              <a:t>=</a:t>
+            </a:r>
+            <a:r>
+              <a:rPr lang="fr-FR" altLang="ja-JP" sz="1200" b="0" dirty="0">
+                <a:solidFill>
+                  <a:srgbClr val="9CDCFE"/>
+                </a:solidFill>
+                <a:effectLst/>
+                <a:highlight>
+                  <a:srgbClr val="1F1F1F"/>
+                </a:highlight>
+                <a:latin typeface="Consolas" panose="020B0609020204030204" pitchFamily="49" charset="0"/>
+              </a:rPr>
+              <a:t>event</a:t>
+            </a:r>
+            <a:r>
+              <a:rPr lang="fr-FR" altLang="ja-JP" sz="1200" b="0" dirty="0">
+                <a:solidFill>
+                  <a:srgbClr val="CCCCCC"/>
+                </a:solidFill>
+                <a:effectLst/>
+                <a:highlight>
+                  <a:srgbClr val="1F1F1F"/>
+                </a:highlight>
+                <a:latin typeface="Consolas" panose="020B0609020204030204" pitchFamily="49" charset="0"/>
+              </a:rPr>
+              <a:t>.message.text)]</a:t>
+            </a:r>
+          </a:p>
+          <a:p>
+            <a:r>
+              <a:rPr lang="fr-FR" altLang="ja-JP" sz="1200" b="0" dirty="0">
+                <a:solidFill>
+                  <a:srgbClr val="CCCCCC"/>
+                </a:solidFill>
+                <a:effectLst/>
+                <a:highlight>
+                  <a:srgbClr val="1F1F1F"/>
+                </a:highlight>
+                <a:latin typeface="Consolas" panose="020B0609020204030204" pitchFamily="49" charset="0"/>
+              </a:rPr>
+              <a:t>        )</a:t>
+            </a:r>
+          </a:p>
+          <a:p>
+            <a:r>
+              <a:rPr lang="fr-FR" altLang="ja-JP" sz="1200" b="0" dirty="0">
+                <a:solidFill>
+                  <a:srgbClr val="CCCCCC"/>
+                </a:solidFill>
+                <a:effectLst/>
+                <a:highlight>
+                  <a:srgbClr val="1F1F1F"/>
+                </a:highlight>
+                <a:latin typeface="Consolas" panose="020B0609020204030204" pitchFamily="49" charset="0"/>
+              </a:rPr>
+              <a:t>    )</a:t>
+            </a:r>
+          </a:p>
+          <a:p>
+            <a:endParaRPr kumimoji="1" lang="ja-JP" altLang="en-US" sz="1200" dirty="0"/>
+          </a:p>
+        </p:txBody>
+      </p:sp>
+      <p:sp>
+        <p:nvSpPr>
+          <p:cNvPr id="4" name="テキスト プレースホルダー 3">
+            <a:extLst>
+              <a:ext uri="{FF2B5EF4-FFF2-40B4-BE49-F238E27FC236}">
+                <a16:creationId xmlns:a16="http://schemas.microsoft.com/office/drawing/2014/main" id="{A936DA23-10FB-2C00-727A-BFA343390DCC}"/>
+              </a:ext>
+            </a:extLst>
+          </p:cNvPr>
+          <p:cNvSpPr>
+            <a:spLocks noGrp="1"/>
+          </p:cNvSpPr>
+          <p:nvPr>
+            <p:ph type="body" sz="half" idx="2"/>
+          </p:nvPr>
+        </p:nvSpPr>
+        <p:spPr/>
+        <p:txBody>
+          <a:bodyPr/>
+          <a:lstStyle/>
+          <a:p>
+            <a:pPr marL="285750" indent="-285750">
+              <a:buFont typeface="Arial" panose="020B0604020202020204" pitchFamily="34" charset="0"/>
+              <a:buChar char="•"/>
+            </a:pPr>
+            <a:r>
+              <a:rPr kumimoji="1" lang="ja-JP" altLang="en-US" dirty="0"/>
+              <a:t>どこにユーザが送信したメッセージが格納されていますか。</a:t>
+            </a:r>
+            <a:endParaRPr lang="fr-FR" altLang="ja-JP" sz="1600" b="0" dirty="0">
+              <a:solidFill>
+                <a:srgbClr val="9CDCFE"/>
+              </a:solidFill>
+              <a:effectLst/>
+              <a:highlight>
+                <a:srgbClr val="1F1F1F"/>
+              </a:highlight>
+              <a:latin typeface="Consolas" panose="020B0609020204030204" pitchFamily="49" charset="0"/>
+            </a:endParaRPr>
+          </a:p>
+          <a:p>
+            <a:pPr marL="742950" lvl="1" indent="-285750">
+              <a:buFont typeface="Arial" panose="020B0604020202020204" pitchFamily="34" charset="0"/>
+              <a:buChar char="•"/>
+            </a:pPr>
+            <a:r>
+              <a:rPr lang="fr-FR" altLang="ja-JP" b="0" dirty="0">
+                <a:solidFill>
+                  <a:srgbClr val="9CDCFE"/>
+                </a:solidFill>
+                <a:effectLst/>
+                <a:highlight>
+                  <a:srgbClr val="1F1F1F"/>
+                </a:highlight>
+                <a:latin typeface="Consolas" panose="020B0609020204030204" pitchFamily="49" charset="0"/>
+              </a:rPr>
+              <a:t>event</a:t>
+            </a:r>
+            <a:r>
+              <a:rPr lang="fr-FR" altLang="ja-JP" b="0" dirty="0">
+                <a:solidFill>
+                  <a:srgbClr val="CCCCCC"/>
+                </a:solidFill>
+                <a:effectLst/>
+                <a:highlight>
+                  <a:srgbClr val="1F1F1F"/>
+                </a:highlight>
+                <a:latin typeface="Consolas" panose="020B0609020204030204" pitchFamily="49" charset="0"/>
+              </a:rPr>
+              <a:t>.message.text</a:t>
+            </a:r>
+          </a:p>
+          <a:p>
+            <a:pPr marL="285750" indent="-285750">
+              <a:buFont typeface="Arial" panose="020B0604020202020204" pitchFamily="34" charset="0"/>
+              <a:buChar char="•"/>
+            </a:pPr>
+            <a:r>
+              <a:rPr kumimoji="1" lang="ja-JP" altLang="en-US" dirty="0"/>
+              <a:t>ユーザにメッセージを送信するにはどのようにしますか。</a:t>
+            </a:r>
+            <a:endParaRPr kumimoji="1" lang="en-US" altLang="ja-JP" dirty="0"/>
+          </a:p>
+          <a:p>
+            <a:pPr marL="742950" lvl="1" indent="-285750">
+              <a:buFont typeface="Arial" panose="020B0604020202020204" pitchFamily="34" charset="0"/>
+              <a:buChar char="•"/>
+            </a:pPr>
+            <a:r>
+              <a:rPr lang="fr-FR" altLang="ja-JP" b="0" dirty="0">
+                <a:solidFill>
+                  <a:srgbClr val="DCDCAA"/>
+                </a:solidFill>
+                <a:effectLst/>
+                <a:highlight>
+                  <a:srgbClr val="1F1F1F"/>
+                </a:highlight>
+                <a:latin typeface="Consolas" panose="020B0609020204030204" pitchFamily="49" charset="0"/>
+              </a:rPr>
+              <a:t>reply_message_with_http_info</a:t>
+            </a:r>
+            <a:endParaRPr kumimoji="1" lang="fr-FR" altLang="ja-JP" dirty="0">
+              <a:solidFill>
+                <a:srgbClr val="CCCCCC"/>
+              </a:solidFill>
+              <a:highlight>
+                <a:srgbClr val="1F1F1F"/>
+              </a:highlight>
+              <a:latin typeface="Consolas" panose="020B0609020204030204" pitchFamily="49" charset="0"/>
+            </a:endParaRPr>
+          </a:p>
+          <a:p>
+            <a:pPr marL="742950" lvl="1" indent="-285750">
+              <a:buFont typeface="Arial" panose="020B0604020202020204" pitchFamily="34" charset="0"/>
+              <a:buChar char="•"/>
+            </a:pPr>
+            <a:r>
+              <a:rPr lang="fr-FR" altLang="ja-JP" sz="1400" b="0" dirty="0">
+                <a:solidFill>
+                  <a:srgbClr val="4EC9B0"/>
+                </a:solidFill>
+                <a:effectLst/>
+                <a:highlight>
+                  <a:srgbClr val="1F1F1F"/>
+                </a:highlight>
+                <a:latin typeface="Consolas" panose="020B0609020204030204" pitchFamily="49" charset="0"/>
+              </a:rPr>
+              <a:t>ReplyMessageRequest</a:t>
+            </a:r>
+          </a:p>
+          <a:p>
+            <a:endParaRPr kumimoji="1" lang="en-US" altLang="ja-JP" dirty="0"/>
+          </a:p>
+        </p:txBody>
+      </p:sp>
+    </p:spTree>
+    <p:extLst>
+      <p:ext uri="{BB962C8B-B14F-4D97-AF65-F5344CB8AC3E}">
+        <p14:creationId xmlns:p14="http://schemas.microsoft.com/office/powerpoint/2010/main" val="3471742262"/>
+      </p:ext>
+    </p:extLst>
+  </p:cSld>
+  <p:clrMapOvr>
+    <a:masterClrMapping/>
+  </p:clrMapOvr>
+</p:sld>
+</file>
+
+<file path=ppt/slides/slide24.xml><?xml version="1.0" encoding="utf-8"?>
+<p:sld xmlns:a="http://schemas.openxmlformats.org/drawingml/2006/main" xmlns:r="http://schemas.openxmlformats.org/officeDocument/2006/relationships" xmlns:p="http://schemas.openxmlformats.org/presentationml/2006/main">
+  <p:cSld>
+    <p:spTree>
+      <p:nvGrpSpPr>
+        <p:cNvPr id="1" name=""/>
+        <p:cNvGrpSpPr/>
+        <p:nvPr/>
+      </p:nvGrpSpPr>
+      <p:grpSpPr>
+        <a:xfrm>
+          <a:off x="0" y="0"/>
+          <a:ext cx="0" cy="0"/>
+          <a:chOff x="0" y="0"/>
+          <a:chExt cx="0" cy="0"/>
+        </a:xfrm>
+      </p:grpSpPr>
+      <p:sp>
+        <p:nvSpPr>
+          <p:cNvPr id="2" name="タイトル 1">
+            <a:extLst>
+              <a:ext uri="{FF2B5EF4-FFF2-40B4-BE49-F238E27FC236}">
+                <a16:creationId xmlns:a16="http://schemas.microsoft.com/office/drawing/2014/main" id="{3F8C3531-1E6B-6471-4C80-CFB33D26503C}"/>
+              </a:ext>
+            </a:extLst>
+          </p:cNvPr>
+          <p:cNvSpPr>
+            <a:spLocks noGrp="1"/>
+          </p:cNvSpPr>
+          <p:nvPr>
+            <p:ph type="title"/>
+          </p:nvPr>
+        </p:nvSpPr>
+        <p:spPr/>
+        <p:txBody>
+          <a:bodyPr/>
+          <a:lstStyle/>
+          <a:p>
+            <a:r>
+              <a:rPr kumimoji="1" lang="ja-JP" altLang="en-US" dirty="0"/>
+              <a:t>おうむ返しさせてみよう</a:t>
+            </a:r>
+          </a:p>
+        </p:txBody>
+      </p:sp>
+      <p:sp>
+        <p:nvSpPr>
+          <p:cNvPr id="3" name="コンテンツ プレースホルダー 2">
+            <a:extLst>
+              <a:ext uri="{FF2B5EF4-FFF2-40B4-BE49-F238E27FC236}">
+                <a16:creationId xmlns:a16="http://schemas.microsoft.com/office/drawing/2014/main" id="{B6E035F3-C049-0B9E-16A9-359F7186BBDA}"/>
+              </a:ext>
+            </a:extLst>
+          </p:cNvPr>
+          <p:cNvSpPr>
+            <a:spLocks noGrp="1"/>
+          </p:cNvSpPr>
+          <p:nvPr>
+            <p:ph idx="1"/>
+          </p:nvPr>
+        </p:nvSpPr>
+        <p:spPr>
+          <a:solidFill>
+            <a:schemeClr val="tx1"/>
+          </a:solidFill>
+        </p:spPr>
+        <p:txBody>
+          <a:bodyPr>
+            <a:normAutofit/>
+          </a:bodyPr>
+          <a:lstStyle/>
+          <a:p>
+            <a:r>
+              <a:rPr lang="en-US" altLang="ja-JP" sz="1800" b="0" dirty="0">
+                <a:solidFill>
+                  <a:srgbClr val="569CD6"/>
+                </a:solidFill>
+                <a:effectLst/>
+                <a:highlight>
+                  <a:srgbClr val="1F1F1F"/>
+                </a:highlight>
+                <a:latin typeface="Consolas" panose="020B0609020204030204" pitchFamily="49" charset="0"/>
+              </a:rPr>
+              <a:t>class</a:t>
+            </a:r>
+            <a:r>
+              <a:rPr lang="en-US" altLang="ja-JP" sz="1800" b="0" dirty="0">
+                <a:solidFill>
+                  <a:srgbClr val="CCCCCC"/>
+                </a:solidFill>
+                <a:effectLst/>
+                <a:highlight>
+                  <a:srgbClr val="1F1F1F"/>
+                </a:highlight>
+                <a:latin typeface="Consolas" panose="020B0609020204030204" pitchFamily="49" charset="0"/>
+              </a:rPr>
+              <a:t> </a:t>
+            </a:r>
+            <a:r>
+              <a:rPr lang="en-US" altLang="ja-JP" sz="1800" b="0" dirty="0" err="1">
+                <a:solidFill>
+                  <a:srgbClr val="4EC9B0"/>
+                </a:solidFill>
+                <a:effectLst/>
+                <a:highlight>
+                  <a:srgbClr val="1F1F1F"/>
+                </a:highlight>
+                <a:latin typeface="Consolas" panose="020B0609020204030204" pitchFamily="49" charset="0"/>
+              </a:rPr>
+              <a:t>ReplyMessageRequest</a:t>
+            </a:r>
+            <a:r>
+              <a:rPr lang="en-US" altLang="ja-JP" sz="1800" b="0" dirty="0">
+                <a:solidFill>
+                  <a:srgbClr val="CCCCCC"/>
+                </a:solidFill>
+                <a:effectLst/>
+                <a:highlight>
+                  <a:srgbClr val="1F1F1F"/>
+                </a:highlight>
+                <a:latin typeface="Consolas" panose="020B0609020204030204" pitchFamily="49" charset="0"/>
+              </a:rPr>
+              <a:t>(</a:t>
+            </a:r>
+          </a:p>
+          <a:p>
+            <a:r>
+              <a:rPr lang="en-US" altLang="ja-JP" sz="1800" b="0" dirty="0">
+                <a:solidFill>
+                  <a:srgbClr val="CCCCCC"/>
+                </a:solidFill>
+                <a:effectLst/>
+                <a:highlight>
+                  <a:srgbClr val="1F1F1F"/>
+                </a:highlight>
+                <a:latin typeface="Consolas" panose="020B0609020204030204" pitchFamily="49" charset="0"/>
+              </a:rPr>
+              <a:t>    </a:t>
+            </a:r>
+            <a:r>
+              <a:rPr lang="en-US" altLang="ja-JP" sz="1800" b="0" dirty="0">
+                <a:solidFill>
+                  <a:srgbClr val="D4D4D4"/>
+                </a:solidFill>
+                <a:effectLst/>
+                <a:highlight>
+                  <a:srgbClr val="1F1F1F"/>
+                </a:highlight>
+                <a:latin typeface="Consolas" panose="020B0609020204030204" pitchFamily="49" charset="0"/>
+              </a:rPr>
+              <a:t>*</a:t>
+            </a:r>
+            <a:r>
+              <a:rPr lang="en-US" altLang="ja-JP" sz="1800" b="0" dirty="0">
+                <a:solidFill>
+                  <a:srgbClr val="CCCCCC"/>
+                </a:solidFill>
+                <a:effectLst/>
+                <a:highlight>
+                  <a:srgbClr val="1F1F1F"/>
+                </a:highlight>
+                <a:latin typeface="Consolas" panose="020B0609020204030204" pitchFamily="49" charset="0"/>
+              </a:rPr>
+              <a:t>,</a:t>
+            </a:r>
+          </a:p>
+          <a:p>
+            <a:r>
+              <a:rPr lang="en-US" altLang="ja-JP" sz="1800" b="0" dirty="0">
+                <a:solidFill>
+                  <a:srgbClr val="CCCCCC"/>
+                </a:solidFill>
+                <a:effectLst/>
+                <a:highlight>
+                  <a:srgbClr val="1F1F1F"/>
+                </a:highlight>
+                <a:latin typeface="Consolas" panose="020B0609020204030204" pitchFamily="49" charset="0"/>
+              </a:rPr>
+              <a:t>    </a:t>
+            </a:r>
+            <a:r>
+              <a:rPr lang="en-US" altLang="ja-JP" sz="1800" b="0" dirty="0" err="1">
+                <a:solidFill>
+                  <a:srgbClr val="4EC9B0"/>
+                </a:solidFill>
+                <a:effectLst/>
+                <a:highlight>
+                  <a:srgbClr val="1F1F1F"/>
+                </a:highlight>
+                <a:latin typeface="Consolas" panose="020B0609020204030204" pitchFamily="49" charset="0"/>
+              </a:rPr>
+              <a:t>replyToken</a:t>
+            </a:r>
+            <a:r>
+              <a:rPr lang="en-US" altLang="ja-JP" sz="1800" b="0" dirty="0">
+                <a:solidFill>
+                  <a:srgbClr val="CCCCCC"/>
+                </a:solidFill>
+                <a:effectLst/>
+                <a:highlight>
+                  <a:srgbClr val="1F1F1F"/>
+                </a:highlight>
+                <a:latin typeface="Consolas" panose="020B0609020204030204" pitchFamily="49" charset="0"/>
+              </a:rPr>
+              <a:t>: </a:t>
+            </a:r>
+            <a:r>
+              <a:rPr lang="en-US" altLang="ja-JP" sz="1800" b="0" dirty="0" err="1">
+                <a:solidFill>
+                  <a:srgbClr val="4EC9B0"/>
+                </a:solidFill>
+                <a:effectLst/>
+                <a:highlight>
+                  <a:srgbClr val="1F1F1F"/>
+                </a:highlight>
+                <a:latin typeface="Consolas" panose="020B0609020204030204" pitchFamily="49" charset="0"/>
+              </a:rPr>
+              <a:t>StrictStr</a:t>
+            </a:r>
+            <a:r>
+              <a:rPr lang="en-US" altLang="ja-JP" sz="1800" b="0" dirty="0">
+                <a:solidFill>
+                  <a:srgbClr val="CCCCCC"/>
+                </a:solidFill>
+                <a:effectLst/>
+                <a:highlight>
+                  <a:srgbClr val="1F1F1F"/>
+                </a:highlight>
+                <a:latin typeface="Consolas" panose="020B0609020204030204" pitchFamily="49" charset="0"/>
+              </a:rPr>
+              <a:t>,</a:t>
+            </a:r>
+          </a:p>
+          <a:p>
+            <a:r>
+              <a:rPr lang="en-US" altLang="ja-JP" sz="1800" b="0" dirty="0">
+                <a:solidFill>
+                  <a:srgbClr val="CCCCCC"/>
+                </a:solidFill>
+                <a:effectLst/>
+                <a:highlight>
+                  <a:srgbClr val="1F1F1F"/>
+                </a:highlight>
+                <a:latin typeface="Consolas" panose="020B0609020204030204" pitchFamily="49" charset="0"/>
+              </a:rPr>
+              <a:t>    </a:t>
+            </a:r>
+            <a:r>
+              <a:rPr lang="en-US" altLang="ja-JP" sz="1800" b="0" dirty="0">
+                <a:solidFill>
+                  <a:srgbClr val="4EC9B0"/>
+                </a:solidFill>
+                <a:effectLst/>
+                <a:highlight>
+                  <a:srgbClr val="1F1F1F"/>
+                </a:highlight>
+                <a:latin typeface="Consolas" panose="020B0609020204030204" pitchFamily="49" charset="0"/>
+              </a:rPr>
+              <a:t>messages</a:t>
+            </a:r>
+            <a:r>
+              <a:rPr lang="en-US" altLang="ja-JP" sz="1800" b="0" dirty="0">
+                <a:solidFill>
+                  <a:srgbClr val="CCCCCC"/>
+                </a:solidFill>
+                <a:effectLst/>
+                <a:highlight>
+                  <a:srgbClr val="1F1F1F"/>
+                </a:highlight>
+                <a:latin typeface="Consolas" panose="020B0609020204030204" pitchFamily="49" charset="0"/>
+              </a:rPr>
+              <a:t>: </a:t>
+            </a:r>
+            <a:r>
+              <a:rPr lang="en-US" altLang="ja-JP" sz="1800" b="0" dirty="0">
+                <a:solidFill>
+                  <a:srgbClr val="4EC9B0"/>
+                </a:solidFill>
+                <a:effectLst/>
+                <a:highlight>
+                  <a:srgbClr val="1F1F1F"/>
+                </a:highlight>
+                <a:latin typeface="Consolas" panose="020B0609020204030204" pitchFamily="49" charset="0"/>
+              </a:rPr>
+              <a:t>Any</a:t>
+            </a:r>
+            <a:r>
+              <a:rPr lang="en-US" altLang="ja-JP" sz="1800" b="0" dirty="0">
+                <a:solidFill>
+                  <a:srgbClr val="CCCCCC"/>
+                </a:solidFill>
+                <a:effectLst/>
+                <a:highlight>
+                  <a:srgbClr val="1F1F1F"/>
+                </a:highlight>
+                <a:latin typeface="Consolas" panose="020B0609020204030204" pitchFamily="49" charset="0"/>
+              </a:rPr>
+              <a:t>,</a:t>
+            </a:r>
+          </a:p>
+          <a:p>
+            <a:r>
+              <a:rPr lang="en-US" altLang="ja-JP" sz="1800" b="0" dirty="0">
+                <a:solidFill>
+                  <a:srgbClr val="CCCCCC"/>
+                </a:solidFill>
+                <a:effectLst/>
+                <a:highlight>
+                  <a:srgbClr val="1F1F1F"/>
+                </a:highlight>
+                <a:latin typeface="Consolas" panose="020B0609020204030204" pitchFamily="49" charset="0"/>
+              </a:rPr>
+              <a:t>    </a:t>
+            </a:r>
+            <a:r>
+              <a:rPr lang="en-US" altLang="ja-JP" sz="1800" b="0" dirty="0" err="1">
+                <a:solidFill>
+                  <a:srgbClr val="4EC9B0"/>
+                </a:solidFill>
+                <a:effectLst/>
+                <a:highlight>
+                  <a:srgbClr val="1F1F1F"/>
+                </a:highlight>
+                <a:latin typeface="Consolas" panose="020B0609020204030204" pitchFamily="49" charset="0"/>
+              </a:rPr>
+              <a:t>notificationDisabled</a:t>
+            </a:r>
+            <a:r>
+              <a:rPr lang="en-US" altLang="ja-JP" sz="1800" b="0" dirty="0">
+                <a:solidFill>
+                  <a:srgbClr val="CCCCCC"/>
+                </a:solidFill>
+                <a:effectLst/>
+                <a:highlight>
+                  <a:srgbClr val="1F1F1F"/>
+                </a:highlight>
+                <a:latin typeface="Consolas" panose="020B0609020204030204" pitchFamily="49" charset="0"/>
+              </a:rPr>
+              <a:t>: </a:t>
+            </a:r>
+            <a:r>
+              <a:rPr lang="en-US" altLang="ja-JP" sz="1800" b="0" dirty="0" err="1">
+                <a:solidFill>
+                  <a:srgbClr val="4EC9B0"/>
+                </a:solidFill>
+                <a:effectLst/>
+                <a:highlight>
+                  <a:srgbClr val="1F1F1F"/>
+                </a:highlight>
+                <a:latin typeface="Consolas" panose="020B0609020204030204" pitchFamily="49" charset="0"/>
+              </a:rPr>
+              <a:t>StrictBool</a:t>
+            </a:r>
+            <a:r>
+              <a:rPr lang="en-US" altLang="ja-JP" sz="1800" b="0" dirty="0">
+                <a:solidFill>
+                  <a:srgbClr val="CCCCCC"/>
+                </a:solidFill>
+                <a:effectLst/>
+                <a:highlight>
+                  <a:srgbClr val="1F1F1F"/>
+                </a:highlight>
+                <a:latin typeface="Consolas" panose="020B0609020204030204" pitchFamily="49" charset="0"/>
+              </a:rPr>
+              <a:t> </a:t>
+            </a:r>
+            <a:r>
+              <a:rPr lang="en-US" altLang="ja-JP" sz="1800" b="0" dirty="0">
+                <a:solidFill>
+                  <a:srgbClr val="D4D4D4"/>
+                </a:solidFill>
+                <a:effectLst/>
+                <a:highlight>
+                  <a:srgbClr val="1F1F1F"/>
+                </a:highlight>
+                <a:latin typeface="Consolas" panose="020B0609020204030204" pitchFamily="49" charset="0"/>
+              </a:rPr>
+              <a:t>|</a:t>
+            </a:r>
+            <a:r>
+              <a:rPr lang="en-US" altLang="ja-JP" sz="1800" b="0" dirty="0">
+                <a:solidFill>
+                  <a:srgbClr val="CCCCCC"/>
+                </a:solidFill>
+                <a:effectLst/>
+                <a:highlight>
+                  <a:srgbClr val="1F1F1F"/>
+                </a:highlight>
+                <a:latin typeface="Consolas" panose="020B0609020204030204" pitchFamily="49" charset="0"/>
+              </a:rPr>
+              <a:t> </a:t>
+            </a:r>
+            <a:r>
+              <a:rPr lang="en-US" altLang="ja-JP" sz="1800" b="0" dirty="0">
+                <a:solidFill>
+                  <a:srgbClr val="569CD6"/>
+                </a:solidFill>
+                <a:effectLst/>
+                <a:highlight>
+                  <a:srgbClr val="1F1F1F"/>
+                </a:highlight>
+                <a:latin typeface="Consolas" panose="020B0609020204030204" pitchFamily="49" charset="0"/>
+              </a:rPr>
+              <a:t>None</a:t>
+            </a:r>
+            <a:endParaRPr lang="en-US" altLang="ja-JP" sz="1800" b="0" dirty="0">
+              <a:solidFill>
+                <a:srgbClr val="CCCCCC"/>
+              </a:solidFill>
+              <a:effectLst/>
+              <a:highlight>
+                <a:srgbClr val="1F1F1F"/>
+              </a:highlight>
+              <a:latin typeface="Consolas" panose="020B0609020204030204" pitchFamily="49" charset="0"/>
+            </a:endParaRPr>
+          </a:p>
+          <a:p>
+            <a:r>
+              <a:rPr lang="en-US" altLang="ja-JP" sz="1800" b="0" dirty="0">
+                <a:solidFill>
+                  <a:srgbClr val="CCCCCC"/>
+                </a:solidFill>
+                <a:effectLst/>
+                <a:highlight>
+                  <a:srgbClr val="1F1F1F"/>
+                </a:highlight>
+                <a:latin typeface="Consolas" panose="020B0609020204030204" pitchFamily="49" charset="0"/>
+              </a:rPr>
+              <a:t>)</a:t>
+            </a:r>
+          </a:p>
+          <a:p>
+            <a:endParaRPr kumimoji="1" lang="ja-JP" altLang="en-US" sz="1200" dirty="0"/>
+          </a:p>
+        </p:txBody>
+      </p:sp>
+      <p:sp>
+        <p:nvSpPr>
+          <p:cNvPr id="4" name="テキスト プレースホルダー 3">
+            <a:extLst>
+              <a:ext uri="{FF2B5EF4-FFF2-40B4-BE49-F238E27FC236}">
+                <a16:creationId xmlns:a16="http://schemas.microsoft.com/office/drawing/2014/main" id="{A936DA23-10FB-2C00-727A-BFA343390DCC}"/>
+              </a:ext>
+            </a:extLst>
+          </p:cNvPr>
+          <p:cNvSpPr>
+            <a:spLocks noGrp="1"/>
+          </p:cNvSpPr>
+          <p:nvPr>
+            <p:ph type="body" sz="half" idx="2"/>
+          </p:nvPr>
+        </p:nvSpPr>
+        <p:spPr/>
+        <p:txBody>
+          <a:bodyPr/>
+          <a:lstStyle/>
+          <a:p>
+            <a:pPr marL="285750" indent="-285750">
+              <a:buFont typeface="Arial" panose="020B0604020202020204" pitchFamily="34" charset="0"/>
+              <a:buChar char="•"/>
+            </a:pPr>
+            <a:r>
+              <a:rPr lang="en-US" altLang="ja-JP" sz="1600" b="0" dirty="0" err="1">
+                <a:solidFill>
+                  <a:srgbClr val="4EC9B0"/>
+                </a:solidFill>
+                <a:effectLst/>
+                <a:highlight>
+                  <a:srgbClr val="1F1F1F"/>
+                </a:highlight>
+                <a:latin typeface="Consolas" panose="020B0609020204030204" pitchFamily="49" charset="0"/>
+              </a:rPr>
+              <a:t>ReplyMessageRequest</a:t>
+            </a:r>
+            <a:r>
+              <a:rPr lang="en-US" altLang="ja-JP" sz="1600" b="0" dirty="0">
+                <a:solidFill>
+                  <a:srgbClr val="4EC9B0"/>
+                </a:solidFill>
+                <a:effectLst/>
+                <a:highlight>
+                  <a:srgbClr val="1F1F1F"/>
+                </a:highlight>
+                <a:latin typeface="Consolas" panose="020B0609020204030204" pitchFamily="49" charset="0"/>
+              </a:rPr>
+              <a:t> </a:t>
+            </a:r>
+            <a:endParaRPr kumimoji="1" lang="en-US" altLang="ja-JP" dirty="0"/>
+          </a:p>
+          <a:p>
+            <a:pPr marL="285750" indent="-285750">
+              <a:buFont typeface="Arial" panose="020B0604020202020204" pitchFamily="34" charset="0"/>
+              <a:buChar char="•"/>
+            </a:pPr>
+            <a:r>
+              <a:rPr lang="en-US" altLang="ja-JP" sz="1600" b="0" dirty="0" err="1">
+                <a:solidFill>
+                  <a:srgbClr val="4EC9B0"/>
+                </a:solidFill>
+                <a:effectLst/>
+                <a:highlight>
+                  <a:srgbClr val="1F1F1F"/>
+                </a:highlight>
+                <a:latin typeface="Consolas" panose="020B0609020204030204" pitchFamily="49" charset="0"/>
+              </a:rPr>
+              <a:t>replyToken</a:t>
+            </a:r>
+            <a:r>
+              <a:rPr kumimoji="1" lang="ja-JP" altLang="en-US" dirty="0"/>
+              <a:t>は</a:t>
+            </a:r>
+            <a:r>
+              <a:rPr lang="fr-FR" altLang="ja-JP" b="0" dirty="0">
+                <a:solidFill>
+                  <a:srgbClr val="9CDCFE"/>
+                </a:solidFill>
+                <a:effectLst/>
+                <a:highlight>
+                  <a:srgbClr val="1F1F1F"/>
+                </a:highlight>
+                <a:latin typeface="Consolas" panose="020B0609020204030204" pitchFamily="49" charset="0"/>
+              </a:rPr>
+              <a:t>event</a:t>
+            </a:r>
+            <a:r>
+              <a:rPr kumimoji="1" lang="ja-JP" altLang="en-US" dirty="0"/>
+              <a:t>に格納されているものを使用します。</a:t>
+            </a:r>
+            <a:endParaRPr kumimoji="1" lang="en-US" altLang="ja-JP" dirty="0"/>
+          </a:p>
+          <a:p>
+            <a:pPr marL="742950" lvl="1" indent="-285750">
+              <a:buFont typeface="Arial" panose="020B0604020202020204" pitchFamily="34" charset="0"/>
+              <a:buChar char="•"/>
+            </a:pPr>
+            <a:r>
+              <a:rPr lang="fr-FR" altLang="ja-JP" b="0" dirty="0">
+                <a:solidFill>
+                  <a:srgbClr val="9CDCFE"/>
+                </a:solidFill>
+                <a:effectLst/>
+                <a:highlight>
+                  <a:srgbClr val="1F1F1F"/>
+                </a:highlight>
+                <a:latin typeface="Consolas" panose="020B0609020204030204" pitchFamily="49" charset="0"/>
+              </a:rPr>
+              <a:t>event</a:t>
+            </a:r>
+            <a:r>
+              <a:rPr lang="fr-FR" altLang="ja-JP" b="0" dirty="0">
+                <a:solidFill>
+                  <a:srgbClr val="CCCCCC"/>
+                </a:solidFill>
+                <a:effectLst/>
+                <a:highlight>
+                  <a:srgbClr val="1F1F1F"/>
+                </a:highlight>
+                <a:latin typeface="Consolas" panose="020B0609020204030204" pitchFamily="49" charset="0"/>
+              </a:rPr>
+              <a:t>.reply_token</a:t>
+            </a:r>
+            <a:r>
+              <a:rPr lang="ja-JP" altLang="en-US" dirty="0"/>
+              <a:t>は一度使用すると失効されます。</a:t>
+            </a:r>
+            <a:endParaRPr lang="en-US" altLang="ja-JP" dirty="0"/>
+          </a:p>
+          <a:p>
+            <a:pPr marL="742950" lvl="1" indent="-285750">
+              <a:buFont typeface="Arial" panose="020B0604020202020204" pitchFamily="34" charset="0"/>
+              <a:buChar char="•"/>
+            </a:pPr>
+            <a:r>
+              <a:rPr lang="ja-JP" altLang="en-US" dirty="0"/>
+              <a:t>複数のメッセージを送りたい場合には、</a:t>
+            </a:r>
+            <a:r>
+              <a:rPr lang="en-US" altLang="ja-JP" sz="1400" b="0" dirty="0">
+                <a:solidFill>
+                  <a:srgbClr val="4EC9B0"/>
+                </a:solidFill>
+                <a:effectLst/>
+                <a:highlight>
+                  <a:srgbClr val="1F1F1F"/>
+                </a:highlight>
+                <a:latin typeface="Consolas" panose="020B0609020204030204" pitchFamily="49" charset="0"/>
+              </a:rPr>
+              <a:t>messages</a:t>
+            </a:r>
+            <a:r>
+              <a:rPr lang="ja-JP" altLang="en-US" dirty="0"/>
+              <a:t>に複数のメッセージを格納してください。</a:t>
+            </a:r>
+            <a:endParaRPr lang="fr-FR" altLang="ja-JP" b="0" dirty="0">
+              <a:solidFill>
+                <a:srgbClr val="CCCCCC"/>
+              </a:solidFill>
+              <a:effectLst/>
+              <a:highlight>
+                <a:srgbClr val="1F1F1F"/>
+              </a:highlight>
+              <a:latin typeface="Consolas" panose="020B0609020204030204" pitchFamily="49" charset="0"/>
+            </a:endParaRPr>
+          </a:p>
+          <a:p>
+            <a:pPr marL="742950" lvl="1" indent="-285750">
+              <a:buFont typeface="Arial" panose="020B0604020202020204" pitchFamily="34" charset="0"/>
+              <a:buChar char="•"/>
+            </a:pPr>
+            <a:endParaRPr kumimoji="1" lang="en-US" altLang="ja-JP" dirty="0"/>
+          </a:p>
+        </p:txBody>
+      </p:sp>
+    </p:spTree>
+    <p:extLst>
+      <p:ext uri="{BB962C8B-B14F-4D97-AF65-F5344CB8AC3E}">
+        <p14:creationId xmlns:p14="http://schemas.microsoft.com/office/powerpoint/2010/main" val="3465330706"/>
       </p:ext>
     </p:extLst>
   </p:cSld>
@@ -6057,7 +7611,7 @@
           <a:p>
             <a:r>
               <a:rPr kumimoji="1" lang="ja-JP" altLang="en-US" dirty="0"/>
-              <a:t>追記</a:t>
+              <a:t>未定</a:t>
             </a:r>
           </a:p>
         </p:txBody>

--- a/README.pptx
+++ b/README.pptx
@@ -23,12 +23,15 @@
     <p:sldId id="272" r:id="rId17"/>
     <p:sldId id="278" r:id="rId18"/>
     <p:sldId id="279" r:id="rId19"/>
-    <p:sldId id="277" r:id="rId20"/>
-    <p:sldId id="270" r:id="rId21"/>
-    <p:sldId id="276" r:id="rId22"/>
-    <p:sldId id="280" r:id="rId23"/>
-    <p:sldId id="282" r:id="rId24"/>
-    <p:sldId id="283" r:id="rId25"/>
+    <p:sldId id="284" r:id="rId20"/>
+    <p:sldId id="287" r:id="rId21"/>
+    <p:sldId id="286" r:id="rId22"/>
+    <p:sldId id="277" r:id="rId23"/>
+    <p:sldId id="270" r:id="rId24"/>
+    <p:sldId id="276" r:id="rId25"/>
+    <p:sldId id="280" r:id="rId26"/>
+    <p:sldId id="282" r:id="rId27"/>
+    <p:sldId id="283" r:id="rId28"/>
   </p:sldIdLst>
   <p:sldSz cx="12192000" cy="6858000"/>
   <p:notesSz cx="6858000" cy="9144000"/>
@@ -5002,65 +5005,42 @@
         </p:nvSpPr>
         <p:spPr/>
         <p:txBody>
+          <a:bodyPr>
+            <a:normAutofit/>
+          </a:bodyPr>
+          <a:lstStyle/>
+          <a:p>
+            <a:r>
+              <a:rPr kumimoji="1" lang="ja-JP" altLang="en-US" sz="5400" dirty="0"/>
+              <a:t>チャンネルシークレットの取得</a:t>
+            </a:r>
+          </a:p>
+        </p:txBody>
+      </p:sp>
+      <p:sp>
+        <p:nvSpPr>
+          <p:cNvPr id="3" name="テキスト プレースホルダー 2">
+            <a:extLst>
+              <a:ext uri="{FF2B5EF4-FFF2-40B4-BE49-F238E27FC236}">
+                <a16:creationId xmlns:a16="http://schemas.microsoft.com/office/drawing/2014/main" id="{2436D758-7FD9-DD61-37F3-C9539A617728}"/>
+              </a:ext>
+            </a:extLst>
+          </p:cNvPr>
+          <p:cNvSpPr>
+            <a:spLocks noGrp="1"/>
+          </p:cNvSpPr>
+          <p:nvPr>
+            <p:ph type="body" idx="1"/>
+          </p:nvPr>
+        </p:nvSpPr>
+        <p:spPr/>
+        <p:txBody>
           <a:bodyPr/>
           <a:lstStyle/>
           <a:p>
             <a:r>
-              <a:rPr kumimoji="1" lang="en-US" altLang="ja-JP" dirty="0"/>
-              <a:t>Messaging</a:t>
-            </a:r>
-            <a:r>
-              <a:rPr lang="ja-JP" altLang="en-US" dirty="0"/>
-              <a:t> </a:t>
-            </a:r>
-            <a:r>
-              <a:rPr lang="en-US" altLang="ja-JP" dirty="0"/>
-              <a:t>API</a:t>
-            </a:r>
-            <a:r>
-              <a:rPr lang="ja-JP" altLang="en-US" dirty="0"/>
-              <a:t>設定</a:t>
-            </a:r>
-            <a:endParaRPr kumimoji="1" lang="ja-JP" altLang="en-US" dirty="0"/>
-          </a:p>
-        </p:txBody>
-      </p:sp>
-      <p:sp>
-        <p:nvSpPr>
-          <p:cNvPr id="3" name="テキスト プレースホルダー 2">
-            <a:extLst>
-              <a:ext uri="{FF2B5EF4-FFF2-40B4-BE49-F238E27FC236}">
-                <a16:creationId xmlns:a16="http://schemas.microsoft.com/office/drawing/2014/main" id="{2436D758-7FD9-DD61-37F3-C9539A617728}"/>
-              </a:ext>
-            </a:extLst>
-          </p:cNvPr>
-          <p:cNvSpPr>
-            <a:spLocks noGrp="1"/>
-          </p:cNvSpPr>
-          <p:nvPr>
-            <p:ph type="body" idx="1"/>
-          </p:nvPr>
-        </p:nvSpPr>
-        <p:spPr/>
-        <p:txBody>
-          <a:bodyPr/>
-          <a:lstStyle/>
-          <a:p>
-            <a:r>
-              <a:rPr kumimoji="1" lang="en-US" altLang="ja-JP" dirty="0"/>
-              <a:t>Webhook</a:t>
-            </a:r>
-            <a:r>
               <a:rPr kumimoji="1" lang="ja-JP" altLang="en-US" dirty="0"/>
-              <a:t>用の</a:t>
-            </a:r>
-            <a:r>
-              <a:rPr kumimoji="1" lang="en-US" altLang="ja-JP" dirty="0"/>
-              <a:t>URL</a:t>
-            </a:r>
-            <a:r>
-              <a:rPr kumimoji="1" lang="ja-JP" altLang="en-US" dirty="0"/>
-              <a:t>を設定するまで</a:t>
+              <a:t>チャネルアクセストークンを発行するまで</a:t>
             </a:r>
           </a:p>
         </p:txBody>
@@ -5068,7 +5048,7 @@
     </p:spTree>
     <p:extLst>
       <p:ext uri="{BB962C8B-B14F-4D97-AF65-F5344CB8AC3E}">
-        <p14:creationId xmlns:p14="http://schemas.microsoft.com/office/powerpoint/2010/main" val="3071547097"/>
+        <p14:creationId xmlns:p14="http://schemas.microsoft.com/office/powerpoint/2010/main" val="1763598193"/>
       </p:ext>
     </p:extLst>
   </p:cSld>
@@ -5236,6 +5216,370 @@
           <a:lstStyle/>
           <a:p>
             <a:r>
+              <a:rPr lang="ja-JP" altLang="en-US" dirty="0"/>
+              <a:t>チャンネルシークレットの取得</a:t>
+            </a:r>
+            <a:endParaRPr kumimoji="1" lang="ja-JP" altLang="en-US" dirty="0"/>
+          </a:p>
+        </p:txBody>
+      </p:sp>
+      <p:sp>
+        <p:nvSpPr>
+          <p:cNvPr id="4" name="テキスト プレースホルダー 3">
+            <a:extLst>
+              <a:ext uri="{FF2B5EF4-FFF2-40B4-BE49-F238E27FC236}">
+                <a16:creationId xmlns:a16="http://schemas.microsoft.com/office/drawing/2014/main" id="{51DF1AA3-0B77-B5F7-4F26-7C295F9EBC30}"/>
+              </a:ext>
+            </a:extLst>
+          </p:cNvPr>
+          <p:cNvSpPr>
+            <a:spLocks noGrp="1"/>
+          </p:cNvSpPr>
+          <p:nvPr>
+            <p:ph type="body" sz="half" idx="2"/>
+          </p:nvPr>
+        </p:nvSpPr>
+        <p:spPr/>
+        <p:txBody>
+          <a:bodyPr/>
+          <a:lstStyle/>
+          <a:p>
+            <a:r>
+              <a:rPr kumimoji="1" lang="ja-JP" altLang="en-US" dirty="0"/>
+              <a:t>ページ下部へスクロール</a:t>
+            </a:r>
+            <a:endParaRPr kumimoji="1" lang="en-US" altLang="ja-JP" dirty="0">
+              <a:highlight>
+                <a:srgbClr val="FFFF00"/>
+              </a:highlight>
+            </a:endParaRPr>
+          </a:p>
+        </p:txBody>
+      </p:sp>
+      <p:pic>
+        <p:nvPicPr>
+          <p:cNvPr id="8" name="コンテンツ プレースホルダー 7">
+            <a:extLst>
+              <a:ext uri="{FF2B5EF4-FFF2-40B4-BE49-F238E27FC236}">
+                <a16:creationId xmlns:a16="http://schemas.microsoft.com/office/drawing/2014/main" id="{04724CE2-8316-B914-9216-4058D92D7108}"/>
+              </a:ext>
+            </a:extLst>
+          </p:cNvPr>
+          <p:cNvPicPr>
+            <a:picLocks noGrp="1" noChangeAspect="1"/>
+          </p:cNvPicPr>
+          <p:nvPr>
+            <p:ph idx="1"/>
+          </p:nvPr>
+        </p:nvPicPr>
+        <p:blipFill>
+          <a:blip r:embed="rId2"/>
+          <a:stretch>
+            <a:fillRect/>
+          </a:stretch>
+        </p:blipFill>
+        <p:spPr>
+          <a:xfrm>
+            <a:off x="5457581" y="987425"/>
+            <a:ext cx="5623413" cy="4873625"/>
+          </a:xfrm>
+          <a:prstGeom prst="rect">
+            <a:avLst/>
+          </a:prstGeom>
+        </p:spPr>
+      </p:pic>
+    </p:spTree>
+    <p:extLst>
+      <p:ext uri="{BB962C8B-B14F-4D97-AF65-F5344CB8AC3E}">
+        <p14:creationId xmlns:p14="http://schemas.microsoft.com/office/powerpoint/2010/main" val="2895528932"/>
+      </p:ext>
+    </p:extLst>
+  </p:cSld>
+  <p:clrMapOvr>
+    <a:masterClrMapping/>
+  </p:clrMapOvr>
+</p:sld>
+</file>
+
+<file path=ppt/slides/slide21.xml><?xml version="1.0" encoding="utf-8"?>
+<p:sld xmlns:a="http://schemas.openxmlformats.org/drawingml/2006/main" xmlns:r="http://schemas.openxmlformats.org/officeDocument/2006/relationships" xmlns:p="http://schemas.openxmlformats.org/presentationml/2006/main">
+  <p:cSld>
+    <p:spTree>
+      <p:nvGrpSpPr>
+        <p:cNvPr id="1" name=""/>
+        <p:cNvGrpSpPr/>
+        <p:nvPr/>
+      </p:nvGrpSpPr>
+      <p:grpSpPr>
+        <a:xfrm>
+          <a:off x="0" y="0"/>
+          <a:ext cx="0" cy="0"/>
+          <a:chOff x="0" y="0"/>
+          <a:chExt cx="0" cy="0"/>
+        </a:xfrm>
+      </p:grpSpPr>
+      <p:sp>
+        <p:nvSpPr>
+          <p:cNvPr id="2" name="タイトル 1">
+            <a:extLst>
+              <a:ext uri="{FF2B5EF4-FFF2-40B4-BE49-F238E27FC236}">
+                <a16:creationId xmlns:a16="http://schemas.microsoft.com/office/drawing/2014/main" id="{2631599D-BB4F-F745-4F36-CF3F2A482E41}"/>
+              </a:ext>
+            </a:extLst>
+          </p:cNvPr>
+          <p:cNvSpPr>
+            <a:spLocks noGrp="1"/>
+          </p:cNvSpPr>
+          <p:nvPr>
+            <p:ph type="title"/>
+          </p:nvPr>
+        </p:nvSpPr>
+        <p:spPr/>
+        <p:txBody>
+          <a:bodyPr>
+            <a:normAutofit/>
+          </a:bodyPr>
+          <a:lstStyle/>
+          <a:p>
+            <a:r>
+              <a:rPr lang="ja-JP" altLang="en-US" dirty="0"/>
+              <a:t>チャンネルシークレットの取得</a:t>
+            </a:r>
+            <a:endParaRPr kumimoji="1" lang="ja-JP" altLang="en-US" dirty="0"/>
+          </a:p>
+        </p:txBody>
+      </p:sp>
+      <p:sp>
+        <p:nvSpPr>
+          <p:cNvPr id="4" name="テキスト プレースホルダー 3">
+            <a:extLst>
+              <a:ext uri="{FF2B5EF4-FFF2-40B4-BE49-F238E27FC236}">
+                <a16:creationId xmlns:a16="http://schemas.microsoft.com/office/drawing/2014/main" id="{51DF1AA3-0B77-B5F7-4F26-7C295F9EBC30}"/>
+              </a:ext>
+            </a:extLst>
+          </p:cNvPr>
+          <p:cNvSpPr>
+            <a:spLocks noGrp="1"/>
+          </p:cNvSpPr>
+          <p:nvPr>
+            <p:ph type="body" sz="half" idx="2"/>
+          </p:nvPr>
+        </p:nvSpPr>
+        <p:spPr/>
+        <p:txBody>
+          <a:bodyPr/>
+          <a:lstStyle/>
+          <a:p>
+            <a:r>
+              <a:rPr kumimoji="1" lang="ja-JP" altLang="en-US" dirty="0">
+                <a:highlight>
+                  <a:srgbClr val="FFFF00"/>
+                </a:highlight>
+              </a:rPr>
+              <a:t>チャンネルシークレット</a:t>
+            </a:r>
+            <a:r>
+              <a:rPr kumimoji="1" lang="ja-JP" altLang="en-US" dirty="0"/>
+              <a:t>をメモしておいてください。</a:t>
+            </a:r>
+            <a:endParaRPr lang="en-US" altLang="ja-JP" dirty="0"/>
+          </a:p>
+        </p:txBody>
+      </p:sp>
+      <p:pic>
+        <p:nvPicPr>
+          <p:cNvPr id="13" name="コンテンツ プレースホルダー 12">
+            <a:extLst>
+              <a:ext uri="{FF2B5EF4-FFF2-40B4-BE49-F238E27FC236}">
+                <a16:creationId xmlns:a16="http://schemas.microsoft.com/office/drawing/2014/main" id="{EA5BCCC0-5C11-823C-F52E-6D99682BD9C7}"/>
+              </a:ext>
+            </a:extLst>
+          </p:cNvPr>
+          <p:cNvPicPr>
+            <a:picLocks noGrp="1" noChangeAspect="1"/>
+          </p:cNvPicPr>
+          <p:nvPr>
+            <p:ph idx="1"/>
+          </p:nvPr>
+        </p:nvPicPr>
+        <p:blipFill>
+          <a:blip r:embed="rId2"/>
+          <a:stretch>
+            <a:fillRect/>
+          </a:stretch>
+        </p:blipFill>
+        <p:spPr>
+          <a:xfrm>
+            <a:off x="6028541" y="987425"/>
+            <a:ext cx="4481494" cy="4873625"/>
+          </a:xfrm>
+        </p:spPr>
+      </p:pic>
+    </p:spTree>
+    <p:extLst>
+      <p:ext uri="{BB962C8B-B14F-4D97-AF65-F5344CB8AC3E}">
+        <p14:creationId xmlns:p14="http://schemas.microsoft.com/office/powerpoint/2010/main" val="88218386"/>
+      </p:ext>
+    </p:extLst>
+  </p:cSld>
+  <p:clrMapOvr>
+    <a:masterClrMapping/>
+  </p:clrMapOvr>
+</p:sld>
+</file>
+
+<file path=ppt/slides/slide22.xml><?xml version="1.0" encoding="utf-8"?>
+<p:sld xmlns:a="http://schemas.openxmlformats.org/drawingml/2006/main" xmlns:r="http://schemas.openxmlformats.org/officeDocument/2006/relationships" xmlns:p="http://schemas.openxmlformats.org/presentationml/2006/main">
+  <p:cSld>
+    <p:spTree>
+      <p:nvGrpSpPr>
+        <p:cNvPr id="1" name=""/>
+        <p:cNvGrpSpPr/>
+        <p:nvPr/>
+      </p:nvGrpSpPr>
+      <p:grpSpPr>
+        <a:xfrm>
+          <a:off x="0" y="0"/>
+          <a:ext cx="0" cy="0"/>
+          <a:chOff x="0" y="0"/>
+          <a:chExt cx="0" cy="0"/>
+        </a:xfrm>
+      </p:grpSpPr>
+      <p:sp>
+        <p:nvSpPr>
+          <p:cNvPr id="2" name="タイトル 1">
+            <a:extLst>
+              <a:ext uri="{FF2B5EF4-FFF2-40B4-BE49-F238E27FC236}">
+                <a16:creationId xmlns:a16="http://schemas.microsoft.com/office/drawing/2014/main" id="{6E3713EE-88A4-814E-18F7-8580E24A1BBC}"/>
+              </a:ext>
+            </a:extLst>
+          </p:cNvPr>
+          <p:cNvSpPr>
+            <a:spLocks noGrp="1"/>
+          </p:cNvSpPr>
+          <p:nvPr>
+            <p:ph type="title"/>
+          </p:nvPr>
+        </p:nvSpPr>
+        <p:spPr/>
+        <p:txBody>
+          <a:bodyPr/>
+          <a:lstStyle/>
+          <a:p>
+            <a:r>
+              <a:rPr kumimoji="1" lang="en-US" altLang="ja-JP" dirty="0"/>
+              <a:t>Messaging</a:t>
+            </a:r>
+            <a:r>
+              <a:rPr lang="ja-JP" altLang="en-US" dirty="0"/>
+              <a:t> </a:t>
+            </a:r>
+            <a:r>
+              <a:rPr lang="en-US" altLang="ja-JP" dirty="0"/>
+              <a:t>API</a:t>
+            </a:r>
+            <a:r>
+              <a:rPr lang="ja-JP" altLang="en-US" dirty="0"/>
+              <a:t>設定</a:t>
+            </a:r>
+            <a:endParaRPr kumimoji="1" lang="ja-JP" altLang="en-US" dirty="0"/>
+          </a:p>
+        </p:txBody>
+      </p:sp>
+      <p:sp>
+        <p:nvSpPr>
+          <p:cNvPr id="3" name="テキスト プレースホルダー 2">
+            <a:extLst>
+              <a:ext uri="{FF2B5EF4-FFF2-40B4-BE49-F238E27FC236}">
+                <a16:creationId xmlns:a16="http://schemas.microsoft.com/office/drawing/2014/main" id="{2436D758-7FD9-DD61-37F3-C9539A617728}"/>
+              </a:ext>
+            </a:extLst>
+          </p:cNvPr>
+          <p:cNvSpPr>
+            <a:spLocks noGrp="1"/>
+          </p:cNvSpPr>
+          <p:nvPr>
+            <p:ph type="body" idx="1"/>
+          </p:nvPr>
+        </p:nvSpPr>
+        <p:spPr/>
+        <p:txBody>
+          <a:bodyPr/>
+          <a:lstStyle/>
+          <a:p>
+            <a:r>
+              <a:rPr kumimoji="1" lang="en-US" altLang="ja-JP" dirty="0"/>
+              <a:t>Webhook</a:t>
+            </a:r>
+            <a:r>
+              <a:rPr kumimoji="1" lang="ja-JP" altLang="en-US" dirty="0"/>
+              <a:t>用の</a:t>
+            </a:r>
+            <a:r>
+              <a:rPr kumimoji="1" lang="en-US" altLang="ja-JP" dirty="0"/>
+              <a:t>URL</a:t>
+            </a:r>
+            <a:r>
+              <a:rPr kumimoji="1" lang="ja-JP" altLang="en-US" dirty="0"/>
+              <a:t>を設定するまで</a:t>
+            </a:r>
+          </a:p>
+        </p:txBody>
+      </p:sp>
+    </p:spTree>
+    <p:extLst>
+      <p:ext uri="{BB962C8B-B14F-4D97-AF65-F5344CB8AC3E}">
+        <p14:creationId xmlns:p14="http://schemas.microsoft.com/office/powerpoint/2010/main" val="3071547097"/>
+      </p:ext>
+    </p:extLst>
+  </p:cSld>
+  <p:clrMapOvr>
+    <a:masterClrMapping/>
+  </p:clrMapOvr>
+</p:sld>
+</file>
+
+<file path=ppt/slides/slide23.xml><?xml version="1.0" encoding="utf-8"?>
+<p:sld xmlns:a="http://schemas.openxmlformats.org/drawingml/2006/main" xmlns:r="http://schemas.openxmlformats.org/officeDocument/2006/relationships" xmlns:p="http://schemas.openxmlformats.org/presentationml/2006/main">
+  <p:cSld>
+    <p:spTree>
+      <p:nvGrpSpPr>
+        <p:cNvPr id="1" name=""/>
+        <p:cNvGrpSpPr/>
+        <p:nvPr/>
+      </p:nvGrpSpPr>
+      <p:grpSpPr>
+        <a:xfrm>
+          <a:off x="0" y="0"/>
+          <a:ext cx="0" cy="0"/>
+          <a:chOff x="0" y="0"/>
+          <a:chExt cx="0" cy="0"/>
+        </a:xfrm>
+      </p:grpSpPr>
+      <p:sp>
+        <p:nvSpPr>
+          <p:cNvPr id="2" name="タイトル 1">
+            <a:extLst>
+              <a:ext uri="{FF2B5EF4-FFF2-40B4-BE49-F238E27FC236}">
+                <a16:creationId xmlns:a16="http://schemas.microsoft.com/office/drawing/2014/main" id="{2631599D-BB4F-F745-4F36-CF3F2A482E41}"/>
+              </a:ext>
+            </a:extLst>
+          </p:cNvPr>
+          <p:cNvSpPr>
+            <a:spLocks noGrp="1"/>
+          </p:cNvSpPr>
+          <p:nvPr>
+            <p:ph type="title"/>
+          </p:nvPr>
+        </p:nvSpPr>
+        <p:spPr/>
+        <p:txBody>
+          <a:bodyPr>
+            <a:normAutofit/>
+          </a:bodyPr>
+          <a:lstStyle/>
+          <a:p>
+            <a:r>
               <a:rPr lang="en-US" altLang="ja-JP" dirty="0"/>
               <a:t>Messaging</a:t>
             </a:r>
@@ -5357,7 +5701,7 @@
 </p:sld>
 </file>
 
-<file path=ppt/slides/slide21.xml><?xml version="1.0" encoding="utf-8"?>
+<file path=ppt/slides/slide24.xml><?xml version="1.0" encoding="utf-8"?>
 <p:sld xmlns:a="http://schemas.openxmlformats.org/drawingml/2006/main" xmlns:r="http://schemas.openxmlformats.org/officeDocument/2006/relationships" xmlns:p="http://schemas.openxmlformats.org/presentationml/2006/main">
   <p:cSld>
     <p:spTree>
@@ -5600,7 +5944,7 @@
 </p:sld>
 </file>
 
-<file path=ppt/slides/slide22.xml><?xml version="1.0" encoding="utf-8"?>
+<file path=ppt/slides/slide25.xml><?xml version="1.0" encoding="utf-8"?>
 <p:sld xmlns:a="http://schemas.openxmlformats.org/drawingml/2006/main" xmlns:r="http://schemas.openxmlformats.org/officeDocument/2006/relationships" xmlns:p="http://schemas.openxmlformats.org/presentationml/2006/main">
   <p:cSld>
     <p:spTree>
@@ -5686,7 +6030,7 @@
 </p:sld>
 </file>
 
-<file path=ppt/slides/slide23.xml><?xml version="1.0" encoding="utf-8"?>
+<file path=ppt/slides/slide26.xml><?xml version="1.0" encoding="utf-8"?>
 <p:sld xmlns:a="http://schemas.openxmlformats.org/drawingml/2006/main" xmlns:r="http://schemas.openxmlformats.org/officeDocument/2006/relationships" xmlns:p="http://schemas.openxmlformats.org/presentationml/2006/main">
   <p:cSld>
     <p:spTree>
@@ -6510,7 +6854,7 @@
 </p:sld>
 </file>
 
-<file path=ppt/slides/slide24.xml><?xml version="1.0" encoding="utf-8"?>
+<file path=ppt/slides/slide27.xml><?xml version="1.0" encoding="utf-8"?>
 <p:sld xmlns:a="http://schemas.openxmlformats.org/drawingml/2006/main" xmlns:r="http://schemas.openxmlformats.org/officeDocument/2006/relationships" xmlns:p="http://schemas.openxmlformats.org/presentationml/2006/main">
   <p:cSld>
     <p:spTree>

--- a/README.pptx
+++ b/README.pptx
@@ -285,7 +285,7 @@
           <a:p>
             <a:fld id="{010A019C-97EB-44CC-A4A8-F801B4293A73}" type="datetimeFigureOut">
               <a:rPr kumimoji="1" lang="ja-JP" altLang="en-US" smtClean="0"/>
-              <a:t>2024/5/17</a:t>
+              <a:t>2024/5/21</a:t>
             </a:fld>
             <a:endParaRPr kumimoji="1" lang="ja-JP" altLang="en-US"/>
           </a:p>
@@ -515,7 +515,7 @@
           <a:p>
             <a:fld id="{010A019C-97EB-44CC-A4A8-F801B4293A73}" type="datetimeFigureOut">
               <a:rPr kumimoji="1" lang="ja-JP" altLang="en-US" smtClean="0"/>
-              <a:t>2024/5/17</a:t>
+              <a:t>2024/5/21</a:t>
             </a:fld>
             <a:endParaRPr kumimoji="1" lang="ja-JP" altLang="en-US"/>
           </a:p>
@@ -755,7 +755,7 @@
           <a:p>
             <a:fld id="{010A019C-97EB-44CC-A4A8-F801B4293A73}" type="datetimeFigureOut">
               <a:rPr kumimoji="1" lang="ja-JP" altLang="en-US" smtClean="0"/>
-              <a:t>2024/5/17</a:t>
+              <a:t>2024/5/21</a:t>
             </a:fld>
             <a:endParaRPr kumimoji="1" lang="ja-JP" altLang="en-US"/>
           </a:p>
@@ -985,7 +985,7 @@
           <a:p>
             <a:fld id="{010A019C-97EB-44CC-A4A8-F801B4293A73}" type="datetimeFigureOut">
               <a:rPr kumimoji="1" lang="ja-JP" altLang="en-US" smtClean="0"/>
-              <a:t>2024/5/17</a:t>
+              <a:t>2024/5/21</a:t>
             </a:fld>
             <a:endParaRPr kumimoji="1" lang="ja-JP" altLang="en-US"/>
           </a:p>
@@ -1260,7 +1260,7 @@
           <a:p>
             <a:fld id="{010A019C-97EB-44CC-A4A8-F801B4293A73}" type="datetimeFigureOut">
               <a:rPr kumimoji="1" lang="ja-JP" altLang="en-US" smtClean="0"/>
-              <a:t>2024/5/17</a:t>
+              <a:t>2024/5/21</a:t>
             </a:fld>
             <a:endParaRPr kumimoji="1" lang="ja-JP" altLang="en-US"/>
           </a:p>
@@ -1589,7 +1589,7 @@
           <a:p>
             <a:fld id="{010A019C-97EB-44CC-A4A8-F801B4293A73}" type="datetimeFigureOut">
               <a:rPr kumimoji="1" lang="ja-JP" altLang="en-US" smtClean="0"/>
-              <a:t>2024/5/17</a:t>
+              <a:t>2024/5/21</a:t>
             </a:fld>
             <a:endParaRPr kumimoji="1" lang="ja-JP" altLang="en-US"/>
           </a:p>
@@ -2065,7 +2065,7 @@
           <a:p>
             <a:fld id="{010A019C-97EB-44CC-A4A8-F801B4293A73}" type="datetimeFigureOut">
               <a:rPr kumimoji="1" lang="ja-JP" altLang="en-US" smtClean="0"/>
-              <a:t>2024/5/17</a:t>
+              <a:t>2024/5/21</a:t>
             </a:fld>
             <a:endParaRPr kumimoji="1" lang="ja-JP" altLang="en-US"/>
           </a:p>
@@ -2206,7 +2206,7 @@
           <a:p>
             <a:fld id="{010A019C-97EB-44CC-A4A8-F801B4293A73}" type="datetimeFigureOut">
               <a:rPr kumimoji="1" lang="ja-JP" altLang="en-US" smtClean="0"/>
-              <a:t>2024/5/17</a:t>
+              <a:t>2024/5/21</a:t>
             </a:fld>
             <a:endParaRPr kumimoji="1" lang="ja-JP" altLang="en-US"/>
           </a:p>
@@ -2319,7 +2319,7 @@
           <a:p>
             <a:fld id="{010A019C-97EB-44CC-A4A8-F801B4293A73}" type="datetimeFigureOut">
               <a:rPr kumimoji="1" lang="ja-JP" altLang="en-US" smtClean="0"/>
-              <a:t>2024/5/17</a:t>
+              <a:t>2024/5/21</a:t>
             </a:fld>
             <a:endParaRPr kumimoji="1" lang="ja-JP" altLang="en-US"/>
           </a:p>
@@ -2662,7 +2662,7 @@
           <a:p>
             <a:fld id="{010A019C-97EB-44CC-A4A8-F801B4293A73}" type="datetimeFigureOut">
               <a:rPr kumimoji="1" lang="ja-JP" altLang="en-US" smtClean="0"/>
-              <a:t>2024/5/17</a:t>
+              <a:t>2024/5/21</a:t>
             </a:fld>
             <a:endParaRPr kumimoji="1" lang="ja-JP" altLang="en-US"/>
           </a:p>
@@ -2950,7 +2950,7 @@
           <a:p>
             <a:fld id="{010A019C-97EB-44CC-A4A8-F801B4293A73}" type="datetimeFigureOut">
               <a:rPr kumimoji="1" lang="ja-JP" altLang="en-US" smtClean="0"/>
-              <a:t>2024/5/17</a:t>
+              <a:t>2024/5/21</a:t>
             </a:fld>
             <a:endParaRPr kumimoji="1" lang="ja-JP" altLang="en-US"/>
           </a:p>
@@ -3223,7 +3223,7 @@
           <a:p>
             <a:fld id="{010A019C-97EB-44CC-A4A8-F801B4293A73}" type="datetimeFigureOut">
               <a:rPr kumimoji="1" lang="ja-JP" altLang="en-US" smtClean="0"/>
-              <a:t>2024/5/17</a:t>
+              <a:t>2024/5/21</a:t>
             </a:fld>
             <a:endParaRPr kumimoji="1" lang="ja-JP" altLang="en-US"/>
           </a:p>

--- a/README.pptx
+++ b/README.pptx
@@ -9,29 +9,28 @@
     <p:sldId id="259" r:id="rId3"/>
     <p:sldId id="273" r:id="rId4"/>
     <p:sldId id="274" r:id="rId5"/>
-    <p:sldId id="275" r:id="rId6"/>
-    <p:sldId id="271" r:id="rId7"/>
-    <p:sldId id="260" r:id="rId8"/>
-    <p:sldId id="262" r:id="rId9"/>
-    <p:sldId id="263" r:id="rId10"/>
-    <p:sldId id="264" r:id="rId11"/>
-    <p:sldId id="265" r:id="rId12"/>
-    <p:sldId id="266" r:id="rId13"/>
-    <p:sldId id="267" r:id="rId14"/>
-    <p:sldId id="268" r:id="rId15"/>
-    <p:sldId id="269" r:id="rId16"/>
-    <p:sldId id="272" r:id="rId17"/>
-    <p:sldId id="278" r:id="rId18"/>
-    <p:sldId id="279" r:id="rId19"/>
-    <p:sldId id="284" r:id="rId20"/>
-    <p:sldId id="287" r:id="rId21"/>
-    <p:sldId id="286" r:id="rId22"/>
-    <p:sldId id="277" r:id="rId23"/>
-    <p:sldId id="270" r:id="rId24"/>
-    <p:sldId id="276" r:id="rId25"/>
-    <p:sldId id="280" r:id="rId26"/>
-    <p:sldId id="282" r:id="rId27"/>
-    <p:sldId id="283" r:id="rId28"/>
+    <p:sldId id="271" r:id="rId6"/>
+    <p:sldId id="260" r:id="rId7"/>
+    <p:sldId id="262" r:id="rId8"/>
+    <p:sldId id="263" r:id="rId9"/>
+    <p:sldId id="264" r:id="rId10"/>
+    <p:sldId id="265" r:id="rId11"/>
+    <p:sldId id="266" r:id="rId12"/>
+    <p:sldId id="267" r:id="rId13"/>
+    <p:sldId id="268" r:id="rId14"/>
+    <p:sldId id="269" r:id="rId15"/>
+    <p:sldId id="272" r:id="rId16"/>
+    <p:sldId id="278" r:id="rId17"/>
+    <p:sldId id="279" r:id="rId18"/>
+    <p:sldId id="284" r:id="rId19"/>
+    <p:sldId id="287" r:id="rId20"/>
+    <p:sldId id="286" r:id="rId21"/>
+    <p:sldId id="277" r:id="rId22"/>
+    <p:sldId id="270" r:id="rId23"/>
+    <p:sldId id="276" r:id="rId24"/>
+    <p:sldId id="280" r:id="rId25"/>
+    <p:sldId id="282" r:id="rId26"/>
+    <p:sldId id="283" r:id="rId27"/>
   </p:sldIdLst>
   <p:sldSz cx="12192000" cy="6858000"/>
   <p:notesSz cx="6858000" cy="9144000"/>
@@ -285,7 +284,7 @@
           <a:p>
             <a:fld id="{010A019C-97EB-44CC-A4A8-F801B4293A73}" type="datetimeFigureOut">
               <a:rPr kumimoji="1" lang="ja-JP" altLang="en-US" smtClean="0"/>
-              <a:t>2024/5/21</a:t>
+              <a:t>2024/5/22</a:t>
             </a:fld>
             <a:endParaRPr kumimoji="1" lang="ja-JP" altLang="en-US"/>
           </a:p>
@@ -515,7 +514,7 @@
           <a:p>
             <a:fld id="{010A019C-97EB-44CC-A4A8-F801B4293A73}" type="datetimeFigureOut">
               <a:rPr kumimoji="1" lang="ja-JP" altLang="en-US" smtClean="0"/>
-              <a:t>2024/5/21</a:t>
+              <a:t>2024/5/22</a:t>
             </a:fld>
             <a:endParaRPr kumimoji="1" lang="ja-JP" altLang="en-US"/>
           </a:p>
@@ -755,7 +754,7 @@
           <a:p>
             <a:fld id="{010A019C-97EB-44CC-A4A8-F801B4293A73}" type="datetimeFigureOut">
               <a:rPr kumimoji="1" lang="ja-JP" altLang="en-US" smtClean="0"/>
-              <a:t>2024/5/21</a:t>
+              <a:t>2024/5/22</a:t>
             </a:fld>
             <a:endParaRPr kumimoji="1" lang="ja-JP" altLang="en-US"/>
           </a:p>
@@ -985,7 +984,7 @@
           <a:p>
             <a:fld id="{010A019C-97EB-44CC-A4A8-F801B4293A73}" type="datetimeFigureOut">
               <a:rPr kumimoji="1" lang="ja-JP" altLang="en-US" smtClean="0"/>
-              <a:t>2024/5/21</a:t>
+              <a:t>2024/5/22</a:t>
             </a:fld>
             <a:endParaRPr kumimoji="1" lang="ja-JP" altLang="en-US"/>
           </a:p>
@@ -1260,7 +1259,7 @@
           <a:p>
             <a:fld id="{010A019C-97EB-44CC-A4A8-F801B4293A73}" type="datetimeFigureOut">
               <a:rPr kumimoji="1" lang="ja-JP" altLang="en-US" smtClean="0"/>
-              <a:t>2024/5/21</a:t>
+              <a:t>2024/5/22</a:t>
             </a:fld>
             <a:endParaRPr kumimoji="1" lang="ja-JP" altLang="en-US"/>
           </a:p>
@@ -1589,7 +1588,7 @@
           <a:p>
             <a:fld id="{010A019C-97EB-44CC-A4A8-F801B4293A73}" type="datetimeFigureOut">
               <a:rPr kumimoji="1" lang="ja-JP" altLang="en-US" smtClean="0"/>
-              <a:t>2024/5/21</a:t>
+              <a:t>2024/5/22</a:t>
             </a:fld>
             <a:endParaRPr kumimoji="1" lang="ja-JP" altLang="en-US"/>
           </a:p>
@@ -2065,7 +2064,7 @@
           <a:p>
             <a:fld id="{010A019C-97EB-44CC-A4A8-F801B4293A73}" type="datetimeFigureOut">
               <a:rPr kumimoji="1" lang="ja-JP" altLang="en-US" smtClean="0"/>
-              <a:t>2024/5/21</a:t>
+              <a:t>2024/5/22</a:t>
             </a:fld>
             <a:endParaRPr kumimoji="1" lang="ja-JP" altLang="en-US"/>
           </a:p>
@@ -2206,7 +2205,7 @@
           <a:p>
             <a:fld id="{010A019C-97EB-44CC-A4A8-F801B4293A73}" type="datetimeFigureOut">
               <a:rPr kumimoji="1" lang="ja-JP" altLang="en-US" smtClean="0"/>
-              <a:t>2024/5/21</a:t>
+              <a:t>2024/5/22</a:t>
             </a:fld>
             <a:endParaRPr kumimoji="1" lang="ja-JP" altLang="en-US"/>
           </a:p>
@@ -2319,7 +2318,7 @@
           <a:p>
             <a:fld id="{010A019C-97EB-44CC-A4A8-F801B4293A73}" type="datetimeFigureOut">
               <a:rPr kumimoji="1" lang="ja-JP" altLang="en-US" smtClean="0"/>
-              <a:t>2024/5/21</a:t>
+              <a:t>2024/5/22</a:t>
             </a:fld>
             <a:endParaRPr kumimoji="1" lang="ja-JP" altLang="en-US"/>
           </a:p>
@@ -2662,7 +2661,7 @@
           <a:p>
             <a:fld id="{010A019C-97EB-44CC-A4A8-F801B4293A73}" type="datetimeFigureOut">
               <a:rPr kumimoji="1" lang="ja-JP" altLang="en-US" smtClean="0"/>
-              <a:t>2024/5/21</a:t>
+              <a:t>2024/5/22</a:t>
             </a:fld>
             <a:endParaRPr kumimoji="1" lang="ja-JP" altLang="en-US"/>
           </a:p>
@@ -2950,7 +2949,7 @@
           <a:p>
             <a:fld id="{010A019C-97EB-44CC-A4A8-F801B4293A73}" type="datetimeFigureOut">
               <a:rPr kumimoji="1" lang="ja-JP" altLang="en-US" smtClean="0"/>
-              <a:t>2024/5/21</a:t>
+              <a:t>2024/5/22</a:t>
             </a:fld>
             <a:endParaRPr kumimoji="1" lang="ja-JP" altLang="en-US"/>
           </a:p>
@@ -3223,7 +3222,7 @@
           <a:p>
             <a:fld id="{010A019C-97EB-44CC-A4A8-F801B4293A73}" type="datetimeFigureOut">
               <a:rPr kumimoji="1" lang="ja-JP" altLang="en-US" smtClean="0"/>
-              <a:t>2024/5/21</a:t>
+              <a:t>2024/5/22</a:t>
             </a:fld>
             <a:endParaRPr kumimoji="1" lang="ja-JP" altLang="en-US"/>
           </a:p>
@@ -3782,139 +3781,6 @@
                 <a:effectLst/>
                 <a:latin typeface="Roboto" panose="020F0502020204030204" pitchFamily="2" charset="0"/>
               </a:rPr>
-              <a:t>新規プロバイダー作成</a:t>
-            </a:r>
-            <a:endParaRPr kumimoji="1" lang="ja-JP" altLang="en-US" dirty="0"/>
-          </a:p>
-        </p:txBody>
-      </p:sp>
-      <p:sp>
-        <p:nvSpPr>
-          <p:cNvPr id="4" name="テキスト プレースホルダー 3">
-            <a:extLst>
-              <a:ext uri="{FF2B5EF4-FFF2-40B4-BE49-F238E27FC236}">
-                <a16:creationId xmlns:a16="http://schemas.microsoft.com/office/drawing/2014/main" id="{51DF1AA3-0B77-B5F7-4F26-7C295F9EBC30}"/>
-              </a:ext>
-            </a:extLst>
-          </p:cNvPr>
-          <p:cNvSpPr>
-            <a:spLocks noGrp="1"/>
-          </p:cNvSpPr>
-          <p:nvPr>
-            <p:ph type="body" sz="half" idx="2"/>
-          </p:nvPr>
-        </p:nvSpPr>
-        <p:spPr/>
-        <p:txBody>
-          <a:bodyPr/>
-          <a:lstStyle/>
-          <a:p>
-            <a:endParaRPr kumimoji="1" lang="ja-JP" altLang="en-US" dirty="0"/>
-          </a:p>
-        </p:txBody>
-      </p:sp>
-      <p:pic>
-        <p:nvPicPr>
-          <p:cNvPr id="7" name="コンテンツ プレースホルダー 6">
-            <a:extLst>
-              <a:ext uri="{FF2B5EF4-FFF2-40B4-BE49-F238E27FC236}">
-                <a16:creationId xmlns:a16="http://schemas.microsoft.com/office/drawing/2014/main" id="{E746B099-B9E7-AE95-95A6-F56FBE09EDC2}"/>
-              </a:ext>
-            </a:extLst>
-          </p:cNvPr>
-          <p:cNvPicPr>
-            <a:picLocks noGrp="1" noChangeAspect="1"/>
-          </p:cNvPicPr>
-          <p:nvPr>
-            <p:ph idx="1"/>
-          </p:nvPr>
-        </p:nvPicPr>
-        <p:blipFill>
-          <a:blip r:embed="rId2"/>
-          <a:stretch>
-            <a:fillRect/>
-          </a:stretch>
-        </p:blipFill>
-        <p:spPr>
-          <a:xfrm>
-            <a:off x="5457581" y="987425"/>
-            <a:ext cx="5623413" cy="4873625"/>
-          </a:xfrm>
-        </p:spPr>
-      </p:pic>
-    </p:spTree>
-    <p:extLst>
-      <p:ext uri="{BB962C8B-B14F-4D97-AF65-F5344CB8AC3E}">
-        <p14:creationId xmlns:p14="http://schemas.microsoft.com/office/powerpoint/2010/main" val="3156597588"/>
-      </p:ext>
-    </p:extLst>
-  </p:cSld>
-  <p:clrMapOvr>
-    <a:masterClrMapping/>
-  </p:clrMapOvr>
-</p:sld>
-</file>
-
-<file path=ppt/slides/slide11.xml><?xml version="1.0" encoding="utf-8"?>
-<p:sld xmlns:a="http://schemas.openxmlformats.org/drawingml/2006/main" xmlns:r="http://schemas.openxmlformats.org/officeDocument/2006/relationships" xmlns:p="http://schemas.openxmlformats.org/presentationml/2006/main">
-  <p:cSld>
-    <p:spTree>
-      <p:nvGrpSpPr>
-        <p:cNvPr id="1" name=""/>
-        <p:cNvGrpSpPr/>
-        <p:nvPr/>
-      </p:nvGrpSpPr>
-      <p:grpSpPr>
-        <a:xfrm>
-          <a:off x="0" y="0"/>
-          <a:ext cx="0" cy="0"/>
-          <a:chOff x="0" y="0"/>
-          <a:chExt cx="0" cy="0"/>
-        </a:xfrm>
-      </p:grpSpPr>
-      <p:sp>
-        <p:nvSpPr>
-          <p:cNvPr id="2" name="タイトル 1">
-            <a:extLst>
-              <a:ext uri="{FF2B5EF4-FFF2-40B4-BE49-F238E27FC236}">
-                <a16:creationId xmlns:a16="http://schemas.microsoft.com/office/drawing/2014/main" id="{2631599D-BB4F-F745-4F36-CF3F2A482E41}"/>
-              </a:ext>
-            </a:extLst>
-          </p:cNvPr>
-          <p:cNvSpPr>
-            <a:spLocks noGrp="1"/>
-          </p:cNvSpPr>
-          <p:nvPr>
-            <p:ph type="title"/>
-          </p:nvPr>
-        </p:nvSpPr>
-        <p:spPr/>
-        <p:txBody>
-          <a:bodyPr>
-            <a:normAutofit/>
-          </a:bodyPr>
-          <a:lstStyle/>
-          <a:p>
-            <a:r>
-              <a:rPr lang="en-US" altLang="ja-JP" dirty="0"/>
-              <a:t>LINE</a:t>
-            </a:r>
-            <a:r>
-              <a:rPr lang="ja-JP" altLang="en-US" dirty="0"/>
-              <a:t> </a:t>
-            </a:r>
-            <a:r>
-              <a:rPr lang="en-US" altLang="ja-JP" dirty="0"/>
-              <a:t>Developers</a:t>
-            </a:r>
-            <a:br>
-              <a:rPr lang="en-US" altLang="ja-JP" dirty="0"/>
-            </a:br>
-            <a:r>
-              <a:rPr lang="ja-JP" altLang="en-US" b="0" i="0" dirty="0">
-                <a:effectLst/>
-                <a:latin typeface="Roboto" panose="020F0502020204030204" pitchFamily="2" charset="0"/>
-              </a:rPr>
               <a:t>新規チャネル作成</a:t>
             </a:r>
             <a:endParaRPr kumimoji="1" lang="ja-JP" altLang="en-US" dirty="0"/>
@@ -4011,7 +3877,7 @@
 </p:sld>
 </file>
 
-<file path=ppt/slides/slide12.xml><?xml version="1.0" encoding="utf-8"?>
+<file path=ppt/slides/slide11.xml><?xml version="1.0" encoding="utf-8"?>
 <p:sld xmlns:a="http://schemas.openxmlformats.org/drawingml/2006/main" xmlns:r="http://schemas.openxmlformats.org/officeDocument/2006/relationships" xmlns:p="http://schemas.openxmlformats.org/presentationml/2006/main">
   <p:cSld>
     <p:spTree>
@@ -4147,7 +4013,7 @@
 </p:sld>
 </file>
 
-<file path=ppt/slides/slide13.xml><?xml version="1.0" encoding="utf-8"?>
+<file path=ppt/slides/slide12.xml><?xml version="1.0" encoding="utf-8"?>
 <p:sld xmlns:a="http://schemas.openxmlformats.org/drawingml/2006/main" xmlns:r="http://schemas.openxmlformats.org/officeDocument/2006/relationships" xmlns:p="http://schemas.openxmlformats.org/presentationml/2006/main">
   <p:cSld>
     <p:spTree>
@@ -4283,7 +4149,7 @@
 </p:sld>
 </file>
 
-<file path=ppt/slides/slide14.xml><?xml version="1.0" encoding="utf-8"?>
+<file path=ppt/slides/slide13.xml><?xml version="1.0" encoding="utf-8"?>
 <p:sld xmlns:a="http://schemas.openxmlformats.org/drawingml/2006/main" xmlns:r="http://schemas.openxmlformats.org/officeDocument/2006/relationships" xmlns:p="http://schemas.openxmlformats.org/presentationml/2006/main">
   <p:cSld>
     <p:spTree>
@@ -4440,7 +4306,7 @@
 </p:sld>
 </file>
 
-<file path=ppt/slides/slide15.xml><?xml version="1.0" encoding="utf-8"?>
+<file path=ppt/slides/slide14.xml><?xml version="1.0" encoding="utf-8"?>
 <p:sld xmlns:a="http://schemas.openxmlformats.org/drawingml/2006/main" xmlns:r="http://schemas.openxmlformats.org/officeDocument/2006/relationships" xmlns:p="http://schemas.openxmlformats.org/presentationml/2006/main">
   <p:cSld>
     <p:spTree>
@@ -4611,7 +4477,7 @@
 </p:sld>
 </file>
 
-<file path=ppt/slides/slide16.xml><?xml version="1.0" encoding="utf-8"?>
+<file path=ppt/slides/slide15.xml><?xml version="1.0" encoding="utf-8"?>
 <p:sld xmlns:a="http://schemas.openxmlformats.org/drawingml/2006/main" xmlns:r="http://schemas.openxmlformats.org/officeDocument/2006/relationships" xmlns:p="http://schemas.openxmlformats.org/presentationml/2006/main">
   <p:cSld>
     <p:spTree>
@@ -4697,7 +4563,7 @@
 </p:sld>
 </file>
 
-<file path=ppt/slides/slide17.xml><?xml version="1.0" encoding="utf-8"?>
+<file path=ppt/slides/slide16.xml><?xml version="1.0" encoding="utf-8"?>
 <p:sld xmlns:a="http://schemas.openxmlformats.org/drawingml/2006/main" xmlns:r="http://schemas.openxmlformats.org/officeDocument/2006/relationships" xmlns:p="http://schemas.openxmlformats.org/presentationml/2006/main">
   <p:cSld>
     <p:spTree>
@@ -4836,7 +4702,7 @@
 </p:sld>
 </file>
 
-<file path=ppt/slides/slide18.xml><?xml version="1.0" encoding="utf-8"?>
+<file path=ppt/slides/slide17.xml><?xml version="1.0" encoding="utf-8"?>
 <p:sld xmlns:a="http://schemas.openxmlformats.org/drawingml/2006/main" xmlns:r="http://schemas.openxmlformats.org/officeDocument/2006/relationships" xmlns:p="http://schemas.openxmlformats.org/presentationml/2006/main">
   <p:cSld>
     <p:spTree>
@@ -4970,6 +4836,94 @@
 </p:sld>
 </file>
 
+<file path=ppt/slides/slide18.xml><?xml version="1.0" encoding="utf-8"?>
+<p:sld xmlns:a="http://schemas.openxmlformats.org/drawingml/2006/main" xmlns:r="http://schemas.openxmlformats.org/officeDocument/2006/relationships" xmlns:p="http://schemas.openxmlformats.org/presentationml/2006/main">
+  <p:cSld>
+    <p:spTree>
+      <p:nvGrpSpPr>
+        <p:cNvPr id="1" name=""/>
+        <p:cNvGrpSpPr/>
+        <p:nvPr/>
+      </p:nvGrpSpPr>
+      <p:grpSpPr>
+        <a:xfrm>
+          <a:off x="0" y="0"/>
+          <a:ext cx="0" cy="0"/>
+          <a:chOff x="0" y="0"/>
+          <a:chExt cx="0" cy="0"/>
+        </a:xfrm>
+      </p:grpSpPr>
+      <p:sp>
+        <p:nvSpPr>
+          <p:cNvPr id="2" name="タイトル 1">
+            <a:extLst>
+              <a:ext uri="{FF2B5EF4-FFF2-40B4-BE49-F238E27FC236}">
+                <a16:creationId xmlns:a16="http://schemas.microsoft.com/office/drawing/2014/main" id="{6E3713EE-88A4-814E-18F7-8580E24A1BBC}"/>
+              </a:ext>
+            </a:extLst>
+          </p:cNvPr>
+          <p:cNvSpPr>
+            <a:spLocks noGrp="1"/>
+          </p:cNvSpPr>
+          <p:nvPr>
+            <p:ph type="title"/>
+          </p:nvPr>
+        </p:nvSpPr>
+        <p:spPr/>
+        <p:txBody>
+          <a:bodyPr>
+            <a:normAutofit/>
+          </a:bodyPr>
+          <a:lstStyle/>
+          <a:p>
+            <a:r>
+              <a:rPr kumimoji="1" lang="ja-JP" altLang="en-US" sz="5400" dirty="0"/>
+              <a:t>チャンネルシークレットの取得</a:t>
+            </a:r>
+          </a:p>
+        </p:txBody>
+      </p:sp>
+      <p:sp>
+        <p:nvSpPr>
+          <p:cNvPr id="3" name="テキスト プレースホルダー 2">
+            <a:extLst>
+              <a:ext uri="{FF2B5EF4-FFF2-40B4-BE49-F238E27FC236}">
+                <a16:creationId xmlns:a16="http://schemas.microsoft.com/office/drawing/2014/main" id="{2436D758-7FD9-DD61-37F3-C9539A617728}"/>
+              </a:ext>
+            </a:extLst>
+          </p:cNvPr>
+          <p:cNvSpPr>
+            <a:spLocks noGrp="1"/>
+          </p:cNvSpPr>
+          <p:nvPr>
+            <p:ph type="body" idx="1"/>
+          </p:nvPr>
+        </p:nvSpPr>
+        <p:spPr/>
+        <p:txBody>
+          <a:bodyPr/>
+          <a:lstStyle/>
+          <a:p>
+            <a:r>
+              <a:rPr kumimoji="1" lang="ja-JP" altLang="en-US" dirty="0"/>
+              <a:t>チャネルアクセストークンを発行するまで</a:t>
+            </a:r>
+          </a:p>
+        </p:txBody>
+      </p:sp>
+    </p:spTree>
+    <p:extLst>
+      <p:ext uri="{BB962C8B-B14F-4D97-AF65-F5344CB8AC3E}">
+        <p14:creationId xmlns:p14="http://schemas.microsoft.com/office/powerpoint/2010/main" val="1763598193"/>
+      </p:ext>
+    </p:extLst>
+  </p:cSld>
+  <p:clrMapOvr>
+    <a:masterClrMapping/>
+  </p:clrMapOvr>
+</p:sld>
+</file>
+
 <file path=ppt/slides/slide19.xml><?xml version="1.0" encoding="utf-8"?>
 <p:sld xmlns:a="http://schemas.openxmlformats.org/drawingml/2006/main" xmlns:r="http://schemas.openxmlformats.org/officeDocument/2006/relationships" xmlns:p="http://schemas.openxmlformats.org/presentationml/2006/main">
   <p:cSld>
@@ -4992,7 +4946,7 @@
           <p:cNvPr id="2" name="タイトル 1">
             <a:extLst>
               <a:ext uri="{FF2B5EF4-FFF2-40B4-BE49-F238E27FC236}">
-                <a16:creationId xmlns:a16="http://schemas.microsoft.com/office/drawing/2014/main" id="{6E3713EE-88A4-814E-18F7-8580E24A1BBC}"/>
+                <a16:creationId xmlns:a16="http://schemas.microsoft.com/office/drawing/2014/main" id="{2631599D-BB4F-F745-4F36-CF3F2A482E41}"/>
               </a:ext>
             </a:extLst>
           </p:cNvPr>
@@ -5011,26 +4965,27 @@
           <a:lstStyle/>
           <a:p>
             <a:r>
-              <a:rPr kumimoji="1" lang="ja-JP" altLang="en-US" sz="5400" dirty="0"/>
+              <a:rPr lang="ja-JP" altLang="en-US" dirty="0"/>
               <a:t>チャンネルシークレットの取得</a:t>
             </a:r>
-          </a:p>
-        </p:txBody>
-      </p:sp>
-      <p:sp>
-        <p:nvSpPr>
-          <p:cNvPr id="3" name="テキスト プレースホルダー 2">
-            <a:extLst>
-              <a:ext uri="{FF2B5EF4-FFF2-40B4-BE49-F238E27FC236}">
-                <a16:creationId xmlns:a16="http://schemas.microsoft.com/office/drawing/2014/main" id="{2436D758-7FD9-DD61-37F3-C9539A617728}"/>
-              </a:ext>
-            </a:extLst>
-          </p:cNvPr>
-          <p:cNvSpPr>
-            <a:spLocks noGrp="1"/>
-          </p:cNvSpPr>
-          <p:nvPr>
-            <p:ph type="body" idx="1"/>
+            <a:endParaRPr kumimoji="1" lang="ja-JP" altLang="en-US" dirty="0"/>
+          </a:p>
+        </p:txBody>
+      </p:sp>
+      <p:sp>
+        <p:nvSpPr>
+          <p:cNvPr id="4" name="テキスト プレースホルダー 3">
+            <a:extLst>
+              <a:ext uri="{FF2B5EF4-FFF2-40B4-BE49-F238E27FC236}">
+                <a16:creationId xmlns:a16="http://schemas.microsoft.com/office/drawing/2014/main" id="{51DF1AA3-0B77-B5F7-4F26-7C295F9EBC30}"/>
+              </a:ext>
+            </a:extLst>
+          </p:cNvPr>
+          <p:cNvSpPr>
+            <a:spLocks noGrp="1"/>
+          </p:cNvSpPr>
+          <p:nvPr>
+            <p:ph type="body" sz="half" idx="2"/>
           </p:nvPr>
         </p:nvSpPr>
         <p:spPr/>
@@ -5040,15 +4995,52 @@
           <a:p>
             <a:r>
               <a:rPr kumimoji="1" lang="ja-JP" altLang="en-US" dirty="0"/>
-              <a:t>チャネルアクセストークンを発行するまで</a:t>
-            </a:r>
-          </a:p>
-        </p:txBody>
-      </p:sp>
+              <a:t>ページ下部へスクロール</a:t>
+            </a:r>
+            <a:endParaRPr kumimoji="1" lang="en-US" altLang="ja-JP" dirty="0">
+              <a:highlight>
+                <a:srgbClr val="FFFF00"/>
+              </a:highlight>
+            </a:endParaRPr>
+          </a:p>
+        </p:txBody>
+      </p:sp>
+      <p:pic>
+        <p:nvPicPr>
+          <p:cNvPr id="8" name="コンテンツ プレースホルダー 7">
+            <a:extLst>
+              <a:ext uri="{FF2B5EF4-FFF2-40B4-BE49-F238E27FC236}">
+                <a16:creationId xmlns:a16="http://schemas.microsoft.com/office/drawing/2014/main" id="{04724CE2-8316-B914-9216-4058D92D7108}"/>
+              </a:ext>
+            </a:extLst>
+          </p:cNvPr>
+          <p:cNvPicPr>
+            <a:picLocks noGrp="1" noChangeAspect="1"/>
+          </p:cNvPicPr>
+          <p:nvPr>
+            <p:ph idx="1"/>
+          </p:nvPr>
+        </p:nvPicPr>
+        <p:blipFill>
+          <a:blip r:embed="rId2"/>
+          <a:stretch>
+            <a:fillRect/>
+          </a:stretch>
+        </p:blipFill>
+        <p:spPr>
+          <a:xfrm>
+            <a:off x="5457581" y="987425"/>
+            <a:ext cx="5623413" cy="4873625"/>
+          </a:xfrm>
+          <a:prstGeom prst="rect">
+            <a:avLst/>
+          </a:prstGeom>
+        </p:spPr>
+      </p:pic>
     </p:spTree>
     <p:extLst>
       <p:ext uri="{BB962C8B-B14F-4D97-AF65-F5344CB8AC3E}">
-        <p14:creationId xmlns:p14="http://schemas.microsoft.com/office/powerpoint/2010/main" val="1763598193"/>
+        <p14:creationId xmlns:p14="http://schemas.microsoft.com/office/powerpoint/2010/main" val="2895528932"/>
       </p:ext>
     </p:extLst>
   </p:cSld>
@@ -5245,132 +5237,6 @@
           <a:lstStyle/>
           <a:p>
             <a:r>
-              <a:rPr kumimoji="1" lang="ja-JP" altLang="en-US" dirty="0"/>
-              <a:t>ページ下部へスクロール</a:t>
-            </a:r>
-            <a:endParaRPr kumimoji="1" lang="en-US" altLang="ja-JP" dirty="0">
-              <a:highlight>
-                <a:srgbClr val="FFFF00"/>
-              </a:highlight>
-            </a:endParaRPr>
-          </a:p>
-        </p:txBody>
-      </p:sp>
-      <p:pic>
-        <p:nvPicPr>
-          <p:cNvPr id="8" name="コンテンツ プレースホルダー 7">
-            <a:extLst>
-              <a:ext uri="{FF2B5EF4-FFF2-40B4-BE49-F238E27FC236}">
-                <a16:creationId xmlns:a16="http://schemas.microsoft.com/office/drawing/2014/main" id="{04724CE2-8316-B914-9216-4058D92D7108}"/>
-              </a:ext>
-            </a:extLst>
-          </p:cNvPr>
-          <p:cNvPicPr>
-            <a:picLocks noGrp="1" noChangeAspect="1"/>
-          </p:cNvPicPr>
-          <p:nvPr>
-            <p:ph idx="1"/>
-          </p:nvPr>
-        </p:nvPicPr>
-        <p:blipFill>
-          <a:blip r:embed="rId2"/>
-          <a:stretch>
-            <a:fillRect/>
-          </a:stretch>
-        </p:blipFill>
-        <p:spPr>
-          <a:xfrm>
-            <a:off x="5457581" y="987425"/>
-            <a:ext cx="5623413" cy="4873625"/>
-          </a:xfrm>
-          <a:prstGeom prst="rect">
-            <a:avLst/>
-          </a:prstGeom>
-        </p:spPr>
-      </p:pic>
-    </p:spTree>
-    <p:extLst>
-      <p:ext uri="{BB962C8B-B14F-4D97-AF65-F5344CB8AC3E}">
-        <p14:creationId xmlns:p14="http://schemas.microsoft.com/office/powerpoint/2010/main" val="2895528932"/>
-      </p:ext>
-    </p:extLst>
-  </p:cSld>
-  <p:clrMapOvr>
-    <a:masterClrMapping/>
-  </p:clrMapOvr>
-</p:sld>
-</file>
-
-<file path=ppt/slides/slide21.xml><?xml version="1.0" encoding="utf-8"?>
-<p:sld xmlns:a="http://schemas.openxmlformats.org/drawingml/2006/main" xmlns:r="http://schemas.openxmlformats.org/officeDocument/2006/relationships" xmlns:p="http://schemas.openxmlformats.org/presentationml/2006/main">
-  <p:cSld>
-    <p:spTree>
-      <p:nvGrpSpPr>
-        <p:cNvPr id="1" name=""/>
-        <p:cNvGrpSpPr/>
-        <p:nvPr/>
-      </p:nvGrpSpPr>
-      <p:grpSpPr>
-        <a:xfrm>
-          <a:off x="0" y="0"/>
-          <a:ext cx="0" cy="0"/>
-          <a:chOff x="0" y="0"/>
-          <a:chExt cx="0" cy="0"/>
-        </a:xfrm>
-      </p:grpSpPr>
-      <p:sp>
-        <p:nvSpPr>
-          <p:cNvPr id="2" name="タイトル 1">
-            <a:extLst>
-              <a:ext uri="{FF2B5EF4-FFF2-40B4-BE49-F238E27FC236}">
-                <a16:creationId xmlns:a16="http://schemas.microsoft.com/office/drawing/2014/main" id="{2631599D-BB4F-F745-4F36-CF3F2A482E41}"/>
-              </a:ext>
-            </a:extLst>
-          </p:cNvPr>
-          <p:cNvSpPr>
-            <a:spLocks noGrp="1"/>
-          </p:cNvSpPr>
-          <p:nvPr>
-            <p:ph type="title"/>
-          </p:nvPr>
-        </p:nvSpPr>
-        <p:spPr/>
-        <p:txBody>
-          <a:bodyPr>
-            <a:normAutofit/>
-          </a:bodyPr>
-          <a:lstStyle/>
-          <a:p>
-            <a:r>
-              <a:rPr lang="ja-JP" altLang="en-US" dirty="0"/>
-              <a:t>チャンネルシークレットの取得</a:t>
-            </a:r>
-            <a:endParaRPr kumimoji="1" lang="ja-JP" altLang="en-US" dirty="0"/>
-          </a:p>
-        </p:txBody>
-      </p:sp>
-      <p:sp>
-        <p:nvSpPr>
-          <p:cNvPr id="4" name="テキスト プレースホルダー 3">
-            <a:extLst>
-              <a:ext uri="{FF2B5EF4-FFF2-40B4-BE49-F238E27FC236}">
-                <a16:creationId xmlns:a16="http://schemas.microsoft.com/office/drawing/2014/main" id="{51DF1AA3-0B77-B5F7-4F26-7C295F9EBC30}"/>
-              </a:ext>
-            </a:extLst>
-          </p:cNvPr>
-          <p:cNvSpPr>
-            <a:spLocks noGrp="1"/>
-          </p:cNvSpPr>
-          <p:nvPr>
-            <p:ph type="body" sz="half" idx="2"/>
-          </p:nvPr>
-        </p:nvSpPr>
-        <p:spPr/>
-        <p:txBody>
-          <a:bodyPr/>
-          <a:lstStyle/>
-          <a:p>
-            <a:r>
               <a:rPr kumimoji="1" lang="ja-JP" altLang="en-US" dirty="0">
                 <a:highlight>
                   <a:srgbClr val="FFFF00"/>
@@ -5428,7 +5294,7 @@
 </p:sld>
 </file>
 
-<file path=ppt/slides/slide22.xml><?xml version="1.0" encoding="utf-8"?>
+<file path=ppt/slides/slide21.xml><?xml version="1.0" encoding="utf-8"?>
 <p:sld xmlns:a="http://schemas.openxmlformats.org/drawingml/2006/main" xmlns:r="http://schemas.openxmlformats.org/officeDocument/2006/relationships" xmlns:p="http://schemas.openxmlformats.org/presentationml/2006/main">
   <p:cSld>
     <p:spTree>
@@ -5539,7 +5405,7 @@
 </p:sld>
 </file>
 
-<file path=ppt/slides/slide23.xml><?xml version="1.0" encoding="utf-8"?>
+<file path=ppt/slides/slide22.xml><?xml version="1.0" encoding="utf-8"?>
 <p:sld xmlns:a="http://schemas.openxmlformats.org/drawingml/2006/main" xmlns:r="http://schemas.openxmlformats.org/officeDocument/2006/relationships" xmlns:p="http://schemas.openxmlformats.org/presentationml/2006/main">
   <p:cSld>
     <p:spTree>
@@ -5701,7 +5567,7 @@
 </p:sld>
 </file>
 
-<file path=ppt/slides/slide24.xml><?xml version="1.0" encoding="utf-8"?>
+<file path=ppt/slides/slide23.xml><?xml version="1.0" encoding="utf-8"?>
 <p:sld xmlns:a="http://schemas.openxmlformats.org/drawingml/2006/main" xmlns:r="http://schemas.openxmlformats.org/officeDocument/2006/relationships" xmlns:p="http://schemas.openxmlformats.org/presentationml/2006/main">
   <p:cSld>
     <p:spTree>
@@ -5944,6 +5810,92 @@
 </p:sld>
 </file>
 
+<file path=ppt/slides/slide24.xml><?xml version="1.0" encoding="utf-8"?>
+<p:sld xmlns:a="http://schemas.openxmlformats.org/drawingml/2006/main" xmlns:r="http://schemas.openxmlformats.org/officeDocument/2006/relationships" xmlns:p="http://schemas.openxmlformats.org/presentationml/2006/main">
+  <p:cSld>
+    <p:spTree>
+      <p:nvGrpSpPr>
+        <p:cNvPr id="1" name=""/>
+        <p:cNvGrpSpPr/>
+        <p:nvPr/>
+      </p:nvGrpSpPr>
+      <p:grpSpPr>
+        <a:xfrm>
+          <a:off x="0" y="0"/>
+          <a:ext cx="0" cy="0"/>
+          <a:chOff x="0" y="0"/>
+          <a:chExt cx="0" cy="0"/>
+        </a:xfrm>
+      </p:grpSpPr>
+      <p:sp>
+        <p:nvSpPr>
+          <p:cNvPr id="2" name="タイトル 1">
+            <a:extLst>
+              <a:ext uri="{FF2B5EF4-FFF2-40B4-BE49-F238E27FC236}">
+                <a16:creationId xmlns:a16="http://schemas.microsoft.com/office/drawing/2014/main" id="{6E3713EE-88A4-814E-18F7-8580E24A1BBC}"/>
+              </a:ext>
+            </a:extLst>
+          </p:cNvPr>
+          <p:cNvSpPr>
+            <a:spLocks noGrp="1"/>
+          </p:cNvSpPr>
+          <p:nvPr>
+            <p:ph type="title"/>
+          </p:nvPr>
+        </p:nvSpPr>
+        <p:spPr/>
+        <p:txBody>
+          <a:bodyPr/>
+          <a:lstStyle/>
+          <a:p>
+            <a:r>
+              <a:rPr kumimoji="1" lang="ja-JP" altLang="en-US" dirty="0"/>
+              <a:t>おうむ返しさせてみよう</a:t>
+            </a:r>
+          </a:p>
+        </p:txBody>
+      </p:sp>
+      <p:sp>
+        <p:nvSpPr>
+          <p:cNvPr id="3" name="テキスト プレースホルダー 2">
+            <a:extLst>
+              <a:ext uri="{FF2B5EF4-FFF2-40B4-BE49-F238E27FC236}">
+                <a16:creationId xmlns:a16="http://schemas.microsoft.com/office/drawing/2014/main" id="{2436D758-7FD9-DD61-37F3-C9539A617728}"/>
+              </a:ext>
+            </a:extLst>
+          </p:cNvPr>
+          <p:cNvSpPr>
+            <a:spLocks noGrp="1"/>
+          </p:cNvSpPr>
+          <p:nvPr>
+            <p:ph type="body" idx="1"/>
+          </p:nvPr>
+        </p:nvSpPr>
+        <p:spPr/>
+        <p:txBody>
+          <a:bodyPr/>
+          <a:lstStyle/>
+          <a:p>
+            <a:r>
+              <a:rPr kumimoji="1" lang="ja-JP" altLang="en-US" dirty="0"/>
+              <a:t>サンプルコードを見てみよう</a:t>
+            </a:r>
+          </a:p>
+        </p:txBody>
+      </p:sp>
+    </p:spTree>
+    <p:extLst>
+      <p:ext uri="{BB962C8B-B14F-4D97-AF65-F5344CB8AC3E}">
+        <p14:creationId xmlns:p14="http://schemas.microsoft.com/office/powerpoint/2010/main" val="2048464854"/>
+      </p:ext>
+    </p:extLst>
+  </p:cSld>
+  <p:clrMapOvr>
+    <a:masterClrMapping/>
+  </p:clrMapOvr>
+</p:sld>
+</file>
+
 <file path=ppt/slides/slide25.xml><?xml version="1.0" encoding="utf-8"?>
 <p:sld xmlns:a="http://schemas.openxmlformats.org/drawingml/2006/main" xmlns:r="http://schemas.openxmlformats.org/officeDocument/2006/relationships" xmlns:p="http://schemas.openxmlformats.org/presentationml/2006/main">
   <p:cSld>
@@ -5966,92 +5918,6 @@
           <p:cNvPr id="2" name="タイトル 1">
             <a:extLst>
               <a:ext uri="{FF2B5EF4-FFF2-40B4-BE49-F238E27FC236}">
-                <a16:creationId xmlns:a16="http://schemas.microsoft.com/office/drawing/2014/main" id="{6E3713EE-88A4-814E-18F7-8580E24A1BBC}"/>
-              </a:ext>
-            </a:extLst>
-          </p:cNvPr>
-          <p:cNvSpPr>
-            <a:spLocks noGrp="1"/>
-          </p:cNvSpPr>
-          <p:nvPr>
-            <p:ph type="title"/>
-          </p:nvPr>
-        </p:nvSpPr>
-        <p:spPr/>
-        <p:txBody>
-          <a:bodyPr/>
-          <a:lstStyle/>
-          <a:p>
-            <a:r>
-              <a:rPr kumimoji="1" lang="ja-JP" altLang="en-US" dirty="0"/>
-              <a:t>おうむ返しさせてみよう</a:t>
-            </a:r>
-          </a:p>
-        </p:txBody>
-      </p:sp>
-      <p:sp>
-        <p:nvSpPr>
-          <p:cNvPr id="3" name="テキスト プレースホルダー 2">
-            <a:extLst>
-              <a:ext uri="{FF2B5EF4-FFF2-40B4-BE49-F238E27FC236}">
-                <a16:creationId xmlns:a16="http://schemas.microsoft.com/office/drawing/2014/main" id="{2436D758-7FD9-DD61-37F3-C9539A617728}"/>
-              </a:ext>
-            </a:extLst>
-          </p:cNvPr>
-          <p:cNvSpPr>
-            <a:spLocks noGrp="1"/>
-          </p:cNvSpPr>
-          <p:nvPr>
-            <p:ph type="body" idx="1"/>
-          </p:nvPr>
-        </p:nvSpPr>
-        <p:spPr/>
-        <p:txBody>
-          <a:bodyPr/>
-          <a:lstStyle/>
-          <a:p>
-            <a:r>
-              <a:rPr kumimoji="1" lang="ja-JP" altLang="en-US" dirty="0"/>
-              <a:t>サンプルコードを見てみよう</a:t>
-            </a:r>
-          </a:p>
-        </p:txBody>
-      </p:sp>
-    </p:spTree>
-    <p:extLst>
-      <p:ext uri="{BB962C8B-B14F-4D97-AF65-F5344CB8AC3E}">
-        <p14:creationId xmlns:p14="http://schemas.microsoft.com/office/powerpoint/2010/main" val="2048464854"/>
-      </p:ext>
-    </p:extLst>
-  </p:cSld>
-  <p:clrMapOvr>
-    <a:masterClrMapping/>
-  </p:clrMapOvr>
-</p:sld>
-</file>
-
-<file path=ppt/slides/slide26.xml><?xml version="1.0" encoding="utf-8"?>
-<p:sld xmlns:a="http://schemas.openxmlformats.org/drawingml/2006/main" xmlns:r="http://schemas.openxmlformats.org/officeDocument/2006/relationships" xmlns:p="http://schemas.openxmlformats.org/presentationml/2006/main">
-  <p:cSld>
-    <p:spTree>
-      <p:nvGrpSpPr>
-        <p:cNvPr id="1" name=""/>
-        <p:cNvGrpSpPr/>
-        <p:nvPr/>
-      </p:nvGrpSpPr>
-      <p:grpSpPr>
-        <a:xfrm>
-          <a:off x="0" y="0"/>
-          <a:ext cx="0" cy="0"/>
-          <a:chOff x="0" y="0"/>
-          <a:chExt cx="0" cy="0"/>
-        </a:xfrm>
-      </p:grpSpPr>
-      <p:sp>
-        <p:nvSpPr>
-          <p:cNvPr id="2" name="タイトル 1">
-            <a:extLst>
-              <a:ext uri="{FF2B5EF4-FFF2-40B4-BE49-F238E27FC236}">
                 <a16:creationId xmlns:a16="http://schemas.microsoft.com/office/drawing/2014/main" id="{3F8C3531-1E6B-6471-4C80-CFB33D26503C}"/>
               </a:ext>
             </a:extLst>
@@ -6854,7 +6720,7 @@
 </p:sld>
 </file>
 
-<file path=ppt/slides/slide27.xml><?xml version="1.0" encoding="utf-8"?>
+<file path=ppt/slides/slide26.xml><?xml version="1.0" encoding="utf-8"?>
 <p:sld xmlns:a="http://schemas.openxmlformats.org/drawingml/2006/main" xmlns:r="http://schemas.openxmlformats.org/officeDocument/2006/relationships" xmlns:p="http://schemas.openxmlformats.org/presentationml/2006/main">
   <p:cSld>
     <p:spTree>
@@ -7904,97 +7770,6 @@
           <p:cNvPr id="2" name="タイトル 1">
             <a:extLst>
               <a:ext uri="{FF2B5EF4-FFF2-40B4-BE49-F238E27FC236}">
-                <a16:creationId xmlns:a16="http://schemas.microsoft.com/office/drawing/2014/main" id="{6E3713EE-88A4-814E-18F7-8580E24A1BBC}"/>
-              </a:ext>
-            </a:extLst>
-          </p:cNvPr>
-          <p:cNvSpPr>
-            <a:spLocks noGrp="1"/>
-          </p:cNvSpPr>
-          <p:nvPr>
-            <p:ph type="title"/>
-          </p:nvPr>
-        </p:nvSpPr>
-        <p:spPr/>
-        <p:txBody>
-          <a:bodyPr/>
-          <a:lstStyle/>
-          <a:p>
-            <a:r>
-              <a:rPr lang="en-US" altLang="ja-JP" strike="sngStrike" dirty="0"/>
-              <a:t>48v.me</a:t>
-            </a:r>
-            <a:r>
-              <a:rPr lang="ja-JP" altLang="en-US" strike="sngStrike" dirty="0"/>
-              <a:t>にアップロード</a:t>
-            </a:r>
-            <a:endParaRPr kumimoji="1" lang="ja-JP" altLang="en-US" strike="sngStrike" dirty="0"/>
-          </a:p>
-        </p:txBody>
-      </p:sp>
-      <p:sp>
-        <p:nvSpPr>
-          <p:cNvPr id="3" name="テキスト プレースホルダー 2">
-            <a:extLst>
-              <a:ext uri="{FF2B5EF4-FFF2-40B4-BE49-F238E27FC236}">
-                <a16:creationId xmlns:a16="http://schemas.microsoft.com/office/drawing/2014/main" id="{2436D758-7FD9-DD61-37F3-C9539A617728}"/>
-              </a:ext>
-            </a:extLst>
-          </p:cNvPr>
-          <p:cNvSpPr>
-            <a:spLocks noGrp="1"/>
-          </p:cNvSpPr>
-          <p:nvPr>
-            <p:ph type="body" idx="1"/>
-          </p:nvPr>
-        </p:nvSpPr>
-        <p:spPr/>
-        <p:txBody>
-          <a:bodyPr/>
-          <a:lstStyle/>
-          <a:p>
-            <a:r>
-              <a:rPr kumimoji="1" lang="ja-JP" altLang="en-US" dirty="0"/>
-              <a:t>未定</a:t>
-            </a:r>
-          </a:p>
-        </p:txBody>
-      </p:sp>
-    </p:spTree>
-    <p:extLst>
-      <p:ext uri="{BB962C8B-B14F-4D97-AF65-F5344CB8AC3E}">
-        <p14:creationId xmlns:p14="http://schemas.microsoft.com/office/powerpoint/2010/main" val="1681263845"/>
-      </p:ext>
-    </p:extLst>
-  </p:cSld>
-  <p:clrMapOvr>
-    <a:masterClrMapping/>
-  </p:clrMapOvr>
-</p:sld>
-</file>
-
-<file path=ppt/slides/slide6.xml><?xml version="1.0" encoding="utf-8"?>
-<p:sld xmlns:a="http://schemas.openxmlformats.org/drawingml/2006/main" xmlns:r="http://schemas.openxmlformats.org/officeDocument/2006/relationships" xmlns:p="http://schemas.openxmlformats.org/presentationml/2006/main">
-  <p:cSld>
-    <p:spTree>
-      <p:nvGrpSpPr>
-        <p:cNvPr id="1" name=""/>
-        <p:cNvGrpSpPr/>
-        <p:nvPr/>
-      </p:nvGrpSpPr>
-      <p:grpSpPr>
-        <a:xfrm>
-          <a:off x="0" y="0"/>
-          <a:ext cx="0" cy="0"/>
-          <a:chOff x="0" y="0"/>
-          <a:chExt cx="0" cy="0"/>
-        </a:xfrm>
-      </p:grpSpPr>
-      <p:sp>
-        <p:nvSpPr>
-          <p:cNvPr id="2" name="タイトル 1">
-            <a:extLst>
-              <a:ext uri="{FF2B5EF4-FFF2-40B4-BE49-F238E27FC236}">
                 <a16:creationId xmlns:a16="http://schemas.microsoft.com/office/drawing/2014/main" id="{6DF7D7FF-7ABE-BBB9-5446-77125BA30D0E}"/>
               </a:ext>
             </a:extLst>
@@ -8076,7 +7851,7 @@
 </p:sld>
 </file>
 
-<file path=ppt/slides/slide7.xml><?xml version="1.0" encoding="utf-8"?>
+<file path=ppt/slides/slide6.xml><?xml version="1.0" encoding="utf-8"?>
 <p:sld xmlns:a="http://schemas.openxmlformats.org/drawingml/2006/main" xmlns:r="http://schemas.openxmlformats.org/officeDocument/2006/relationships" xmlns:p="http://schemas.openxmlformats.org/presentationml/2006/main">
   <p:cSld>
     <p:spTree>
@@ -8213,7 +7988,7 @@
 </p:sld>
 </file>
 
-<file path=ppt/slides/slide8.xml><?xml version="1.0" encoding="utf-8"?>
+<file path=ppt/slides/slide7.xml><?xml version="1.0" encoding="utf-8"?>
 <p:sld xmlns:a="http://schemas.openxmlformats.org/drawingml/2006/main" xmlns:r="http://schemas.openxmlformats.org/officeDocument/2006/relationships" xmlns:p="http://schemas.openxmlformats.org/presentationml/2006/main">
   <p:cSld>
     <p:spTree>
@@ -8344,7 +8119,7 @@
 </p:sld>
 </file>
 
-<file path=ppt/slides/slide9.xml><?xml version="1.0" encoding="utf-8"?>
+<file path=ppt/slides/slide8.xml><?xml version="1.0" encoding="utf-8"?>
 <p:sld xmlns:a="http://schemas.openxmlformats.org/drawingml/2006/main" xmlns:r="http://schemas.openxmlformats.org/officeDocument/2006/relationships" xmlns:p="http://schemas.openxmlformats.org/presentationml/2006/main">
   <p:cSld>
     <p:spTree>
@@ -8468,6 +8243,139 @@
     <p:extLst>
       <p:ext uri="{BB962C8B-B14F-4D97-AF65-F5344CB8AC3E}">
         <p14:creationId xmlns:p14="http://schemas.microsoft.com/office/powerpoint/2010/main" val="2346214236"/>
+      </p:ext>
+    </p:extLst>
+  </p:cSld>
+  <p:clrMapOvr>
+    <a:masterClrMapping/>
+  </p:clrMapOvr>
+</p:sld>
+</file>
+
+<file path=ppt/slides/slide9.xml><?xml version="1.0" encoding="utf-8"?>
+<p:sld xmlns:a="http://schemas.openxmlformats.org/drawingml/2006/main" xmlns:r="http://schemas.openxmlformats.org/officeDocument/2006/relationships" xmlns:p="http://schemas.openxmlformats.org/presentationml/2006/main">
+  <p:cSld>
+    <p:spTree>
+      <p:nvGrpSpPr>
+        <p:cNvPr id="1" name=""/>
+        <p:cNvGrpSpPr/>
+        <p:nvPr/>
+      </p:nvGrpSpPr>
+      <p:grpSpPr>
+        <a:xfrm>
+          <a:off x="0" y="0"/>
+          <a:ext cx="0" cy="0"/>
+          <a:chOff x="0" y="0"/>
+          <a:chExt cx="0" cy="0"/>
+        </a:xfrm>
+      </p:grpSpPr>
+      <p:sp>
+        <p:nvSpPr>
+          <p:cNvPr id="2" name="タイトル 1">
+            <a:extLst>
+              <a:ext uri="{FF2B5EF4-FFF2-40B4-BE49-F238E27FC236}">
+                <a16:creationId xmlns:a16="http://schemas.microsoft.com/office/drawing/2014/main" id="{2631599D-BB4F-F745-4F36-CF3F2A482E41}"/>
+              </a:ext>
+            </a:extLst>
+          </p:cNvPr>
+          <p:cNvSpPr>
+            <a:spLocks noGrp="1"/>
+          </p:cNvSpPr>
+          <p:nvPr>
+            <p:ph type="title"/>
+          </p:nvPr>
+        </p:nvSpPr>
+        <p:spPr/>
+        <p:txBody>
+          <a:bodyPr>
+            <a:normAutofit/>
+          </a:bodyPr>
+          <a:lstStyle/>
+          <a:p>
+            <a:r>
+              <a:rPr lang="en-US" altLang="ja-JP" dirty="0"/>
+              <a:t>LINE</a:t>
+            </a:r>
+            <a:r>
+              <a:rPr lang="ja-JP" altLang="en-US" dirty="0"/>
+              <a:t> </a:t>
+            </a:r>
+            <a:r>
+              <a:rPr lang="en-US" altLang="ja-JP" dirty="0"/>
+              <a:t>Developers</a:t>
+            </a:r>
+            <a:br>
+              <a:rPr lang="en-US" altLang="ja-JP" dirty="0"/>
+            </a:br>
+            <a:r>
+              <a:rPr lang="ja-JP" altLang="en-US" b="0" i="0" dirty="0">
+                <a:effectLst/>
+                <a:latin typeface="Roboto" panose="020F0502020204030204" pitchFamily="2" charset="0"/>
+              </a:rPr>
+              <a:t>新規プロバイダー作成</a:t>
+            </a:r>
+            <a:endParaRPr kumimoji="1" lang="ja-JP" altLang="en-US" dirty="0"/>
+          </a:p>
+        </p:txBody>
+      </p:sp>
+      <p:sp>
+        <p:nvSpPr>
+          <p:cNvPr id="4" name="テキスト プレースホルダー 3">
+            <a:extLst>
+              <a:ext uri="{FF2B5EF4-FFF2-40B4-BE49-F238E27FC236}">
+                <a16:creationId xmlns:a16="http://schemas.microsoft.com/office/drawing/2014/main" id="{51DF1AA3-0B77-B5F7-4F26-7C295F9EBC30}"/>
+              </a:ext>
+            </a:extLst>
+          </p:cNvPr>
+          <p:cNvSpPr>
+            <a:spLocks noGrp="1"/>
+          </p:cNvSpPr>
+          <p:nvPr>
+            <p:ph type="body" sz="half" idx="2"/>
+          </p:nvPr>
+        </p:nvSpPr>
+        <p:spPr/>
+        <p:txBody>
+          <a:bodyPr/>
+          <a:lstStyle/>
+          <a:p>
+            <a:endParaRPr kumimoji="1" lang="ja-JP" altLang="en-US" dirty="0"/>
+          </a:p>
+        </p:txBody>
+      </p:sp>
+      <p:pic>
+        <p:nvPicPr>
+          <p:cNvPr id="7" name="コンテンツ プレースホルダー 6">
+            <a:extLst>
+              <a:ext uri="{FF2B5EF4-FFF2-40B4-BE49-F238E27FC236}">
+                <a16:creationId xmlns:a16="http://schemas.microsoft.com/office/drawing/2014/main" id="{E746B099-B9E7-AE95-95A6-F56FBE09EDC2}"/>
+              </a:ext>
+            </a:extLst>
+          </p:cNvPr>
+          <p:cNvPicPr>
+            <a:picLocks noGrp="1" noChangeAspect="1"/>
+          </p:cNvPicPr>
+          <p:nvPr>
+            <p:ph idx="1"/>
+          </p:nvPr>
+        </p:nvPicPr>
+        <p:blipFill>
+          <a:blip r:embed="rId2"/>
+          <a:stretch>
+            <a:fillRect/>
+          </a:stretch>
+        </p:blipFill>
+        <p:spPr>
+          <a:xfrm>
+            <a:off x="5457581" y="987425"/>
+            <a:ext cx="5623413" cy="4873625"/>
+          </a:xfrm>
+        </p:spPr>
+      </p:pic>
+    </p:spTree>
+    <p:extLst>
+      <p:ext uri="{BB962C8B-B14F-4D97-AF65-F5344CB8AC3E}">
+        <p14:creationId xmlns:p14="http://schemas.microsoft.com/office/powerpoint/2010/main" val="3156597588"/>
       </p:ext>
     </p:extLst>
   </p:cSld>

--- a/README.pptx
+++ b/README.pptx
@@ -4,6 +4,9 @@
   <p:sldMasterIdLst>
     <p:sldMasterId id="2147483648" r:id="rId1"/>
   </p:sldMasterIdLst>
+  <p:notesMasterIdLst>
+    <p:notesMasterId r:id="rId28"/>
+  </p:notesMasterIdLst>
   <p:sldIdLst>
     <p:sldId id="256" r:id="rId2"/>
     <p:sldId id="259" r:id="rId3"/>
@@ -137,6 +140,387 @@
 </p:presentation>
 </file>
 
+<file path=ppt/notesMasters/notesMaster1.xml><?xml version="1.0" encoding="utf-8"?>
+<p:notesMaster xmlns:a="http://schemas.openxmlformats.org/drawingml/2006/main" xmlns:r="http://schemas.openxmlformats.org/officeDocument/2006/relationships" xmlns:p="http://schemas.openxmlformats.org/presentationml/2006/main">
+  <p:cSld>
+    <p:bg>
+      <p:bgRef idx="1001">
+        <a:schemeClr val="bg1"/>
+      </p:bgRef>
+    </p:bg>
+    <p:spTree>
+      <p:nvGrpSpPr>
+        <p:cNvPr id="1" name=""/>
+        <p:cNvGrpSpPr/>
+        <p:nvPr/>
+      </p:nvGrpSpPr>
+      <p:grpSpPr>
+        <a:xfrm>
+          <a:off x="0" y="0"/>
+          <a:ext cx="0" cy="0"/>
+          <a:chOff x="0" y="0"/>
+          <a:chExt cx="0" cy="0"/>
+        </a:xfrm>
+      </p:grpSpPr>
+      <p:sp>
+        <p:nvSpPr>
+          <p:cNvPr id="2" name="ヘッダー プレースホルダー 1"/>
+          <p:cNvSpPr>
+            <a:spLocks noGrp="1"/>
+          </p:cNvSpPr>
+          <p:nvPr>
+            <p:ph type="hdr" sz="quarter"/>
+          </p:nvPr>
+        </p:nvSpPr>
+        <p:spPr>
+          <a:xfrm>
+            <a:off x="0" y="0"/>
+            <a:ext cx="2971800" cy="458788"/>
+          </a:xfrm>
+          <a:prstGeom prst="rect">
+            <a:avLst/>
+          </a:prstGeom>
+        </p:spPr>
+        <p:txBody>
+          <a:bodyPr vert="horz" lIns="91440" tIns="45720" rIns="91440" bIns="45720" rtlCol="0"/>
+          <a:lstStyle>
+            <a:lvl1pPr algn="l">
+              <a:defRPr sz="1200"/>
+            </a:lvl1pPr>
+          </a:lstStyle>
+          <a:p>
+            <a:endParaRPr kumimoji="1" lang="ja-JP" altLang="en-US"/>
+          </a:p>
+        </p:txBody>
+      </p:sp>
+      <p:sp>
+        <p:nvSpPr>
+          <p:cNvPr id="3" name="日付プレースホルダー 2"/>
+          <p:cNvSpPr>
+            <a:spLocks noGrp="1"/>
+          </p:cNvSpPr>
+          <p:nvPr>
+            <p:ph type="dt" idx="1"/>
+          </p:nvPr>
+        </p:nvSpPr>
+        <p:spPr>
+          <a:xfrm>
+            <a:off x="3884613" y="0"/>
+            <a:ext cx="2971800" cy="458788"/>
+          </a:xfrm>
+          <a:prstGeom prst="rect">
+            <a:avLst/>
+          </a:prstGeom>
+        </p:spPr>
+        <p:txBody>
+          <a:bodyPr vert="horz" lIns="91440" tIns="45720" rIns="91440" bIns="45720" rtlCol="0"/>
+          <a:lstStyle>
+            <a:lvl1pPr algn="r">
+              <a:defRPr sz="1200"/>
+            </a:lvl1pPr>
+          </a:lstStyle>
+          <a:p>
+            <a:fld id="{2C4BEECF-D48F-48EE-A4F1-DCFF8F61ABA1}" type="datetimeFigureOut">
+              <a:rPr kumimoji="1" lang="ja-JP" altLang="en-US" smtClean="0"/>
+              <a:t>2024/5/22</a:t>
+            </a:fld>
+            <a:endParaRPr kumimoji="1" lang="ja-JP" altLang="en-US"/>
+          </a:p>
+        </p:txBody>
+      </p:sp>
+      <p:sp>
+        <p:nvSpPr>
+          <p:cNvPr id="4" name="スライド イメージ プレースホルダー 3"/>
+          <p:cNvSpPr>
+            <a:spLocks noGrp="1" noRot="1" noChangeAspect="1"/>
+          </p:cNvSpPr>
+          <p:nvPr>
+            <p:ph type="sldImg" idx="2"/>
+          </p:nvPr>
+        </p:nvSpPr>
+        <p:spPr>
+          <a:xfrm>
+            <a:off x="685800" y="1143000"/>
+            <a:ext cx="5486400" cy="3086100"/>
+          </a:xfrm>
+          <a:prstGeom prst="rect">
+            <a:avLst/>
+          </a:prstGeom>
+          <a:noFill/>
+          <a:ln w="12700">
+            <a:solidFill>
+              <a:prstClr val="black"/>
+            </a:solidFill>
+          </a:ln>
+        </p:spPr>
+        <p:txBody>
+          <a:bodyPr vert="horz" lIns="91440" tIns="45720" rIns="91440" bIns="45720" rtlCol="0" anchor="ctr"/>
+          <a:lstStyle/>
+          <a:p>
+            <a:endParaRPr lang="ja-JP" altLang="en-US"/>
+          </a:p>
+        </p:txBody>
+      </p:sp>
+      <p:sp>
+        <p:nvSpPr>
+          <p:cNvPr id="5" name="ノート プレースホルダー 4"/>
+          <p:cNvSpPr>
+            <a:spLocks noGrp="1"/>
+          </p:cNvSpPr>
+          <p:nvPr>
+            <p:ph type="body" sz="quarter" idx="3"/>
+          </p:nvPr>
+        </p:nvSpPr>
+        <p:spPr>
+          <a:xfrm>
+            <a:off x="685800" y="4400550"/>
+            <a:ext cx="5486400" cy="3600450"/>
+          </a:xfrm>
+          <a:prstGeom prst="rect">
+            <a:avLst/>
+          </a:prstGeom>
+        </p:spPr>
+        <p:txBody>
+          <a:bodyPr vert="horz" lIns="91440" tIns="45720" rIns="91440" bIns="45720" rtlCol="0"/>
+          <a:lstStyle/>
+          <a:p>
+            <a:pPr lvl="0"/>
+            <a:r>
+              <a:rPr kumimoji="1" lang="ja-JP" altLang="en-US"/>
+              <a:t>マスター テキストの書式設定</a:t>
+            </a:r>
+          </a:p>
+          <a:p>
+            <a:pPr lvl="1"/>
+            <a:r>
+              <a:rPr kumimoji="1" lang="ja-JP" altLang="en-US"/>
+              <a:t>第 </a:t>
+            </a:r>
+            <a:r>
+              <a:rPr kumimoji="1" lang="en-US" altLang="ja-JP"/>
+              <a:t>2 </a:t>
+            </a:r>
+            <a:r>
+              <a:rPr kumimoji="1" lang="ja-JP" altLang="en-US"/>
+              <a:t>レベル</a:t>
+            </a:r>
+          </a:p>
+          <a:p>
+            <a:pPr lvl="2"/>
+            <a:r>
+              <a:rPr kumimoji="1" lang="ja-JP" altLang="en-US"/>
+              <a:t>第 </a:t>
+            </a:r>
+            <a:r>
+              <a:rPr kumimoji="1" lang="en-US" altLang="ja-JP"/>
+              <a:t>3 </a:t>
+            </a:r>
+            <a:r>
+              <a:rPr kumimoji="1" lang="ja-JP" altLang="en-US"/>
+              <a:t>レベル</a:t>
+            </a:r>
+          </a:p>
+          <a:p>
+            <a:pPr lvl="3"/>
+            <a:r>
+              <a:rPr kumimoji="1" lang="ja-JP" altLang="en-US"/>
+              <a:t>第 </a:t>
+            </a:r>
+            <a:r>
+              <a:rPr kumimoji="1" lang="en-US" altLang="ja-JP"/>
+              <a:t>4 </a:t>
+            </a:r>
+            <a:r>
+              <a:rPr kumimoji="1" lang="ja-JP" altLang="en-US"/>
+              <a:t>レベル</a:t>
+            </a:r>
+          </a:p>
+          <a:p>
+            <a:pPr lvl="4"/>
+            <a:r>
+              <a:rPr kumimoji="1" lang="ja-JP" altLang="en-US"/>
+              <a:t>第 </a:t>
+            </a:r>
+            <a:r>
+              <a:rPr kumimoji="1" lang="en-US" altLang="ja-JP"/>
+              <a:t>5 </a:t>
+            </a:r>
+            <a:r>
+              <a:rPr kumimoji="1" lang="ja-JP" altLang="en-US"/>
+              <a:t>レベル</a:t>
+            </a:r>
+          </a:p>
+        </p:txBody>
+      </p:sp>
+      <p:sp>
+        <p:nvSpPr>
+          <p:cNvPr id="6" name="フッター プレースホルダー 5"/>
+          <p:cNvSpPr>
+            <a:spLocks noGrp="1"/>
+          </p:cNvSpPr>
+          <p:nvPr>
+            <p:ph type="ftr" sz="quarter" idx="4"/>
+          </p:nvPr>
+        </p:nvSpPr>
+        <p:spPr>
+          <a:xfrm>
+            <a:off x="0" y="8685213"/>
+            <a:ext cx="2971800" cy="458787"/>
+          </a:xfrm>
+          <a:prstGeom prst="rect">
+            <a:avLst/>
+          </a:prstGeom>
+        </p:spPr>
+        <p:txBody>
+          <a:bodyPr vert="horz" lIns="91440" tIns="45720" rIns="91440" bIns="45720" rtlCol="0" anchor="b"/>
+          <a:lstStyle>
+            <a:lvl1pPr algn="l">
+              <a:defRPr sz="1200"/>
+            </a:lvl1pPr>
+          </a:lstStyle>
+          <a:p>
+            <a:endParaRPr kumimoji="1" lang="ja-JP" altLang="en-US"/>
+          </a:p>
+        </p:txBody>
+      </p:sp>
+      <p:sp>
+        <p:nvSpPr>
+          <p:cNvPr id="7" name="スライド番号プレースホルダー 6"/>
+          <p:cNvSpPr>
+            <a:spLocks noGrp="1"/>
+          </p:cNvSpPr>
+          <p:nvPr>
+            <p:ph type="sldNum" sz="quarter" idx="5"/>
+          </p:nvPr>
+        </p:nvSpPr>
+        <p:spPr>
+          <a:xfrm>
+            <a:off x="3884613" y="8685213"/>
+            <a:ext cx="2971800" cy="458787"/>
+          </a:xfrm>
+          <a:prstGeom prst="rect">
+            <a:avLst/>
+          </a:prstGeom>
+        </p:spPr>
+        <p:txBody>
+          <a:bodyPr vert="horz" lIns="91440" tIns="45720" rIns="91440" bIns="45720" rtlCol="0" anchor="b"/>
+          <a:lstStyle>
+            <a:lvl1pPr algn="r">
+              <a:defRPr sz="1200"/>
+            </a:lvl1pPr>
+          </a:lstStyle>
+          <a:p>
+            <a:fld id="{AD313B00-2FDC-4822-B0FA-48002AE886DC}" type="slidenum">
+              <a:rPr kumimoji="1" lang="ja-JP" altLang="en-US" smtClean="0"/>
+              <a:t>‹#›</a:t>
+            </a:fld>
+            <a:endParaRPr kumimoji="1" lang="ja-JP" altLang="en-US"/>
+          </a:p>
+        </p:txBody>
+      </p:sp>
+    </p:spTree>
+    <p:extLst>
+      <p:ext uri="{BB962C8B-B14F-4D97-AF65-F5344CB8AC3E}">
+        <p14:creationId xmlns:p14="http://schemas.microsoft.com/office/powerpoint/2010/main" val="717780003"/>
+      </p:ext>
+    </p:extLst>
+  </p:cSld>
+  <p:clrMap bg1="lt1" tx1="dk1" bg2="lt2" tx2="dk2" accent1="accent1" accent2="accent2" accent3="accent3" accent4="accent4" accent5="accent5" accent6="accent6" hlink="hlink" folHlink="folHlink"/>
+  <p:notesStyle>
+    <a:lvl1pPr marL="0" algn="l" defTabSz="914400" rtl="0" eaLnBrk="1" latinLnBrk="0" hangingPunct="1">
+      <a:defRPr kumimoji="1" sz="1200" kern="1200">
+        <a:solidFill>
+          <a:schemeClr val="tx1"/>
+        </a:solidFill>
+        <a:latin typeface="+mn-lt"/>
+        <a:ea typeface="+mn-ea"/>
+        <a:cs typeface="+mn-cs"/>
+      </a:defRPr>
+    </a:lvl1pPr>
+    <a:lvl2pPr marL="457200" algn="l" defTabSz="914400" rtl="0" eaLnBrk="1" latinLnBrk="0" hangingPunct="1">
+      <a:defRPr kumimoji="1" sz="1200" kern="1200">
+        <a:solidFill>
+          <a:schemeClr val="tx1"/>
+        </a:solidFill>
+        <a:latin typeface="+mn-lt"/>
+        <a:ea typeface="+mn-ea"/>
+        <a:cs typeface="+mn-cs"/>
+      </a:defRPr>
+    </a:lvl2pPr>
+    <a:lvl3pPr marL="914400" algn="l" defTabSz="914400" rtl="0" eaLnBrk="1" latinLnBrk="0" hangingPunct="1">
+      <a:defRPr kumimoji="1" sz="1200" kern="1200">
+        <a:solidFill>
+          <a:schemeClr val="tx1"/>
+        </a:solidFill>
+        <a:latin typeface="+mn-lt"/>
+        <a:ea typeface="+mn-ea"/>
+        <a:cs typeface="+mn-cs"/>
+      </a:defRPr>
+    </a:lvl3pPr>
+    <a:lvl4pPr marL="1371600" algn="l" defTabSz="914400" rtl="0" eaLnBrk="1" latinLnBrk="0" hangingPunct="1">
+      <a:defRPr kumimoji="1" sz="1200" kern="1200">
+        <a:solidFill>
+          <a:schemeClr val="tx1"/>
+        </a:solidFill>
+        <a:latin typeface="+mn-lt"/>
+        <a:ea typeface="+mn-ea"/>
+        <a:cs typeface="+mn-cs"/>
+      </a:defRPr>
+    </a:lvl4pPr>
+    <a:lvl5pPr marL="1828800" algn="l" defTabSz="914400" rtl="0" eaLnBrk="1" latinLnBrk="0" hangingPunct="1">
+      <a:defRPr kumimoji="1" sz="1200" kern="1200">
+        <a:solidFill>
+          <a:schemeClr val="tx1"/>
+        </a:solidFill>
+        <a:latin typeface="+mn-lt"/>
+        <a:ea typeface="+mn-ea"/>
+        <a:cs typeface="+mn-cs"/>
+      </a:defRPr>
+    </a:lvl5pPr>
+    <a:lvl6pPr marL="2286000" algn="l" defTabSz="914400" rtl="0" eaLnBrk="1" latinLnBrk="0" hangingPunct="1">
+      <a:defRPr kumimoji="1" sz="1200" kern="1200">
+        <a:solidFill>
+          <a:schemeClr val="tx1"/>
+        </a:solidFill>
+        <a:latin typeface="+mn-lt"/>
+        <a:ea typeface="+mn-ea"/>
+        <a:cs typeface="+mn-cs"/>
+      </a:defRPr>
+    </a:lvl6pPr>
+    <a:lvl7pPr marL="2743200" algn="l" defTabSz="914400" rtl="0" eaLnBrk="1" latinLnBrk="0" hangingPunct="1">
+      <a:defRPr kumimoji="1" sz="1200" kern="1200">
+        <a:solidFill>
+          <a:schemeClr val="tx1"/>
+        </a:solidFill>
+        <a:latin typeface="+mn-lt"/>
+        <a:ea typeface="+mn-ea"/>
+        <a:cs typeface="+mn-cs"/>
+      </a:defRPr>
+    </a:lvl7pPr>
+    <a:lvl8pPr marL="3200400" algn="l" defTabSz="914400" rtl="0" eaLnBrk="1" latinLnBrk="0" hangingPunct="1">
+      <a:defRPr kumimoji="1" sz="1200" kern="1200">
+        <a:solidFill>
+          <a:schemeClr val="tx1"/>
+        </a:solidFill>
+        <a:latin typeface="+mn-lt"/>
+        <a:ea typeface="+mn-ea"/>
+        <a:cs typeface="+mn-cs"/>
+      </a:defRPr>
+    </a:lvl8pPr>
+    <a:lvl9pPr marL="3657600" algn="l" defTabSz="914400" rtl="0" eaLnBrk="1" latinLnBrk="0" hangingPunct="1">
+      <a:defRPr kumimoji="1" sz="1200" kern="1200">
+        <a:solidFill>
+          <a:schemeClr val="tx1"/>
+        </a:solidFill>
+        <a:latin typeface="+mn-lt"/>
+        <a:ea typeface="+mn-ea"/>
+        <a:cs typeface="+mn-cs"/>
+      </a:defRPr>
+    </a:lvl9pPr>
+  </p:notesStyle>
+</p:notesMaster>
+</file>
+
 <file path=ppt/slideLayouts/slideLayout1.xml><?xml version="1.0" encoding="utf-8"?>
 <p:sldLayout xmlns:a="http://schemas.openxmlformats.org/drawingml/2006/main" xmlns:r="http://schemas.openxmlformats.org/officeDocument/2006/relationships" xmlns:p="http://schemas.openxmlformats.org/presentationml/2006/main" type="title" preserve="1">
   <p:cSld name="タイトル スライド">
@@ -282,7 +666,7 @@
           <a:bodyPr/>
           <a:lstStyle/>
           <a:p>
-            <a:fld id="{010A019C-97EB-44CC-A4A8-F801B4293A73}" type="datetimeFigureOut">
+            <a:fld id="{9259425C-BC97-4455-96E8-7811B062794A}" type="datetime1">
               <a:rPr kumimoji="1" lang="ja-JP" altLang="en-US" smtClean="0"/>
               <a:t>2024/5/22</a:t>
             </a:fld>
@@ -512,7 +896,7 @@
           <a:bodyPr/>
           <a:lstStyle/>
           <a:p>
-            <a:fld id="{010A019C-97EB-44CC-A4A8-F801B4293A73}" type="datetimeFigureOut">
+            <a:fld id="{93E064BC-7BA2-4ABD-88A2-C58BB1AAD9B4}" type="datetime1">
               <a:rPr kumimoji="1" lang="ja-JP" altLang="en-US" smtClean="0"/>
               <a:t>2024/5/22</a:t>
             </a:fld>
@@ -752,7 +1136,7 @@
           <a:bodyPr/>
           <a:lstStyle/>
           <a:p>
-            <a:fld id="{010A019C-97EB-44CC-A4A8-F801B4293A73}" type="datetimeFigureOut">
+            <a:fld id="{BA9F7780-FE71-49A1-ABF3-B55715CC10B8}" type="datetime1">
               <a:rPr kumimoji="1" lang="ja-JP" altLang="en-US" smtClean="0"/>
               <a:t>2024/5/22</a:t>
             </a:fld>
@@ -982,7 +1366,7 @@
           <a:bodyPr/>
           <a:lstStyle/>
           <a:p>
-            <a:fld id="{010A019C-97EB-44CC-A4A8-F801B4293A73}" type="datetimeFigureOut">
+            <a:fld id="{8A45BD02-BDFB-4A8E-AC79-521C17148210}" type="datetime1">
               <a:rPr kumimoji="1" lang="ja-JP" altLang="en-US" smtClean="0"/>
               <a:t>2024/5/22</a:t>
             </a:fld>
@@ -1257,7 +1641,7 @@
           <a:bodyPr/>
           <a:lstStyle/>
           <a:p>
-            <a:fld id="{010A019C-97EB-44CC-A4A8-F801B4293A73}" type="datetimeFigureOut">
+            <a:fld id="{6A763EA8-7192-41B3-B4C3-BC17BF1ED9D4}" type="datetime1">
               <a:rPr kumimoji="1" lang="ja-JP" altLang="en-US" smtClean="0"/>
               <a:t>2024/5/22</a:t>
             </a:fld>
@@ -1586,7 +1970,7 @@
           <a:bodyPr/>
           <a:lstStyle/>
           <a:p>
-            <a:fld id="{010A019C-97EB-44CC-A4A8-F801B4293A73}" type="datetimeFigureOut">
+            <a:fld id="{98162256-61EC-4A5B-9030-277A73D72A4A}" type="datetime1">
               <a:rPr kumimoji="1" lang="ja-JP" altLang="en-US" smtClean="0"/>
               <a:t>2024/5/22</a:t>
             </a:fld>
@@ -2062,7 +2446,7 @@
           <a:bodyPr/>
           <a:lstStyle/>
           <a:p>
-            <a:fld id="{010A019C-97EB-44CC-A4A8-F801B4293A73}" type="datetimeFigureOut">
+            <a:fld id="{03E578C8-3B9D-4A7B-A1A2-F503A9A979C2}" type="datetime1">
               <a:rPr kumimoji="1" lang="ja-JP" altLang="en-US" smtClean="0"/>
               <a:t>2024/5/22</a:t>
             </a:fld>
@@ -2203,7 +2587,7 @@
           <a:bodyPr/>
           <a:lstStyle/>
           <a:p>
-            <a:fld id="{010A019C-97EB-44CC-A4A8-F801B4293A73}" type="datetimeFigureOut">
+            <a:fld id="{205BC6AC-C0FF-4C66-8E89-B644982BA39D}" type="datetime1">
               <a:rPr kumimoji="1" lang="ja-JP" altLang="en-US" smtClean="0"/>
               <a:t>2024/5/22</a:t>
             </a:fld>
@@ -2316,7 +2700,7 @@
           <a:bodyPr/>
           <a:lstStyle/>
           <a:p>
-            <a:fld id="{010A019C-97EB-44CC-A4A8-F801B4293A73}" type="datetimeFigureOut">
+            <a:fld id="{DA5D66B3-A6F2-478E-ACC8-468C004CB04D}" type="datetime1">
               <a:rPr kumimoji="1" lang="ja-JP" altLang="en-US" smtClean="0"/>
               <a:t>2024/5/22</a:t>
             </a:fld>
@@ -2659,7 +3043,7 @@
           <a:bodyPr/>
           <a:lstStyle/>
           <a:p>
-            <a:fld id="{010A019C-97EB-44CC-A4A8-F801B4293A73}" type="datetimeFigureOut">
+            <a:fld id="{A9C0F490-8431-4B03-A2F2-C61344D2D370}" type="datetime1">
               <a:rPr kumimoji="1" lang="ja-JP" altLang="en-US" smtClean="0"/>
               <a:t>2024/5/22</a:t>
             </a:fld>
@@ -2947,7 +3331,7 @@
           <a:bodyPr/>
           <a:lstStyle/>
           <a:p>
-            <a:fld id="{010A019C-97EB-44CC-A4A8-F801B4293A73}" type="datetimeFigureOut">
+            <a:fld id="{26EBE6F0-0CDC-4033-A419-6F064646A9B4}" type="datetime1">
               <a:rPr kumimoji="1" lang="ja-JP" altLang="en-US" smtClean="0"/>
               <a:t>2024/5/22</a:t>
             </a:fld>
@@ -3220,7 +3604,7 @@
             </a:lvl1pPr>
           </a:lstStyle>
           <a:p>
-            <a:fld id="{010A019C-97EB-44CC-A4A8-F801B4293A73}" type="datetimeFigureOut">
+            <a:fld id="{AB954523-6F7B-467F-9B04-6DFCF1943CE9}" type="datetime1">
               <a:rPr kumimoji="1" lang="ja-JP" altLang="en-US" smtClean="0"/>
               <a:t>2024/5/22</a:t>
             </a:fld>
@@ -3339,6 +3723,7 @@
     <p:sldLayoutId id="2147483658" r:id="rId10"/>
     <p:sldLayoutId id="2147483659" r:id="rId11"/>
   </p:sldLayoutIdLst>
+  <p:hf hdr="0" ftr="0" dt="0"/>
   <p:txStyles>
     <p:titleStyle>
       <a:lvl1pPr algn="l" defTabSz="914400" rtl="0" eaLnBrk="1" latinLnBrk="0" hangingPunct="1">
@@ -3708,6 +4093,35 @@
           </a:p>
         </p:txBody>
       </p:sp>
+      <p:sp>
+        <p:nvSpPr>
+          <p:cNvPr id="4" name="スライド番号プレースホルダー 3">
+            <a:extLst>
+              <a:ext uri="{FF2B5EF4-FFF2-40B4-BE49-F238E27FC236}">
+                <a16:creationId xmlns:a16="http://schemas.microsoft.com/office/drawing/2014/main" id="{72C0EF67-1645-BA18-82E5-A599DFA3B5DD}"/>
+              </a:ext>
+            </a:extLst>
+          </p:cNvPr>
+          <p:cNvSpPr>
+            <a:spLocks noGrp="1"/>
+          </p:cNvSpPr>
+          <p:nvPr>
+            <p:ph type="sldNum" sz="quarter" idx="12"/>
+          </p:nvPr>
+        </p:nvSpPr>
+        <p:spPr/>
+        <p:txBody>
+          <a:bodyPr/>
+          <a:lstStyle/>
+          <a:p>
+            <a:fld id="{3FC4D7AF-5BF0-4134-84D8-7A8F64ECDDED}" type="slidenum">
+              <a:rPr kumimoji="1" lang="ja-JP" altLang="en-US" smtClean="0"/>
+              <a:t>1</a:t>
+            </a:fld>
+            <a:endParaRPr kumimoji="1" lang="ja-JP" altLang="en-US"/>
+          </a:p>
+        </p:txBody>
+      </p:sp>
     </p:spTree>
     <p:extLst>
       <p:ext uri="{BB962C8B-B14F-4D97-AF65-F5344CB8AC3E}">
@@ -3864,6 +4278,35 @@
           </a:xfrm>
         </p:spPr>
       </p:pic>
+      <p:sp>
+        <p:nvSpPr>
+          <p:cNvPr id="3" name="スライド番号プレースホルダー 2">
+            <a:extLst>
+              <a:ext uri="{FF2B5EF4-FFF2-40B4-BE49-F238E27FC236}">
+                <a16:creationId xmlns:a16="http://schemas.microsoft.com/office/drawing/2014/main" id="{2E58AC88-2370-8C50-A209-EA2991FE9EB4}"/>
+              </a:ext>
+            </a:extLst>
+          </p:cNvPr>
+          <p:cNvSpPr>
+            <a:spLocks noGrp="1"/>
+          </p:cNvSpPr>
+          <p:nvPr>
+            <p:ph type="sldNum" sz="quarter" idx="12"/>
+          </p:nvPr>
+        </p:nvSpPr>
+        <p:spPr/>
+        <p:txBody>
+          <a:bodyPr/>
+          <a:lstStyle/>
+          <a:p>
+            <a:fld id="{3FC4D7AF-5BF0-4134-84D8-7A8F64ECDDED}" type="slidenum">
+              <a:rPr kumimoji="1" lang="ja-JP" altLang="en-US" smtClean="0"/>
+              <a:t>10</a:t>
+            </a:fld>
+            <a:endParaRPr kumimoji="1" lang="ja-JP" altLang="en-US"/>
+          </a:p>
+        </p:txBody>
+      </p:sp>
     </p:spTree>
     <p:extLst>
       <p:ext uri="{BB962C8B-B14F-4D97-AF65-F5344CB8AC3E}">
@@ -4000,6 +4443,35 @@
           </a:xfrm>
         </p:spPr>
       </p:pic>
+      <p:sp>
+        <p:nvSpPr>
+          <p:cNvPr id="3" name="スライド番号プレースホルダー 2">
+            <a:extLst>
+              <a:ext uri="{FF2B5EF4-FFF2-40B4-BE49-F238E27FC236}">
+                <a16:creationId xmlns:a16="http://schemas.microsoft.com/office/drawing/2014/main" id="{ED5506D1-8E4B-A741-64E6-AE2D225E0342}"/>
+              </a:ext>
+            </a:extLst>
+          </p:cNvPr>
+          <p:cNvSpPr>
+            <a:spLocks noGrp="1"/>
+          </p:cNvSpPr>
+          <p:nvPr>
+            <p:ph type="sldNum" sz="quarter" idx="12"/>
+          </p:nvPr>
+        </p:nvSpPr>
+        <p:spPr/>
+        <p:txBody>
+          <a:bodyPr/>
+          <a:lstStyle/>
+          <a:p>
+            <a:fld id="{3FC4D7AF-5BF0-4134-84D8-7A8F64ECDDED}" type="slidenum">
+              <a:rPr kumimoji="1" lang="ja-JP" altLang="en-US" smtClean="0"/>
+              <a:t>11</a:t>
+            </a:fld>
+            <a:endParaRPr kumimoji="1" lang="ja-JP" altLang="en-US"/>
+          </a:p>
+        </p:txBody>
+      </p:sp>
     </p:spTree>
     <p:extLst>
       <p:ext uri="{BB962C8B-B14F-4D97-AF65-F5344CB8AC3E}">
@@ -4136,6 +4608,35 @@
           </a:xfrm>
         </p:spPr>
       </p:pic>
+      <p:sp>
+        <p:nvSpPr>
+          <p:cNvPr id="3" name="スライド番号プレースホルダー 2">
+            <a:extLst>
+              <a:ext uri="{FF2B5EF4-FFF2-40B4-BE49-F238E27FC236}">
+                <a16:creationId xmlns:a16="http://schemas.microsoft.com/office/drawing/2014/main" id="{B7DED6F4-330E-8C94-8CD3-4B42AF354C81}"/>
+              </a:ext>
+            </a:extLst>
+          </p:cNvPr>
+          <p:cNvSpPr>
+            <a:spLocks noGrp="1"/>
+          </p:cNvSpPr>
+          <p:nvPr>
+            <p:ph type="sldNum" sz="quarter" idx="12"/>
+          </p:nvPr>
+        </p:nvSpPr>
+        <p:spPr/>
+        <p:txBody>
+          <a:bodyPr/>
+          <a:lstStyle/>
+          <a:p>
+            <a:fld id="{3FC4D7AF-5BF0-4134-84D8-7A8F64ECDDED}" type="slidenum">
+              <a:rPr kumimoji="1" lang="ja-JP" altLang="en-US" smtClean="0"/>
+              <a:t>12</a:t>
+            </a:fld>
+            <a:endParaRPr kumimoji="1" lang="ja-JP" altLang="en-US"/>
+          </a:p>
+        </p:txBody>
+      </p:sp>
     </p:spTree>
     <p:extLst>
       <p:ext uri="{BB962C8B-B14F-4D97-AF65-F5344CB8AC3E}">
@@ -4293,6 +4794,35 @@
           </a:xfrm>
         </p:spPr>
       </p:pic>
+      <p:sp>
+        <p:nvSpPr>
+          <p:cNvPr id="3" name="スライド番号プレースホルダー 2">
+            <a:extLst>
+              <a:ext uri="{FF2B5EF4-FFF2-40B4-BE49-F238E27FC236}">
+                <a16:creationId xmlns:a16="http://schemas.microsoft.com/office/drawing/2014/main" id="{E431C94B-CE6F-7335-B3DE-2A06E058D1CE}"/>
+              </a:ext>
+            </a:extLst>
+          </p:cNvPr>
+          <p:cNvSpPr>
+            <a:spLocks noGrp="1"/>
+          </p:cNvSpPr>
+          <p:nvPr>
+            <p:ph type="sldNum" sz="quarter" idx="12"/>
+          </p:nvPr>
+        </p:nvSpPr>
+        <p:spPr/>
+        <p:txBody>
+          <a:bodyPr/>
+          <a:lstStyle/>
+          <a:p>
+            <a:fld id="{3FC4D7AF-5BF0-4134-84D8-7A8F64ECDDED}" type="slidenum">
+              <a:rPr kumimoji="1" lang="ja-JP" altLang="en-US" smtClean="0"/>
+              <a:t>13</a:t>
+            </a:fld>
+            <a:endParaRPr kumimoji="1" lang="ja-JP" altLang="en-US"/>
+          </a:p>
+        </p:txBody>
+      </p:sp>
     </p:spTree>
     <p:extLst>
       <p:ext uri="{BB962C8B-B14F-4D97-AF65-F5344CB8AC3E}">
@@ -4464,6 +4994,35 @@
           </a:xfrm>
         </p:spPr>
       </p:pic>
+      <p:sp>
+        <p:nvSpPr>
+          <p:cNvPr id="3" name="スライド番号プレースホルダー 2">
+            <a:extLst>
+              <a:ext uri="{FF2B5EF4-FFF2-40B4-BE49-F238E27FC236}">
+                <a16:creationId xmlns:a16="http://schemas.microsoft.com/office/drawing/2014/main" id="{DA156DBF-4E75-1A4C-2918-D2B48D07B13C}"/>
+              </a:ext>
+            </a:extLst>
+          </p:cNvPr>
+          <p:cNvSpPr>
+            <a:spLocks noGrp="1"/>
+          </p:cNvSpPr>
+          <p:nvPr>
+            <p:ph type="sldNum" sz="quarter" idx="12"/>
+          </p:nvPr>
+        </p:nvSpPr>
+        <p:spPr/>
+        <p:txBody>
+          <a:bodyPr/>
+          <a:lstStyle/>
+          <a:p>
+            <a:fld id="{3FC4D7AF-5BF0-4134-84D8-7A8F64ECDDED}" type="slidenum">
+              <a:rPr kumimoji="1" lang="ja-JP" altLang="en-US" smtClean="0"/>
+              <a:t>14</a:t>
+            </a:fld>
+            <a:endParaRPr kumimoji="1" lang="ja-JP" altLang="en-US"/>
+          </a:p>
+        </p:txBody>
+      </p:sp>
     </p:spTree>
     <p:extLst>
       <p:ext uri="{BB962C8B-B14F-4D97-AF65-F5344CB8AC3E}">
@@ -4550,6 +5109,35 @@
           </a:p>
         </p:txBody>
       </p:sp>
+      <p:sp>
+        <p:nvSpPr>
+          <p:cNvPr id="4" name="スライド番号プレースホルダー 3">
+            <a:extLst>
+              <a:ext uri="{FF2B5EF4-FFF2-40B4-BE49-F238E27FC236}">
+                <a16:creationId xmlns:a16="http://schemas.microsoft.com/office/drawing/2014/main" id="{2E38E147-85BC-D8EC-4C34-0F5CAEFA8401}"/>
+              </a:ext>
+            </a:extLst>
+          </p:cNvPr>
+          <p:cNvSpPr>
+            <a:spLocks noGrp="1"/>
+          </p:cNvSpPr>
+          <p:nvPr>
+            <p:ph type="sldNum" sz="quarter" idx="12"/>
+          </p:nvPr>
+        </p:nvSpPr>
+        <p:spPr/>
+        <p:txBody>
+          <a:bodyPr/>
+          <a:lstStyle/>
+          <a:p>
+            <a:fld id="{3FC4D7AF-5BF0-4134-84D8-7A8F64ECDDED}" type="slidenum">
+              <a:rPr kumimoji="1" lang="ja-JP" altLang="en-US" smtClean="0"/>
+              <a:t>15</a:t>
+            </a:fld>
+            <a:endParaRPr kumimoji="1" lang="ja-JP" altLang="en-US"/>
+          </a:p>
+        </p:txBody>
+      </p:sp>
     </p:spTree>
     <p:extLst>
       <p:ext uri="{BB962C8B-B14F-4D97-AF65-F5344CB8AC3E}">
@@ -4689,6 +5277,35 @@
           </a:xfrm>
         </p:spPr>
       </p:pic>
+      <p:sp>
+        <p:nvSpPr>
+          <p:cNvPr id="3" name="スライド番号プレースホルダー 2">
+            <a:extLst>
+              <a:ext uri="{FF2B5EF4-FFF2-40B4-BE49-F238E27FC236}">
+                <a16:creationId xmlns:a16="http://schemas.microsoft.com/office/drawing/2014/main" id="{C3954AA1-8370-A19D-0BC7-8784FE5F35E6}"/>
+              </a:ext>
+            </a:extLst>
+          </p:cNvPr>
+          <p:cNvSpPr>
+            <a:spLocks noGrp="1"/>
+          </p:cNvSpPr>
+          <p:nvPr>
+            <p:ph type="sldNum" sz="quarter" idx="12"/>
+          </p:nvPr>
+        </p:nvSpPr>
+        <p:spPr/>
+        <p:txBody>
+          <a:bodyPr/>
+          <a:lstStyle/>
+          <a:p>
+            <a:fld id="{3FC4D7AF-5BF0-4134-84D8-7A8F64ECDDED}" type="slidenum">
+              <a:rPr kumimoji="1" lang="ja-JP" altLang="en-US" smtClean="0"/>
+              <a:t>16</a:t>
+            </a:fld>
+            <a:endParaRPr kumimoji="1" lang="ja-JP" altLang="en-US"/>
+          </a:p>
+        </p:txBody>
+      </p:sp>
     </p:spTree>
     <p:extLst>
       <p:ext uri="{BB962C8B-B14F-4D97-AF65-F5344CB8AC3E}">
@@ -4823,6 +5440,35 @@
           </a:xfrm>
         </p:spPr>
       </p:pic>
+      <p:sp>
+        <p:nvSpPr>
+          <p:cNvPr id="3" name="スライド番号プレースホルダー 2">
+            <a:extLst>
+              <a:ext uri="{FF2B5EF4-FFF2-40B4-BE49-F238E27FC236}">
+                <a16:creationId xmlns:a16="http://schemas.microsoft.com/office/drawing/2014/main" id="{62D7C2E7-DA30-43BE-0A76-4B2609B06289}"/>
+              </a:ext>
+            </a:extLst>
+          </p:cNvPr>
+          <p:cNvSpPr>
+            <a:spLocks noGrp="1"/>
+          </p:cNvSpPr>
+          <p:nvPr>
+            <p:ph type="sldNum" sz="quarter" idx="12"/>
+          </p:nvPr>
+        </p:nvSpPr>
+        <p:spPr/>
+        <p:txBody>
+          <a:bodyPr/>
+          <a:lstStyle/>
+          <a:p>
+            <a:fld id="{3FC4D7AF-5BF0-4134-84D8-7A8F64ECDDED}" type="slidenum">
+              <a:rPr kumimoji="1" lang="ja-JP" altLang="en-US" smtClean="0"/>
+              <a:t>17</a:t>
+            </a:fld>
+            <a:endParaRPr kumimoji="1" lang="ja-JP" altLang="en-US"/>
+          </a:p>
+        </p:txBody>
+      </p:sp>
     </p:spTree>
     <p:extLst>
       <p:ext uri="{BB962C8B-B14F-4D97-AF65-F5344CB8AC3E}">
@@ -4911,6 +5557,35 @@
           </a:p>
         </p:txBody>
       </p:sp>
+      <p:sp>
+        <p:nvSpPr>
+          <p:cNvPr id="4" name="スライド番号プレースホルダー 3">
+            <a:extLst>
+              <a:ext uri="{FF2B5EF4-FFF2-40B4-BE49-F238E27FC236}">
+                <a16:creationId xmlns:a16="http://schemas.microsoft.com/office/drawing/2014/main" id="{072AB8AC-8E53-49B9-3E84-9B7BBE8BE979}"/>
+              </a:ext>
+            </a:extLst>
+          </p:cNvPr>
+          <p:cNvSpPr>
+            <a:spLocks noGrp="1"/>
+          </p:cNvSpPr>
+          <p:nvPr>
+            <p:ph type="sldNum" sz="quarter" idx="12"/>
+          </p:nvPr>
+        </p:nvSpPr>
+        <p:spPr/>
+        <p:txBody>
+          <a:bodyPr/>
+          <a:lstStyle/>
+          <a:p>
+            <a:fld id="{3FC4D7AF-5BF0-4134-84D8-7A8F64ECDDED}" type="slidenum">
+              <a:rPr kumimoji="1" lang="ja-JP" altLang="en-US" smtClean="0"/>
+              <a:t>18</a:t>
+            </a:fld>
+            <a:endParaRPr kumimoji="1" lang="ja-JP" altLang="en-US"/>
+          </a:p>
+        </p:txBody>
+      </p:sp>
     </p:spTree>
     <p:extLst>
       <p:ext uri="{BB962C8B-B14F-4D97-AF65-F5344CB8AC3E}">
@@ -5037,6 +5712,35 @@
           </a:prstGeom>
         </p:spPr>
       </p:pic>
+      <p:sp>
+        <p:nvSpPr>
+          <p:cNvPr id="3" name="スライド番号プレースホルダー 2">
+            <a:extLst>
+              <a:ext uri="{FF2B5EF4-FFF2-40B4-BE49-F238E27FC236}">
+                <a16:creationId xmlns:a16="http://schemas.microsoft.com/office/drawing/2014/main" id="{1152E3F6-D629-EB48-D32F-7B2EBD294D20}"/>
+              </a:ext>
+            </a:extLst>
+          </p:cNvPr>
+          <p:cNvSpPr>
+            <a:spLocks noGrp="1"/>
+          </p:cNvSpPr>
+          <p:nvPr>
+            <p:ph type="sldNum" sz="quarter" idx="12"/>
+          </p:nvPr>
+        </p:nvSpPr>
+        <p:spPr/>
+        <p:txBody>
+          <a:bodyPr/>
+          <a:lstStyle/>
+          <a:p>
+            <a:fld id="{3FC4D7AF-5BF0-4134-84D8-7A8F64ECDDED}" type="slidenum">
+              <a:rPr kumimoji="1" lang="ja-JP" altLang="en-US" smtClean="0"/>
+              <a:t>19</a:t>
+            </a:fld>
+            <a:endParaRPr kumimoji="1" lang="ja-JP" altLang="en-US"/>
+          </a:p>
+        </p:txBody>
+      </p:sp>
     </p:spTree>
     <p:extLst>
       <p:ext uri="{BB962C8B-B14F-4D97-AF65-F5344CB8AC3E}">
@@ -5154,6 +5858,35 @@
           </a:p>
         </p:txBody>
       </p:sp>
+      <p:sp>
+        <p:nvSpPr>
+          <p:cNvPr id="4" name="スライド番号プレースホルダー 3">
+            <a:extLst>
+              <a:ext uri="{FF2B5EF4-FFF2-40B4-BE49-F238E27FC236}">
+                <a16:creationId xmlns:a16="http://schemas.microsoft.com/office/drawing/2014/main" id="{934B3DCA-87AC-E0D4-1CA9-CBF8C6C11543}"/>
+              </a:ext>
+            </a:extLst>
+          </p:cNvPr>
+          <p:cNvSpPr>
+            <a:spLocks noGrp="1"/>
+          </p:cNvSpPr>
+          <p:nvPr>
+            <p:ph type="sldNum" sz="quarter" idx="12"/>
+          </p:nvPr>
+        </p:nvSpPr>
+        <p:spPr/>
+        <p:txBody>
+          <a:bodyPr/>
+          <a:lstStyle/>
+          <a:p>
+            <a:fld id="{3FC4D7AF-5BF0-4134-84D8-7A8F64ECDDED}" type="slidenum">
+              <a:rPr kumimoji="1" lang="ja-JP" altLang="en-US" smtClean="0"/>
+              <a:t>2</a:t>
+            </a:fld>
+            <a:endParaRPr kumimoji="1" lang="ja-JP" altLang="en-US"/>
+          </a:p>
+        </p:txBody>
+      </p:sp>
     </p:spTree>
     <p:extLst>
       <p:ext uri="{BB962C8B-B14F-4D97-AF65-F5344CB8AC3E}">
@@ -5281,6 +6014,35 @@
           </a:xfrm>
         </p:spPr>
       </p:pic>
+      <p:sp>
+        <p:nvSpPr>
+          <p:cNvPr id="3" name="スライド番号プレースホルダー 2">
+            <a:extLst>
+              <a:ext uri="{FF2B5EF4-FFF2-40B4-BE49-F238E27FC236}">
+                <a16:creationId xmlns:a16="http://schemas.microsoft.com/office/drawing/2014/main" id="{F3344642-8574-09BE-DABD-F2DF2354E065}"/>
+              </a:ext>
+            </a:extLst>
+          </p:cNvPr>
+          <p:cNvSpPr>
+            <a:spLocks noGrp="1"/>
+          </p:cNvSpPr>
+          <p:nvPr>
+            <p:ph type="sldNum" sz="quarter" idx="12"/>
+          </p:nvPr>
+        </p:nvSpPr>
+        <p:spPr/>
+        <p:txBody>
+          <a:bodyPr/>
+          <a:lstStyle/>
+          <a:p>
+            <a:fld id="{3FC4D7AF-5BF0-4134-84D8-7A8F64ECDDED}" type="slidenum">
+              <a:rPr kumimoji="1" lang="ja-JP" altLang="en-US" smtClean="0"/>
+              <a:t>20</a:t>
+            </a:fld>
+            <a:endParaRPr kumimoji="1" lang="ja-JP" altLang="en-US"/>
+          </a:p>
+        </p:txBody>
+      </p:sp>
     </p:spTree>
     <p:extLst>
       <p:ext uri="{BB962C8B-B14F-4D97-AF65-F5344CB8AC3E}">
@@ -5392,6 +6154,35 @@
           </a:p>
         </p:txBody>
       </p:sp>
+      <p:sp>
+        <p:nvSpPr>
+          <p:cNvPr id="4" name="スライド番号プレースホルダー 3">
+            <a:extLst>
+              <a:ext uri="{FF2B5EF4-FFF2-40B4-BE49-F238E27FC236}">
+                <a16:creationId xmlns:a16="http://schemas.microsoft.com/office/drawing/2014/main" id="{B17A32AD-BE6F-13A6-7E9A-D693B65AFC22}"/>
+              </a:ext>
+            </a:extLst>
+          </p:cNvPr>
+          <p:cNvSpPr>
+            <a:spLocks noGrp="1"/>
+          </p:cNvSpPr>
+          <p:nvPr>
+            <p:ph type="sldNum" sz="quarter" idx="12"/>
+          </p:nvPr>
+        </p:nvSpPr>
+        <p:spPr/>
+        <p:txBody>
+          <a:bodyPr/>
+          <a:lstStyle/>
+          <a:p>
+            <a:fld id="{3FC4D7AF-5BF0-4134-84D8-7A8F64ECDDED}" type="slidenum">
+              <a:rPr kumimoji="1" lang="ja-JP" altLang="en-US" smtClean="0"/>
+              <a:t>21</a:t>
+            </a:fld>
+            <a:endParaRPr kumimoji="1" lang="ja-JP" altLang="en-US"/>
+          </a:p>
+        </p:txBody>
+      </p:sp>
     </p:spTree>
     <p:extLst>
       <p:ext uri="{BB962C8B-B14F-4D97-AF65-F5344CB8AC3E}">
@@ -5554,6 +6345,35 @@
           </a:xfrm>
         </p:spPr>
       </p:pic>
+      <p:sp>
+        <p:nvSpPr>
+          <p:cNvPr id="3" name="スライド番号プレースホルダー 2">
+            <a:extLst>
+              <a:ext uri="{FF2B5EF4-FFF2-40B4-BE49-F238E27FC236}">
+                <a16:creationId xmlns:a16="http://schemas.microsoft.com/office/drawing/2014/main" id="{D4938A18-3BCA-4408-157E-6EBC656F0EBD}"/>
+              </a:ext>
+            </a:extLst>
+          </p:cNvPr>
+          <p:cNvSpPr>
+            <a:spLocks noGrp="1"/>
+          </p:cNvSpPr>
+          <p:nvPr>
+            <p:ph type="sldNum" sz="quarter" idx="12"/>
+          </p:nvPr>
+        </p:nvSpPr>
+        <p:spPr/>
+        <p:txBody>
+          <a:bodyPr/>
+          <a:lstStyle/>
+          <a:p>
+            <a:fld id="{3FC4D7AF-5BF0-4134-84D8-7A8F64ECDDED}" type="slidenum">
+              <a:rPr kumimoji="1" lang="ja-JP" altLang="en-US" smtClean="0"/>
+              <a:t>22</a:t>
+            </a:fld>
+            <a:endParaRPr kumimoji="1" lang="ja-JP" altLang="en-US"/>
+          </a:p>
+        </p:txBody>
+      </p:sp>
     </p:spTree>
     <p:extLst>
       <p:ext uri="{BB962C8B-B14F-4D97-AF65-F5344CB8AC3E}">
@@ -5797,6 +6617,35 @@
           </a:xfrm>
         </p:spPr>
       </p:pic>
+      <p:sp>
+        <p:nvSpPr>
+          <p:cNvPr id="3" name="スライド番号プレースホルダー 2">
+            <a:extLst>
+              <a:ext uri="{FF2B5EF4-FFF2-40B4-BE49-F238E27FC236}">
+                <a16:creationId xmlns:a16="http://schemas.microsoft.com/office/drawing/2014/main" id="{0C6451FE-01C4-E654-52A1-E156F4AEC9AB}"/>
+              </a:ext>
+            </a:extLst>
+          </p:cNvPr>
+          <p:cNvSpPr>
+            <a:spLocks noGrp="1"/>
+          </p:cNvSpPr>
+          <p:nvPr>
+            <p:ph type="sldNum" sz="quarter" idx="12"/>
+          </p:nvPr>
+        </p:nvSpPr>
+        <p:spPr/>
+        <p:txBody>
+          <a:bodyPr/>
+          <a:lstStyle/>
+          <a:p>
+            <a:fld id="{3FC4D7AF-5BF0-4134-84D8-7A8F64ECDDED}" type="slidenum">
+              <a:rPr kumimoji="1" lang="ja-JP" altLang="en-US" smtClean="0"/>
+              <a:t>23</a:t>
+            </a:fld>
+            <a:endParaRPr kumimoji="1" lang="ja-JP" altLang="en-US"/>
+          </a:p>
+        </p:txBody>
+      </p:sp>
     </p:spTree>
     <p:extLst>
       <p:ext uri="{BB962C8B-B14F-4D97-AF65-F5344CB8AC3E}">
@@ -5883,6 +6732,35 @@
           </a:p>
         </p:txBody>
       </p:sp>
+      <p:sp>
+        <p:nvSpPr>
+          <p:cNvPr id="4" name="スライド番号プレースホルダー 3">
+            <a:extLst>
+              <a:ext uri="{FF2B5EF4-FFF2-40B4-BE49-F238E27FC236}">
+                <a16:creationId xmlns:a16="http://schemas.microsoft.com/office/drawing/2014/main" id="{0E6FFC9C-CA83-DEA4-D2EE-A034584D9AE7}"/>
+              </a:ext>
+            </a:extLst>
+          </p:cNvPr>
+          <p:cNvSpPr>
+            <a:spLocks noGrp="1"/>
+          </p:cNvSpPr>
+          <p:nvPr>
+            <p:ph type="sldNum" sz="quarter" idx="12"/>
+          </p:nvPr>
+        </p:nvSpPr>
+        <p:spPr/>
+        <p:txBody>
+          <a:bodyPr/>
+          <a:lstStyle/>
+          <a:p>
+            <a:fld id="{3FC4D7AF-5BF0-4134-84D8-7A8F64ECDDED}" type="slidenum">
+              <a:rPr kumimoji="1" lang="ja-JP" altLang="en-US" smtClean="0"/>
+              <a:t>24</a:t>
+            </a:fld>
+            <a:endParaRPr kumimoji="1" lang="ja-JP" altLang="en-US"/>
+          </a:p>
+        </p:txBody>
+      </p:sp>
     </p:spTree>
     <p:extLst>
       <p:ext uri="{BB962C8B-B14F-4D97-AF65-F5344CB8AC3E}">
@@ -6707,6 +7585,35 @@
           </a:p>
         </p:txBody>
       </p:sp>
+      <p:sp>
+        <p:nvSpPr>
+          <p:cNvPr id="5" name="スライド番号プレースホルダー 4">
+            <a:extLst>
+              <a:ext uri="{FF2B5EF4-FFF2-40B4-BE49-F238E27FC236}">
+                <a16:creationId xmlns:a16="http://schemas.microsoft.com/office/drawing/2014/main" id="{1BFC34CA-432F-B2FC-915C-137EFAAE47F4}"/>
+              </a:ext>
+            </a:extLst>
+          </p:cNvPr>
+          <p:cNvSpPr>
+            <a:spLocks noGrp="1"/>
+          </p:cNvSpPr>
+          <p:nvPr>
+            <p:ph type="sldNum" sz="quarter" idx="12"/>
+          </p:nvPr>
+        </p:nvSpPr>
+        <p:spPr/>
+        <p:txBody>
+          <a:bodyPr/>
+          <a:lstStyle/>
+          <a:p>
+            <a:fld id="{3FC4D7AF-5BF0-4134-84D8-7A8F64ECDDED}" type="slidenum">
+              <a:rPr kumimoji="1" lang="ja-JP" altLang="en-US" smtClean="0"/>
+              <a:t>25</a:t>
+            </a:fld>
+            <a:endParaRPr kumimoji="1" lang="ja-JP" altLang="en-US"/>
+          </a:p>
+        </p:txBody>
+      </p:sp>
     </p:spTree>
     <p:extLst>
       <p:ext uri="{BB962C8B-B14F-4D97-AF65-F5344CB8AC3E}">
@@ -7333,6 +8240,35 @@
           </a:p>
         </p:txBody>
       </p:sp>
+      <p:sp>
+        <p:nvSpPr>
+          <p:cNvPr id="5" name="スライド番号プレースホルダー 4">
+            <a:extLst>
+              <a:ext uri="{FF2B5EF4-FFF2-40B4-BE49-F238E27FC236}">
+                <a16:creationId xmlns:a16="http://schemas.microsoft.com/office/drawing/2014/main" id="{61DF6257-E9FD-09F4-548C-1F109208F2A2}"/>
+              </a:ext>
+            </a:extLst>
+          </p:cNvPr>
+          <p:cNvSpPr>
+            <a:spLocks noGrp="1"/>
+          </p:cNvSpPr>
+          <p:nvPr>
+            <p:ph type="sldNum" sz="quarter" idx="12"/>
+          </p:nvPr>
+        </p:nvSpPr>
+        <p:spPr/>
+        <p:txBody>
+          <a:bodyPr/>
+          <a:lstStyle/>
+          <a:p>
+            <a:fld id="{3FC4D7AF-5BF0-4134-84D8-7A8F64ECDDED}" type="slidenum">
+              <a:rPr kumimoji="1" lang="ja-JP" altLang="en-US" smtClean="0"/>
+              <a:t>26</a:t>
+            </a:fld>
+            <a:endParaRPr kumimoji="1" lang="ja-JP" altLang="en-US"/>
+          </a:p>
+        </p:txBody>
+      </p:sp>
     </p:spTree>
     <p:extLst>
       <p:ext uri="{BB962C8B-B14F-4D97-AF65-F5344CB8AC3E}">
@@ -7417,6 +8353,35 @@
               <a:rPr kumimoji="1" lang="ja-JP" altLang="en-US" dirty="0"/>
               <a:t>使用するプログラムをダウンロードするまで</a:t>
             </a:r>
+          </a:p>
+        </p:txBody>
+      </p:sp>
+      <p:sp>
+        <p:nvSpPr>
+          <p:cNvPr id="4" name="スライド番号プレースホルダー 3">
+            <a:extLst>
+              <a:ext uri="{FF2B5EF4-FFF2-40B4-BE49-F238E27FC236}">
+                <a16:creationId xmlns:a16="http://schemas.microsoft.com/office/drawing/2014/main" id="{47349FEE-11FF-588A-2400-766C7E430C5C}"/>
+              </a:ext>
+            </a:extLst>
+          </p:cNvPr>
+          <p:cNvSpPr>
+            <a:spLocks noGrp="1"/>
+          </p:cNvSpPr>
+          <p:nvPr>
+            <p:ph type="sldNum" sz="quarter" idx="12"/>
+          </p:nvPr>
+        </p:nvSpPr>
+        <p:spPr/>
+        <p:txBody>
+          <a:bodyPr/>
+          <a:lstStyle/>
+          <a:p>
+            <a:fld id="{3FC4D7AF-5BF0-4134-84D8-7A8F64ECDDED}" type="slidenum">
+              <a:rPr kumimoji="1" lang="ja-JP" altLang="en-US" smtClean="0"/>
+              <a:t>3</a:t>
+            </a:fld>
+            <a:endParaRPr kumimoji="1" lang="ja-JP" altLang="en-US"/>
           </a:p>
         </p:txBody>
       </p:sp>
@@ -7735,6 +8700,35 @@
           </a:p>
         </p:txBody>
       </p:sp>
+      <p:sp>
+        <p:nvSpPr>
+          <p:cNvPr id="3" name="スライド番号プレースホルダー 2">
+            <a:extLst>
+              <a:ext uri="{FF2B5EF4-FFF2-40B4-BE49-F238E27FC236}">
+                <a16:creationId xmlns:a16="http://schemas.microsoft.com/office/drawing/2014/main" id="{DA7D32B7-1191-5D7B-5AAD-0B16B669F43D}"/>
+              </a:ext>
+            </a:extLst>
+          </p:cNvPr>
+          <p:cNvSpPr>
+            <a:spLocks noGrp="1"/>
+          </p:cNvSpPr>
+          <p:nvPr>
+            <p:ph type="sldNum" sz="quarter" idx="12"/>
+          </p:nvPr>
+        </p:nvSpPr>
+        <p:spPr/>
+        <p:txBody>
+          <a:bodyPr/>
+          <a:lstStyle/>
+          <a:p>
+            <a:fld id="{3FC4D7AF-5BF0-4134-84D8-7A8F64ECDDED}" type="slidenum">
+              <a:rPr kumimoji="1" lang="ja-JP" altLang="en-US" smtClean="0"/>
+              <a:t>4</a:t>
+            </a:fld>
+            <a:endParaRPr kumimoji="1" lang="ja-JP" altLang="en-US"/>
+          </a:p>
+        </p:txBody>
+      </p:sp>
     </p:spTree>
     <p:extLst>
       <p:ext uri="{BB962C8B-B14F-4D97-AF65-F5344CB8AC3E}">
@@ -7838,6 +8832,35 @@
           </a:p>
         </p:txBody>
       </p:sp>
+      <p:sp>
+        <p:nvSpPr>
+          <p:cNvPr id="4" name="スライド番号プレースホルダー 3">
+            <a:extLst>
+              <a:ext uri="{FF2B5EF4-FFF2-40B4-BE49-F238E27FC236}">
+                <a16:creationId xmlns:a16="http://schemas.microsoft.com/office/drawing/2014/main" id="{DA08E6AA-C310-1A62-255F-E112CF9FDECB}"/>
+              </a:ext>
+            </a:extLst>
+          </p:cNvPr>
+          <p:cNvSpPr>
+            <a:spLocks noGrp="1"/>
+          </p:cNvSpPr>
+          <p:nvPr>
+            <p:ph type="sldNum" sz="quarter" idx="12"/>
+          </p:nvPr>
+        </p:nvSpPr>
+        <p:spPr/>
+        <p:txBody>
+          <a:bodyPr/>
+          <a:lstStyle/>
+          <a:p>
+            <a:fld id="{3FC4D7AF-5BF0-4134-84D8-7A8F64ECDDED}" type="slidenum">
+              <a:rPr kumimoji="1" lang="ja-JP" altLang="en-US" smtClean="0"/>
+              <a:t>5</a:t>
+            </a:fld>
+            <a:endParaRPr kumimoji="1" lang="ja-JP" altLang="en-US"/>
+          </a:p>
+        </p:txBody>
+      </p:sp>
     </p:spTree>
     <p:extLst>
       <p:ext uri="{BB962C8B-B14F-4D97-AF65-F5344CB8AC3E}">
@@ -7975,6 +8998,35 @@
           </a:xfrm>
         </p:spPr>
       </p:pic>
+      <p:sp>
+        <p:nvSpPr>
+          <p:cNvPr id="3" name="スライド番号プレースホルダー 2">
+            <a:extLst>
+              <a:ext uri="{FF2B5EF4-FFF2-40B4-BE49-F238E27FC236}">
+                <a16:creationId xmlns:a16="http://schemas.microsoft.com/office/drawing/2014/main" id="{FAF4C21D-93F3-5A9B-89FC-E16B7158C9C4}"/>
+              </a:ext>
+            </a:extLst>
+          </p:cNvPr>
+          <p:cNvSpPr>
+            <a:spLocks noGrp="1"/>
+          </p:cNvSpPr>
+          <p:nvPr>
+            <p:ph type="sldNum" sz="quarter" idx="12"/>
+          </p:nvPr>
+        </p:nvSpPr>
+        <p:spPr/>
+        <p:txBody>
+          <a:bodyPr/>
+          <a:lstStyle/>
+          <a:p>
+            <a:fld id="{3FC4D7AF-5BF0-4134-84D8-7A8F64ECDDED}" type="slidenum">
+              <a:rPr kumimoji="1" lang="ja-JP" altLang="en-US" smtClean="0"/>
+              <a:t>6</a:t>
+            </a:fld>
+            <a:endParaRPr kumimoji="1" lang="ja-JP" altLang="en-US"/>
+          </a:p>
+        </p:txBody>
+      </p:sp>
     </p:spTree>
     <p:extLst>
       <p:ext uri="{BB962C8B-B14F-4D97-AF65-F5344CB8AC3E}">
@@ -8106,6 +9158,35 @@
           </a:xfrm>
         </p:spPr>
       </p:pic>
+      <p:sp>
+        <p:nvSpPr>
+          <p:cNvPr id="3" name="スライド番号プレースホルダー 2">
+            <a:extLst>
+              <a:ext uri="{FF2B5EF4-FFF2-40B4-BE49-F238E27FC236}">
+                <a16:creationId xmlns:a16="http://schemas.microsoft.com/office/drawing/2014/main" id="{8338385A-55DA-758A-A4EF-52B2CFDAF05A}"/>
+              </a:ext>
+            </a:extLst>
+          </p:cNvPr>
+          <p:cNvSpPr>
+            <a:spLocks noGrp="1"/>
+          </p:cNvSpPr>
+          <p:nvPr>
+            <p:ph type="sldNum" sz="quarter" idx="12"/>
+          </p:nvPr>
+        </p:nvSpPr>
+        <p:spPr/>
+        <p:txBody>
+          <a:bodyPr/>
+          <a:lstStyle/>
+          <a:p>
+            <a:fld id="{3FC4D7AF-5BF0-4134-84D8-7A8F64ECDDED}" type="slidenum">
+              <a:rPr kumimoji="1" lang="ja-JP" altLang="en-US" smtClean="0"/>
+              <a:t>7</a:t>
+            </a:fld>
+            <a:endParaRPr kumimoji="1" lang="ja-JP" altLang="en-US"/>
+          </a:p>
+        </p:txBody>
+      </p:sp>
     </p:spTree>
     <p:extLst>
       <p:ext uri="{BB962C8B-B14F-4D97-AF65-F5344CB8AC3E}">
@@ -8239,6 +9320,35 @@
           </a:xfrm>
         </p:spPr>
       </p:pic>
+      <p:sp>
+        <p:nvSpPr>
+          <p:cNvPr id="3" name="スライド番号プレースホルダー 2">
+            <a:extLst>
+              <a:ext uri="{FF2B5EF4-FFF2-40B4-BE49-F238E27FC236}">
+                <a16:creationId xmlns:a16="http://schemas.microsoft.com/office/drawing/2014/main" id="{929FA2B1-FAB8-9E1F-7647-4A75575EC53A}"/>
+              </a:ext>
+            </a:extLst>
+          </p:cNvPr>
+          <p:cNvSpPr>
+            <a:spLocks noGrp="1"/>
+          </p:cNvSpPr>
+          <p:nvPr>
+            <p:ph type="sldNum" sz="quarter" idx="12"/>
+          </p:nvPr>
+        </p:nvSpPr>
+        <p:spPr/>
+        <p:txBody>
+          <a:bodyPr/>
+          <a:lstStyle/>
+          <a:p>
+            <a:fld id="{3FC4D7AF-5BF0-4134-84D8-7A8F64ECDDED}" type="slidenum">
+              <a:rPr kumimoji="1" lang="ja-JP" altLang="en-US" smtClean="0"/>
+              <a:t>8</a:t>
+            </a:fld>
+            <a:endParaRPr kumimoji="1" lang="ja-JP" altLang="en-US"/>
+          </a:p>
+        </p:txBody>
+      </p:sp>
     </p:spTree>
     <p:extLst>
       <p:ext uri="{BB962C8B-B14F-4D97-AF65-F5344CB8AC3E}">
@@ -8372,6 +9482,35 @@
           </a:xfrm>
         </p:spPr>
       </p:pic>
+      <p:sp>
+        <p:nvSpPr>
+          <p:cNvPr id="3" name="スライド番号プレースホルダー 2">
+            <a:extLst>
+              <a:ext uri="{FF2B5EF4-FFF2-40B4-BE49-F238E27FC236}">
+                <a16:creationId xmlns:a16="http://schemas.microsoft.com/office/drawing/2014/main" id="{B2E21C0E-E2F5-474E-CCF5-B2D78C82B724}"/>
+              </a:ext>
+            </a:extLst>
+          </p:cNvPr>
+          <p:cNvSpPr>
+            <a:spLocks noGrp="1"/>
+          </p:cNvSpPr>
+          <p:nvPr>
+            <p:ph type="sldNum" sz="quarter" idx="12"/>
+          </p:nvPr>
+        </p:nvSpPr>
+        <p:spPr/>
+        <p:txBody>
+          <a:bodyPr/>
+          <a:lstStyle/>
+          <a:p>
+            <a:fld id="{3FC4D7AF-5BF0-4134-84D8-7A8F64ECDDED}" type="slidenum">
+              <a:rPr kumimoji="1" lang="ja-JP" altLang="en-US" smtClean="0"/>
+              <a:t>9</a:t>
+            </a:fld>
+            <a:endParaRPr kumimoji="1" lang="ja-JP" altLang="en-US"/>
+          </a:p>
+        </p:txBody>
+      </p:sp>
     </p:spTree>
     <p:extLst>
       <p:ext uri="{BB962C8B-B14F-4D97-AF65-F5344CB8AC3E}">
@@ -8678,4 +9817,299 @@
     </a:ext>
   </a:extLst>
 </a:theme>
+</file>
+
+<file path=ppt/theme/theme2.xml><?xml version="1.0" encoding="utf-8"?>
+<a:theme xmlns:a="http://schemas.openxmlformats.org/drawingml/2006/main" name="Office テーマ">
+  <a:themeElements>
+    <a:clrScheme name="Office">
+      <a:dk1>
+        <a:sysClr val="windowText" lastClr="000000"/>
+      </a:dk1>
+      <a:lt1>
+        <a:sysClr val="window" lastClr="FFFFFF"/>
+      </a:lt1>
+      <a:dk2>
+        <a:srgbClr val="44546A"/>
+      </a:dk2>
+      <a:lt2>
+        <a:srgbClr val="E7E6E6"/>
+      </a:lt2>
+      <a:accent1>
+        <a:srgbClr val="4472C4"/>
+      </a:accent1>
+      <a:accent2>
+        <a:srgbClr val="ED7D31"/>
+      </a:accent2>
+      <a:accent3>
+        <a:srgbClr val="A5A5A5"/>
+      </a:accent3>
+      <a:accent4>
+        <a:srgbClr val="FFC000"/>
+      </a:accent4>
+      <a:accent5>
+        <a:srgbClr val="5B9BD5"/>
+      </a:accent5>
+      <a:accent6>
+        <a:srgbClr val="70AD47"/>
+      </a:accent6>
+      <a:hlink>
+        <a:srgbClr val="0563C1"/>
+      </a:hlink>
+      <a:folHlink>
+        <a:srgbClr val="954F72"/>
+      </a:folHlink>
+    </a:clrScheme>
+    <a:fontScheme name="Office">
+      <a:majorFont>
+        <a:latin typeface="游ゴシック Light" panose="020F0302020204030204"/>
+        <a:ea typeface=""/>
+        <a:cs typeface=""/>
+        <a:font script="Jpan" typeface="游ゴシック Light"/>
+        <a:font script="Hang" typeface="맑은 고딕"/>
+        <a:font script="Hans" typeface="等线 Light"/>
+        <a:font script="Hant" typeface="新細明體"/>
+        <a:font script="Arab" typeface="Times New Roman"/>
+        <a:font script="Hebr" typeface="Times New Roman"/>
+        <a:font script="Thai" typeface="Angsana New"/>
+        <a:font script="Ethi" typeface="Nyala"/>
+        <a:font script="Beng" typeface="Vrinda"/>
+        <a:font script="Gujr" typeface="Shruti"/>
+        <a:font script="Khmr" typeface="MoolBoran"/>
+        <a:font script="Knda" typeface="Tunga"/>
+        <a:font script="Guru" typeface="Raavi"/>
+        <a:font script="Cans" typeface="Euphemia"/>
+        <a:font script="Cher" typeface="Plantagenet Cherokee"/>
+        <a:font script="Yiii" typeface="Microsoft Yi Baiti"/>
+        <a:font script="Tibt" typeface="Microsoft Himalaya"/>
+        <a:font script="Thaa" typeface="MV Boli"/>
+        <a:font script="Deva" typeface="Mangal"/>
+        <a:font script="Telu" typeface="Gautami"/>
+        <a:font script="Taml" typeface="Latha"/>
+        <a:font script="Syrc" typeface="Estrangelo Edessa"/>
+        <a:font script="Orya" typeface="Kalinga"/>
+        <a:font script="Mlym" typeface="Kartika"/>
+        <a:font script="Laoo" typeface="DokChampa"/>
+        <a:font script="Sinh" typeface="Iskoola Pota"/>
+        <a:font script="Mong" typeface="Mongolian Baiti"/>
+        <a:font script="Viet" typeface="Times New Roman"/>
+        <a:font script="Uigh" typeface="Microsoft Uighur"/>
+        <a:font script="Geor" typeface="Sylfaen"/>
+        <a:font script="Armn" typeface="Arial"/>
+        <a:font script="Bugi" typeface="Leelawadee UI"/>
+        <a:font script="Bopo" typeface="Microsoft JhengHei"/>
+        <a:font script="Java" typeface="Javanese Text"/>
+        <a:font script="Lisu" typeface="Segoe UI"/>
+        <a:font script="Mymr" typeface="Myanmar Text"/>
+        <a:font script="Nkoo" typeface="Ebrima"/>
+        <a:font script="Olck" typeface="Nirmala UI"/>
+        <a:font script="Osma" typeface="Ebrima"/>
+        <a:font script="Phag" typeface="Phagspa"/>
+        <a:font script="Syrn" typeface="Estrangelo Edessa"/>
+        <a:font script="Syrj" typeface="Estrangelo Edessa"/>
+        <a:font script="Syre" typeface="Estrangelo Edessa"/>
+        <a:font script="Sora" typeface="Nirmala UI"/>
+        <a:font script="Tale" typeface="Microsoft Tai Le"/>
+        <a:font script="Talu" typeface="Microsoft New Tai Lue"/>
+        <a:font script="Tfng" typeface="Ebrima"/>
+      </a:majorFont>
+      <a:minorFont>
+        <a:latin typeface="游ゴシック" panose="020F0502020204030204"/>
+        <a:ea typeface=""/>
+        <a:cs typeface=""/>
+        <a:font script="Jpan" typeface="游ゴシック"/>
+        <a:font script="Hang" typeface="맑은 고딕"/>
+        <a:font script="Hans" typeface="等线"/>
+        <a:font script="Hant" typeface="新細明體"/>
+        <a:font script="Arab" typeface="Arial"/>
+        <a:font script="Hebr" typeface="Arial"/>
+        <a:font script="Thai" typeface="Cordia New"/>
+        <a:font script="Ethi" typeface="Nyala"/>
+        <a:font script="Beng" typeface="Vrinda"/>
+        <a:font script="Gujr" typeface="Shruti"/>
+        <a:font script="Khmr" typeface="DaunPenh"/>
+        <a:font script="Knda" typeface="Tunga"/>
+        <a:font script="Guru" typeface="Raavi"/>
+        <a:font script="Cans" typeface="Euphemia"/>
+        <a:font script="Cher" typeface="Plantagenet Cherokee"/>
+        <a:font script="Yiii" typeface="Microsoft Yi Baiti"/>
+        <a:font script="Tibt" typeface="Microsoft Himalaya"/>
+        <a:font script="Thaa" typeface="MV Boli"/>
+        <a:font script="Deva" typeface="Mangal"/>
+        <a:font script="Telu" typeface="Gautami"/>
+        <a:font script="Taml" typeface="Latha"/>
+        <a:font script="Syrc" typeface="Estrangelo Edessa"/>
+        <a:font script="Orya" typeface="Kalinga"/>
+        <a:font script="Mlym" typeface="Kartika"/>
+        <a:font script="Laoo" typeface="DokChampa"/>
+        <a:font script="Sinh" typeface="Iskoola Pota"/>
+        <a:font script="Mong" typeface="Mongolian Baiti"/>
+        <a:font script="Viet" typeface="Arial"/>
+        <a:font script="Uigh" typeface="Microsoft Uighur"/>
+        <a:font script="Geor" typeface="Sylfaen"/>
+        <a:font script="Armn" typeface="Arial"/>
+        <a:font script="Bugi" typeface="Leelawadee UI"/>
+        <a:font script="Bopo" typeface="Microsoft JhengHei"/>
+        <a:font script="Java" typeface="Javanese Text"/>
+        <a:font script="Lisu" typeface="Segoe UI"/>
+        <a:font script="Mymr" typeface="Myanmar Text"/>
+        <a:font script="Nkoo" typeface="Ebrima"/>
+        <a:font script="Olck" typeface="Nirmala UI"/>
+        <a:font script="Osma" typeface="Ebrima"/>
+        <a:font script="Phag" typeface="Phagspa"/>
+        <a:font script="Syrn" typeface="Estrangelo Edessa"/>
+        <a:font script="Syrj" typeface="Estrangelo Edessa"/>
+        <a:font script="Syre" typeface="Estrangelo Edessa"/>
+        <a:font script="Sora" typeface="Nirmala UI"/>
+        <a:font script="Tale" typeface="Microsoft Tai Le"/>
+        <a:font script="Talu" typeface="Microsoft New Tai Lue"/>
+        <a:font script="Tfng" typeface="Ebrima"/>
+      </a:minorFont>
+    </a:fontScheme>
+    <a:fmtScheme name="Office">
+      <a:fillStyleLst>
+        <a:solidFill>
+          <a:schemeClr val="phClr"/>
+        </a:solidFill>
+        <a:gradFill rotWithShape="1">
+          <a:gsLst>
+            <a:gs pos="0">
+              <a:schemeClr val="phClr">
+                <a:lumMod val="110000"/>
+                <a:satMod val="105000"/>
+                <a:tint val="67000"/>
+              </a:schemeClr>
+            </a:gs>
+            <a:gs pos="50000">
+              <a:schemeClr val="phClr">
+                <a:lumMod val="105000"/>
+                <a:satMod val="103000"/>
+                <a:tint val="73000"/>
+              </a:schemeClr>
+            </a:gs>
+            <a:gs pos="100000">
+              <a:schemeClr val="phClr">
+                <a:lumMod val="105000"/>
+                <a:satMod val="109000"/>
+                <a:tint val="81000"/>
+              </a:schemeClr>
+            </a:gs>
+          </a:gsLst>
+          <a:lin ang="5400000" scaled="0"/>
+        </a:gradFill>
+        <a:gradFill rotWithShape="1">
+          <a:gsLst>
+            <a:gs pos="0">
+              <a:schemeClr val="phClr">
+                <a:satMod val="103000"/>
+                <a:lumMod val="102000"/>
+                <a:tint val="94000"/>
+              </a:schemeClr>
+            </a:gs>
+            <a:gs pos="50000">
+              <a:schemeClr val="phClr">
+                <a:satMod val="110000"/>
+                <a:lumMod val="100000"/>
+                <a:shade val="100000"/>
+              </a:schemeClr>
+            </a:gs>
+            <a:gs pos="100000">
+              <a:schemeClr val="phClr">
+                <a:lumMod val="99000"/>
+                <a:satMod val="120000"/>
+                <a:shade val="78000"/>
+              </a:schemeClr>
+            </a:gs>
+          </a:gsLst>
+          <a:lin ang="5400000" scaled="0"/>
+        </a:gradFill>
+      </a:fillStyleLst>
+      <a:lnStyleLst>
+        <a:ln w="6350" cap="flat" cmpd="sng" algn="ctr">
+          <a:solidFill>
+            <a:schemeClr val="phClr"/>
+          </a:solidFill>
+          <a:prstDash val="solid"/>
+          <a:miter lim="800000"/>
+        </a:ln>
+        <a:ln w="12700" cap="flat" cmpd="sng" algn="ctr">
+          <a:solidFill>
+            <a:schemeClr val="phClr"/>
+          </a:solidFill>
+          <a:prstDash val="solid"/>
+          <a:miter lim="800000"/>
+        </a:ln>
+        <a:ln w="19050" cap="flat" cmpd="sng" algn="ctr">
+          <a:solidFill>
+            <a:schemeClr val="phClr"/>
+          </a:solidFill>
+          <a:prstDash val="solid"/>
+          <a:miter lim="800000"/>
+        </a:ln>
+      </a:lnStyleLst>
+      <a:effectStyleLst>
+        <a:effectStyle>
+          <a:effectLst/>
+        </a:effectStyle>
+        <a:effectStyle>
+          <a:effectLst/>
+        </a:effectStyle>
+        <a:effectStyle>
+          <a:effectLst>
+            <a:outerShdw blurRad="57150" dist="19050" dir="5400000" algn="ctr" rotWithShape="0">
+              <a:srgbClr val="000000">
+                <a:alpha val="63000"/>
+              </a:srgbClr>
+            </a:outerShdw>
+          </a:effectLst>
+        </a:effectStyle>
+      </a:effectStyleLst>
+      <a:bgFillStyleLst>
+        <a:solidFill>
+          <a:schemeClr val="phClr"/>
+        </a:solidFill>
+        <a:solidFill>
+          <a:schemeClr val="phClr">
+            <a:tint val="95000"/>
+            <a:satMod val="170000"/>
+          </a:schemeClr>
+        </a:solidFill>
+        <a:gradFill rotWithShape="1">
+          <a:gsLst>
+            <a:gs pos="0">
+              <a:schemeClr val="phClr">
+                <a:tint val="93000"/>
+                <a:satMod val="150000"/>
+                <a:shade val="98000"/>
+                <a:lumMod val="102000"/>
+              </a:schemeClr>
+            </a:gs>
+            <a:gs pos="50000">
+              <a:schemeClr val="phClr">
+                <a:tint val="98000"/>
+                <a:satMod val="130000"/>
+                <a:shade val="90000"/>
+                <a:lumMod val="103000"/>
+              </a:schemeClr>
+            </a:gs>
+            <a:gs pos="100000">
+              <a:schemeClr val="phClr">
+                <a:shade val="63000"/>
+                <a:satMod val="120000"/>
+              </a:schemeClr>
+            </a:gs>
+          </a:gsLst>
+          <a:lin ang="5400000" scaled="0"/>
+        </a:gradFill>
+      </a:bgFillStyleLst>
+    </a:fmtScheme>
+  </a:themeElements>
+  <a:objectDefaults/>
+  <a:extraClrSchemeLst/>
+  <a:extLst>
+    <a:ext uri="{05A4C25C-085E-4340-85A3-A5531E510DB2}">
+      <thm15:themeFamily xmlns:thm15="http://schemas.microsoft.com/office/thememl/2012/main" name="Office Theme" id="{62F939B6-93AF-4DB8-9C6B-D6C7DFDC589F}" vid="{4A3C46E8-61CC-4603-A589-7422A47A8E4A}"/>
+    </a:ext>
+  </a:extLst>
+</a:theme>
 </file>